--- a/SpartanHub.pptx
+++ b/SpartanHub.pptx
@@ -1,43 +1,43 @@
 
 <file path=ppt/presentation.xml><?xml version="1.0" encoding="utf-8"?>
-<p:presentation xmlns:a="http://schemas.openxmlformats.org/drawingml/2006/main" xmlns:r="http://schemas.openxmlformats.org/officeDocument/2006/relationships" xmlns:mc="http://schemas.openxmlformats.org/markup-compatibility/2006" xmlns:mv="urn:schemas-microsoft-com:mac:vml" xmlns:p="http://schemas.openxmlformats.org/presentationml/2006/main" xmlns:c="http://schemas.openxmlformats.org/drawingml/2006/chart" xmlns:dgm="http://schemas.openxmlformats.org/drawingml/2006/diagram" xmlns:o="urn:schemas-microsoft-com:office:office" xmlns:v="urn:schemas-microsoft-com:vml" xmlns:pvml="urn:schemas-microsoft-com:office:powerpoint" xmlns:com="http://schemas.openxmlformats.org/drawingml/2006/compatibility" xmlns:p14="http://schemas.microsoft.com/office/powerpoint/2010/main" xmlns:p15="http://schemas.microsoft.com/office/powerpoint/2012/main" autoCompressPictures="0" embedTrueTypeFonts="1" strictFirstAndLastChars="0" saveSubsetFonts="1">
+<p:presentation xmlns:a="http://schemas.openxmlformats.org/drawingml/2006/main" xmlns:r="http://schemas.openxmlformats.org/officeDocument/2006/relationships" xmlns:p="http://schemas.openxmlformats.org/presentationml/2006/main" strictFirstAndLastChars="0" embedTrueTypeFonts="1" saveSubsetFonts="1" autoCompressPictures="0">
   <p:sldMasterIdLst>
-    <p:sldMasterId id="2147483659" r:id="rId4"/>
+    <p:sldMasterId id="2147483659" r:id="rId1"/>
   </p:sldMasterIdLst>
   <p:notesMasterIdLst>
-    <p:notesMasterId r:id="rId5"/>
+    <p:notesMasterId r:id="rId11"/>
   </p:notesMasterIdLst>
   <p:sldIdLst>
-    <p:sldId id="256" r:id="rId6"/>
-    <p:sldId id="257" r:id="rId7"/>
-    <p:sldId id="258" r:id="rId8"/>
-    <p:sldId id="259" r:id="rId9"/>
-    <p:sldId id="260" r:id="rId10"/>
-    <p:sldId id="261" r:id="rId11"/>
-    <p:sldId id="262" r:id="rId12"/>
-    <p:sldId id="263" r:id="rId13"/>
-    <p:sldId id="264" r:id="rId14"/>
+    <p:sldId id="256" r:id="rId2"/>
+    <p:sldId id="257" r:id="rId3"/>
+    <p:sldId id="258" r:id="rId4"/>
+    <p:sldId id="259" r:id="rId5"/>
+    <p:sldId id="260" r:id="rId6"/>
+    <p:sldId id="261" r:id="rId7"/>
+    <p:sldId id="262" r:id="rId8"/>
+    <p:sldId id="263" r:id="rId9"/>
+    <p:sldId id="264" r:id="rId10"/>
   </p:sldIdLst>
-  <p:sldSz cy="5143500" cx="9144000"/>
+  <p:sldSz cx="9144000" cy="5143500" type="screen16x9"/>
   <p:notesSz cx="6858000" cy="9144000"/>
   <p:embeddedFontLst>
     <p:embeddedFont>
-      <p:font typeface="Montserrat"/>
-      <p:regular r:id="rId15"/>
-      <p:bold r:id="rId16"/>
-      <p:italic r:id="rId17"/>
-      <p:boldItalic r:id="rId18"/>
+      <p:font typeface="Merriweather" pitchFamily="2" charset="77"/>
+      <p:regular r:id="rId12"/>
+      <p:bold r:id="rId13"/>
+      <p:italic r:id="rId14"/>
+      <p:boldItalic r:id="rId15"/>
     </p:embeddedFont>
     <p:embeddedFont>
-      <p:font typeface="Merriweather"/>
-      <p:regular r:id="rId19"/>
-      <p:bold r:id="rId20"/>
-      <p:italic r:id="rId21"/>
-      <p:boldItalic r:id="rId22"/>
+      <p:font typeface="Montserrat" pitchFamily="2" charset="77"/>
+      <p:regular r:id="rId16"/>
+      <p:bold r:id="rId17"/>
+      <p:italic r:id="rId18"/>
+      <p:boldItalic r:id="rId19"/>
     </p:embeddedFont>
   </p:embeddedFontLst>
   <p:defaultTextStyle>
-    <a:defPPr lvl="0" marR="0" rtl="0" algn="l">
+    <a:defPPr marR="0" lvl="0" algn="l" rtl="0">
       <a:lnSpc>
         <a:spcPct val="100000"/>
       </a:lnSpc>
@@ -48,7 +48,7 @@
         <a:spcPts val="0"/>
       </a:spcAft>
     </a:defPPr>
-    <a:lvl1pPr lvl="0" marR="0" rtl="0" algn="l">
+    <a:lvl1pPr marR="0" lvl="0" algn="l" rtl="0">
       <a:lnSpc>
         <a:spcPct val="100000"/>
       </a:lnSpc>
@@ -62,7 +62,7 @@
         <a:srgbClr val="000000"/>
       </a:buClr>
       <a:buFont typeface="Arial"/>
-      <a:defRPr b="0" i="0" sz="1400" u="none" cap="none" strike="noStrike">
+      <a:defRPr sz="1400" b="0" i="0" u="none" strike="noStrike" cap="none">
         <a:solidFill>
           <a:srgbClr val="000000"/>
         </a:solidFill>
@@ -72,7 +72,7 @@
         <a:sym typeface="Arial"/>
       </a:defRPr>
     </a:lvl1pPr>
-    <a:lvl2pPr lvl="1" marR="0" rtl="0" algn="l">
+    <a:lvl2pPr marR="0" lvl="1" algn="l" rtl="0">
       <a:lnSpc>
         <a:spcPct val="100000"/>
       </a:lnSpc>
@@ -86,7 +86,7 @@
         <a:srgbClr val="000000"/>
       </a:buClr>
       <a:buFont typeface="Arial"/>
-      <a:defRPr b="0" i="0" sz="1400" u="none" cap="none" strike="noStrike">
+      <a:defRPr sz="1400" b="0" i="0" u="none" strike="noStrike" cap="none">
         <a:solidFill>
           <a:srgbClr val="000000"/>
         </a:solidFill>
@@ -96,7 +96,7 @@
         <a:sym typeface="Arial"/>
       </a:defRPr>
     </a:lvl2pPr>
-    <a:lvl3pPr lvl="2" marR="0" rtl="0" algn="l">
+    <a:lvl3pPr marR="0" lvl="2" algn="l" rtl="0">
       <a:lnSpc>
         <a:spcPct val="100000"/>
       </a:lnSpc>
@@ -110,7 +110,7 @@
         <a:srgbClr val="000000"/>
       </a:buClr>
       <a:buFont typeface="Arial"/>
-      <a:defRPr b="0" i="0" sz="1400" u="none" cap="none" strike="noStrike">
+      <a:defRPr sz="1400" b="0" i="0" u="none" strike="noStrike" cap="none">
         <a:solidFill>
           <a:srgbClr val="000000"/>
         </a:solidFill>
@@ -120,7 +120,7 @@
         <a:sym typeface="Arial"/>
       </a:defRPr>
     </a:lvl3pPr>
-    <a:lvl4pPr lvl="3" marR="0" rtl="0" algn="l">
+    <a:lvl4pPr marR="0" lvl="3" algn="l" rtl="0">
       <a:lnSpc>
         <a:spcPct val="100000"/>
       </a:lnSpc>
@@ -134,7 +134,7 @@
         <a:srgbClr val="000000"/>
       </a:buClr>
       <a:buFont typeface="Arial"/>
-      <a:defRPr b="0" i="0" sz="1400" u="none" cap="none" strike="noStrike">
+      <a:defRPr sz="1400" b="0" i="0" u="none" strike="noStrike" cap="none">
         <a:solidFill>
           <a:srgbClr val="000000"/>
         </a:solidFill>
@@ -144,7 +144,7 @@
         <a:sym typeface="Arial"/>
       </a:defRPr>
     </a:lvl4pPr>
-    <a:lvl5pPr lvl="4" marR="0" rtl="0" algn="l">
+    <a:lvl5pPr marR="0" lvl="4" algn="l" rtl="0">
       <a:lnSpc>
         <a:spcPct val="100000"/>
       </a:lnSpc>
@@ -158,7 +158,7 @@
         <a:srgbClr val="000000"/>
       </a:buClr>
       <a:buFont typeface="Arial"/>
-      <a:defRPr b="0" i="0" sz="1400" u="none" cap="none" strike="noStrike">
+      <a:defRPr sz="1400" b="0" i="0" u="none" strike="noStrike" cap="none">
         <a:solidFill>
           <a:srgbClr val="000000"/>
         </a:solidFill>
@@ -168,7 +168,7 @@
         <a:sym typeface="Arial"/>
       </a:defRPr>
     </a:lvl5pPr>
-    <a:lvl6pPr lvl="5" marR="0" rtl="0" algn="l">
+    <a:lvl6pPr marR="0" lvl="5" algn="l" rtl="0">
       <a:lnSpc>
         <a:spcPct val="100000"/>
       </a:lnSpc>
@@ -182,7 +182,7 @@
         <a:srgbClr val="000000"/>
       </a:buClr>
       <a:buFont typeface="Arial"/>
-      <a:defRPr b="0" i="0" sz="1400" u="none" cap="none" strike="noStrike">
+      <a:defRPr sz="1400" b="0" i="0" u="none" strike="noStrike" cap="none">
         <a:solidFill>
           <a:srgbClr val="000000"/>
         </a:solidFill>
@@ -192,7 +192,7 @@
         <a:sym typeface="Arial"/>
       </a:defRPr>
     </a:lvl6pPr>
-    <a:lvl7pPr lvl="6" marR="0" rtl="0" algn="l">
+    <a:lvl7pPr marR="0" lvl="6" algn="l" rtl="0">
       <a:lnSpc>
         <a:spcPct val="100000"/>
       </a:lnSpc>
@@ -206,7 +206,7 @@
         <a:srgbClr val="000000"/>
       </a:buClr>
       <a:buFont typeface="Arial"/>
-      <a:defRPr b="0" i="0" sz="1400" u="none" cap="none" strike="noStrike">
+      <a:defRPr sz="1400" b="0" i="0" u="none" strike="noStrike" cap="none">
         <a:solidFill>
           <a:srgbClr val="000000"/>
         </a:solidFill>
@@ -216,7 +216,7 @@
         <a:sym typeface="Arial"/>
       </a:defRPr>
     </a:lvl7pPr>
-    <a:lvl8pPr lvl="7" marR="0" rtl="0" algn="l">
+    <a:lvl8pPr marR="0" lvl="7" algn="l" rtl="0">
       <a:lnSpc>
         <a:spcPct val="100000"/>
       </a:lnSpc>
@@ -230,7 +230,7 @@
         <a:srgbClr val="000000"/>
       </a:buClr>
       <a:buFont typeface="Arial"/>
-      <a:defRPr b="0" i="0" sz="1400" u="none" cap="none" strike="noStrike">
+      <a:defRPr sz="1400" b="0" i="0" u="none" strike="noStrike" cap="none">
         <a:solidFill>
           <a:srgbClr val="000000"/>
         </a:solidFill>
@@ -240,7 +240,7 @@
         <a:sym typeface="Arial"/>
       </a:defRPr>
     </a:lvl8pPr>
-    <a:lvl9pPr lvl="8" marR="0" rtl="0" algn="l">
+    <a:lvl9pPr marR="0" lvl="8" algn="l" rtl="0">
       <a:lnSpc>
         <a:spcPct val="100000"/>
       </a:lnSpc>
@@ -254,7 +254,7 @@
         <a:srgbClr val="000000"/>
       </a:buClr>
       <a:buFont typeface="Arial"/>
-      <a:defRPr b="0" i="0" sz="1400" u="none" cap="none" strike="noStrike">
+      <a:defRPr sz="1400" b="0" i="0" u="none" strike="noStrike" cap="none">
         <a:solidFill>
           <a:srgbClr val="000000"/>
         </a:solidFill>
@@ -267,7 +267,7 @@
   </p:defaultTextStyle>
   <p:extLst>
     <p:ext uri="{EFAFB233-063F-42B5-8137-9DF3F51BA10A}">
-      <p15:sldGuideLst>
+      <p15:sldGuideLst xmlns:p15="http://schemas.microsoft.com/office/powerpoint/2012/main">
         <p15:guide id="1" orient="horz" pos="1620">
           <p15:clr>
             <a:srgbClr val="A4A3A4"/>
@@ -285,11 +285,16 @@
 </file>
 
 <file path=ppt/notesMasters/notesMaster1.xml><?xml version="1.0" encoding="utf-8"?>
-<p:notesMaster xmlns:a="http://schemas.openxmlformats.org/drawingml/2006/main" xmlns:r="http://schemas.openxmlformats.org/officeDocument/2006/relationships" xmlns:mc="http://schemas.openxmlformats.org/markup-compatibility/2006" xmlns:mv="urn:schemas-microsoft-com:mac:vml" xmlns:p="http://schemas.openxmlformats.org/presentationml/2006/main" xmlns:c="http://schemas.openxmlformats.org/drawingml/2006/chart" xmlns:dgm="http://schemas.openxmlformats.org/drawingml/2006/diagram" xmlns:o="urn:schemas-microsoft-com:office:office" xmlns:v="urn:schemas-microsoft-com:vml" xmlns:pvml="urn:schemas-microsoft-com:office:powerpoint" xmlns:com="http://schemas.openxmlformats.org/drawingml/2006/compatibility" xmlns:p14="http://schemas.microsoft.com/office/powerpoint/2010/main" xmlns:p15="http://schemas.microsoft.com/office/powerpoint/2012/main">
+<p:notesMaster xmlns:a="http://schemas.openxmlformats.org/drawingml/2006/main" xmlns:r="http://schemas.openxmlformats.org/officeDocument/2006/relationships" xmlns:p="http://schemas.openxmlformats.org/presentationml/2006/main">
   <p:cSld>
+    <p:bg>
+      <p:bgRef idx="1001">
+        <a:schemeClr val="bg1"/>
+      </p:bgRef>
+    </p:bg>
     <p:spTree>
       <p:nvGrpSpPr>
-        <p:cNvPr id="2" name="Shape 2"/>
+        <p:cNvPr id="1" name="Shape 2"/>
         <p:cNvGrpSpPr/>
         <p:nvPr/>
       </p:nvGrpSpPr>
@@ -304,9 +309,11 @@
       <p:sp>
         <p:nvSpPr>
           <p:cNvPr id="3" name="Google Shape;3;n"/>
-          <p:cNvSpPr/>
+          <p:cNvSpPr>
+            <a:spLocks noGrp="1" noRot="1" noChangeAspect="1"/>
+          </p:cNvSpPr>
           <p:nvPr>
-            <p:ph idx="2" type="sldImg"/>
+            <p:ph type="sldImg" idx="2"/>
           </p:nvPr>
         </p:nvSpPr>
         <p:spPr>
@@ -315,9 +322,13 @@
             <a:ext cx="6096075" cy="3429000"/>
           </a:xfrm>
           <a:custGeom>
-            <a:rect b="b" l="l" r="r" t="t"/>
+            <a:avLst/>
+            <a:gdLst/>
+            <a:ahLst/>
+            <a:cxnLst/>
+            <a:rect l="l" t="t" r="r" b="b"/>
             <a:pathLst>
-              <a:path extrusionOk="0" h="120000" w="120000">
+              <a:path w="120000" h="120000" extrusionOk="0">
                 <a:moveTo>
                   <a:pt x="0" y="0"/>
                 </a:moveTo>
@@ -335,23 +346,25 @@
             </a:pathLst>
           </a:custGeom>
           <a:noFill/>
-          <a:ln cap="flat" cmpd="sng" w="9525">
+          <a:ln w="9525" cap="flat" cmpd="sng">
             <a:solidFill>
               <a:srgbClr val="000000"/>
             </a:solidFill>
             <a:prstDash val="solid"/>
             <a:round/>
-            <a:headEnd len="sm" w="sm" type="none"/>
-            <a:tailEnd len="sm" w="sm" type="none"/>
+            <a:headEnd type="none" w="sm" len="sm"/>
+            <a:tailEnd type="none" w="sm" len="sm"/>
           </a:ln>
         </p:spPr>
       </p:sp>
       <p:sp>
         <p:nvSpPr>
           <p:cNvPr id="4" name="Google Shape;4;n"/>
-          <p:cNvSpPr txBox="1"/>
+          <p:cNvSpPr txBox="1">
+            <a:spLocks noGrp="1"/>
+          </p:cNvSpPr>
           <p:nvPr>
-            <p:ph idx="1" type="body"/>
+            <p:ph type="body" idx="1"/>
           </p:nvPr>
         </p:nvSpPr>
         <p:spPr>
@@ -368,11 +381,11 @@
           </a:ln>
         </p:spPr>
         <p:txBody>
-          <a:bodyPr anchorCtr="0" anchor="t" bIns="91425" lIns="91425" spcFirstLastPara="1" rIns="91425" wrap="square" tIns="91425">
+          <a:bodyPr spcFirstLastPara="1" wrap="square" lIns="91425" tIns="91425" rIns="91425" bIns="91425" anchor="t" anchorCtr="0">
             <a:noAutofit/>
           </a:bodyPr>
           <a:lstStyle>
-            <a:lvl1pPr indent="-298450" lvl="0" marL="457200">
+            <a:lvl1pPr marL="457200" lvl="0" indent="-298450">
               <a:spcBef>
                 <a:spcPts val="0"/>
               </a:spcBef>
@@ -383,7 +396,7 @@
               <a:buChar char="●"/>
               <a:defRPr sz="1100"/>
             </a:lvl1pPr>
-            <a:lvl2pPr indent="-298450" lvl="1" marL="914400">
+            <a:lvl2pPr marL="914400" lvl="1" indent="-298450">
               <a:spcBef>
                 <a:spcPts val="0"/>
               </a:spcBef>
@@ -394,7 +407,7 @@
               <a:buChar char="○"/>
               <a:defRPr sz="1100"/>
             </a:lvl2pPr>
-            <a:lvl3pPr indent="-298450" lvl="2" marL="1371600">
+            <a:lvl3pPr marL="1371600" lvl="2" indent="-298450">
               <a:spcBef>
                 <a:spcPts val="0"/>
               </a:spcBef>
@@ -405,7 +418,7 @@
               <a:buChar char="■"/>
               <a:defRPr sz="1100"/>
             </a:lvl3pPr>
-            <a:lvl4pPr indent="-298450" lvl="3" marL="1828800">
+            <a:lvl4pPr marL="1828800" lvl="3" indent="-298450">
               <a:spcBef>
                 <a:spcPts val="0"/>
               </a:spcBef>
@@ -416,7 +429,7 @@
               <a:buChar char="●"/>
               <a:defRPr sz="1100"/>
             </a:lvl4pPr>
-            <a:lvl5pPr indent="-298450" lvl="4" marL="2286000">
+            <a:lvl5pPr marL="2286000" lvl="4" indent="-298450">
               <a:spcBef>
                 <a:spcPts val="0"/>
               </a:spcBef>
@@ -427,7 +440,7 @@
               <a:buChar char="○"/>
               <a:defRPr sz="1100"/>
             </a:lvl5pPr>
-            <a:lvl6pPr indent="-298450" lvl="5" marL="2743200">
+            <a:lvl6pPr marL="2743200" lvl="5" indent="-298450">
               <a:spcBef>
                 <a:spcPts val="0"/>
               </a:spcBef>
@@ -438,7 +451,7 @@
               <a:buChar char="■"/>
               <a:defRPr sz="1100"/>
             </a:lvl6pPr>
-            <a:lvl7pPr indent="-298450" lvl="6" marL="3200400">
+            <a:lvl7pPr marL="3200400" lvl="6" indent="-298450">
               <a:spcBef>
                 <a:spcPts val="0"/>
               </a:spcBef>
@@ -449,7 +462,7 @@
               <a:buChar char="●"/>
               <a:defRPr sz="1100"/>
             </a:lvl7pPr>
-            <a:lvl8pPr indent="-298450" lvl="7" marL="3657600">
+            <a:lvl8pPr marL="3657600" lvl="7" indent="-298450">
               <a:spcBef>
                 <a:spcPts val="0"/>
               </a:spcBef>
@@ -460,7 +473,7 @@
               <a:buChar char="○"/>
               <a:defRPr sz="1100"/>
             </a:lvl8pPr>
-            <a:lvl9pPr indent="-298450" lvl="8" marL="4114800">
+            <a:lvl9pPr marL="4114800" lvl="8" indent="-298450">
               <a:spcBef>
                 <a:spcPts val="0"/>
               </a:spcBef>
@@ -472,14 +485,16 @@
               <a:defRPr sz="1100"/>
             </a:lvl9pPr>
           </a:lstStyle>
-          <a:p/>
+          <a:p>
+            <a:endParaRPr/>
+          </a:p>
         </p:txBody>
       </p:sp>
     </p:spTree>
   </p:cSld>
-  <p:clrMap accent1="accent1" accent2="accent2" accent3="accent3" accent4="accent4" accent5="accent5" accent6="accent6" bg1="lt1" bg2="dk2" tx1="dk1" tx2="lt2" folHlink="folHlink" hlink="hlink"/>
+  <p:clrMap bg1="lt1" tx1="dk1" bg2="dk2" tx2="lt2" accent1="accent1" accent2="accent2" accent3="accent3" accent4="accent4" accent5="accent5" accent6="accent6" hlink="hlink" folHlink="folHlink"/>
   <p:notesStyle>
-    <a:defPPr lvl="0" marR="0" rtl="0" algn="l">
+    <a:defPPr marR="0" lvl="0" algn="l" rtl="0">
       <a:lnSpc>
         <a:spcPct val="100000"/>
       </a:lnSpc>
@@ -490,7 +505,7 @@
         <a:spcPts val="0"/>
       </a:spcAft>
     </a:defPPr>
-    <a:lvl1pPr lvl="0" marR="0" rtl="0" algn="l">
+    <a:lvl1pPr marR="0" lvl="0" algn="l" rtl="0">
       <a:lnSpc>
         <a:spcPct val="100000"/>
       </a:lnSpc>
@@ -504,7 +519,7 @@
         <a:srgbClr val="000000"/>
       </a:buClr>
       <a:buFont typeface="Arial"/>
-      <a:defRPr b="0" i="0" sz="1400" u="none" cap="none" strike="noStrike">
+      <a:defRPr sz="1400" b="0" i="0" u="none" strike="noStrike" cap="none">
         <a:solidFill>
           <a:srgbClr val="000000"/>
         </a:solidFill>
@@ -514,7 +529,7 @@
         <a:sym typeface="Arial"/>
       </a:defRPr>
     </a:lvl1pPr>
-    <a:lvl2pPr lvl="1" marR="0" rtl="0" algn="l">
+    <a:lvl2pPr marR="0" lvl="1" algn="l" rtl="0">
       <a:lnSpc>
         <a:spcPct val="100000"/>
       </a:lnSpc>
@@ -528,7 +543,7 @@
         <a:srgbClr val="000000"/>
       </a:buClr>
       <a:buFont typeface="Arial"/>
-      <a:defRPr b="0" i="0" sz="1400" u="none" cap="none" strike="noStrike">
+      <a:defRPr sz="1400" b="0" i="0" u="none" strike="noStrike" cap="none">
         <a:solidFill>
           <a:srgbClr val="000000"/>
         </a:solidFill>
@@ -538,7 +553,7 @@
         <a:sym typeface="Arial"/>
       </a:defRPr>
     </a:lvl2pPr>
-    <a:lvl3pPr lvl="2" marR="0" rtl="0" algn="l">
+    <a:lvl3pPr marR="0" lvl="2" algn="l" rtl="0">
       <a:lnSpc>
         <a:spcPct val="100000"/>
       </a:lnSpc>
@@ -552,7 +567,7 @@
         <a:srgbClr val="000000"/>
       </a:buClr>
       <a:buFont typeface="Arial"/>
-      <a:defRPr b="0" i="0" sz="1400" u="none" cap="none" strike="noStrike">
+      <a:defRPr sz="1400" b="0" i="0" u="none" strike="noStrike" cap="none">
         <a:solidFill>
           <a:srgbClr val="000000"/>
         </a:solidFill>
@@ -562,7 +577,7 @@
         <a:sym typeface="Arial"/>
       </a:defRPr>
     </a:lvl3pPr>
-    <a:lvl4pPr lvl="3" marR="0" rtl="0" algn="l">
+    <a:lvl4pPr marR="0" lvl="3" algn="l" rtl="0">
       <a:lnSpc>
         <a:spcPct val="100000"/>
       </a:lnSpc>
@@ -576,7 +591,7 @@
         <a:srgbClr val="000000"/>
       </a:buClr>
       <a:buFont typeface="Arial"/>
-      <a:defRPr b="0" i="0" sz="1400" u="none" cap="none" strike="noStrike">
+      <a:defRPr sz="1400" b="0" i="0" u="none" strike="noStrike" cap="none">
         <a:solidFill>
           <a:srgbClr val="000000"/>
         </a:solidFill>
@@ -586,7 +601,7 @@
         <a:sym typeface="Arial"/>
       </a:defRPr>
     </a:lvl4pPr>
-    <a:lvl5pPr lvl="4" marR="0" rtl="0" algn="l">
+    <a:lvl5pPr marR="0" lvl="4" algn="l" rtl="0">
       <a:lnSpc>
         <a:spcPct val="100000"/>
       </a:lnSpc>
@@ -600,7 +615,7 @@
         <a:srgbClr val="000000"/>
       </a:buClr>
       <a:buFont typeface="Arial"/>
-      <a:defRPr b="0" i="0" sz="1400" u="none" cap="none" strike="noStrike">
+      <a:defRPr sz="1400" b="0" i="0" u="none" strike="noStrike" cap="none">
         <a:solidFill>
           <a:srgbClr val="000000"/>
         </a:solidFill>
@@ -610,7 +625,7 @@
         <a:sym typeface="Arial"/>
       </a:defRPr>
     </a:lvl5pPr>
-    <a:lvl6pPr lvl="5" marR="0" rtl="0" algn="l">
+    <a:lvl6pPr marR="0" lvl="5" algn="l" rtl="0">
       <a:lnSpc>
         <a:spcPct val="100000"/>
       </a:lnSpc>
@@ -624,7 +639,7 @@
         <a:srgbClr val="000000"/>
       </a:buClr>
       <a:buFont typeface="Arial"/>
-      <a:defRPr b="0" i="0" sz="1400" u="none" cap="none" strike="noStrike">
+      <a:defRPr sz="1400" b="0" i="0" u="none" strike="noStrike" cap="none">
         <a:solidFill>
           <a:srgbClr val="000000"/>
         </a:solidFill>
@@ -634,7 +649,7 @@
         <a:sym typeface="Arial"/>
       </a:defRPr>
     </a:lvl6pPr>
-    <a:lvl7pPr lvl="6" marR="0" rtl="0" algn="l">
+    <a:lvl7pPr marR="0" lvl="6" algn="l" rtl="0">
       <a:lnSpc>
         <a:spcPct val="100000"/>
       </a:lnSpc>
@@ -648,7 +663,7 @@
         <a:srgbClr val="000000"/>
       </a:buClr>
       <a:buFont typeface="Arial"/>
-      <a:defRPr b="0" i="0" sz="1400" u="none" cap="none" strike="noStrike">
+      <a:defRPr sz="1400" b="0" i="0" u="none" strike="noStrike" cap="none">
         <a:solidFill>
           <a:srgbClr val="000000"/>
         </a:solidFill>
@@ -658,7 +673,7 @@
         <a:sym typeface="Arial"/>
       </a:defRPr>
     </a:lvl7pPr>
-    <a:lvl8pPr lvl="7" marR="0" rtl="0" algn="l">
+    <a:lvl8pPr marR="0" lvl="7" algn="l" rtl="0">
       <a:lnSpc>
         <a:spcPct val="100000"/>
       </a:lnSpc>
@@ -672,7 +687,7 @@
         <a:srgbClr val="000000"/>
       </a:buClr>
       <a:buFont typeface="Arial"/>
-      <a:defRPr b="0" i="0" sz="1400" u="none" cap="none" strike="noStrike">
+      <a:defRPr sz="1400" b="0" i="0" u="none" strike="noStrike" cap="none">
         <a:solidFill>
           <a:srgbClr val="000000"/>
         </a:solidFill>
@@ -682,7 +697,7 @@
         <a:sym typeface="Arial"/>
       </a:defRPr>
     </a:lvl8pPr>
-    <a:lvl9pPr lvl="8" marR="0" rtl="0" algn="l">
+    <a:lvl9pPr marR="0" lvl="8" algn="l" rtl="0">
       <a:lnSpc>
         <a:spcPct val="100000"/>
       </a:lnSpc>
@@ -696,7 +711,7 @@
         <a:srgbClr val="000000"/>
       </a:buClr>
       <a:buFont typeface="Arial"/>
-      <a:defRPr b="0" i="0" sz="1400" u="none" cap="none" strike="noStrike">
+      <a:defRPr sz="1400" b="0" i="0" u="none" strike="noStrike" cap="none">
         <a:solidFill>
           <a:srgbClr val="000000"/>
         </a:solidFill>
@@ -711,11 +726,11 @@
 </file>
 
 <file path=ppt/notesSlides/notesSlide1.xml><?xml version="1.0" encoding="utf-8"?>
-<p:notes xmlns:a="http://schemas.openxmlformats.org/drawingml/2006/main" xmlns:r="http://schemas.openxmlformats.org/officeDocument/2006/relationships" xmlns:mc="http://schemas.openxmlformats.org/markup-compatibility/2006" xmlns:mv="urn:schemas-microsoft-com:mac:vml" xmlns:p="http://schemas.openxmlformats.org/presentationml/2006/main" xmlns:c="http://schemas.openxmlformats.org/drawingml/2006/chart" xmlns:dgm="http://schemas.openxmlformats.org/drawingml/2006/diagram" xmlns:o="urn:schemas-microsoft-com:office:office" xmlns:v="urn:schemas-microsoft-com:vml" xmlns:pvml="urn:schemas-microsoft-com:office:powerpoint" xmlns:com="http://schemas.openxmlformats.org/drawingml/2006/compatibility" xmlns:p14="http://schemas.microsoft.com/office/powerpoint/2010/main" xmlns:p15="http://schemas.microsoft.com/office/powerpoint/2012/main" showMasterPhAnim="0" showMasterSp="0">
+<p:notes xmlns:a="http://schemas.openxmlformats.org/drawingml/2006/main" xmlns:r="http://schemas.openxmlformats.org/officeDocument/2006/relationships" xmlns:p="http://schemas.openxmlformats.org/presentationml/2006/main" showMasterSp="0" showMasterPhAnim="0">
   <p:cSld>
     <p:spTree>
       <p:nvGrpSpPr>
-        <p:cNvPr id="50" name="Shape 50"/>
+        <p:cNvPr id="1" name="Shape 50"/>
         <p:cNvGrpSpPr/>
         <p:nvPr/>
       </p:nvGrpSpPr>
@@ -730,20 +745,26 @@
       <p:sp>
         <p:nvSpPr>
           <p:cNvPr id="51" name="Google Shape;51;g6b8c4dcdb4_0_0:notes"/>
-          <p:cNvSpPr/>
+          <p:cNvSpPr>
+            <a:spLocks noGrp="1" noRot="1" noChangeAspect="1"/>
+          </p:cNvSpPr>
           <p:nvPr>
-            <p:ph idx="2" type="sldImg"/>
+            <p:ph type="sldImg" idx="2"/>
           </p:nvPr>
         </p:nvSpPr>
         <p:spPr>
           <a:xfrm>
-            <a:off x="381188" y="685800"/>
-            <a:ext cx="6096300" cy="3429000"/>
+            <a:off x="381000" y="685800"/>
+            <a:ext cx="6096000" cy="3429000"/>
           </a:xfrm>
           <a:custGeom>
-            <a:rect b="b" l="l" r="r" t="t"/>
+            <a:avLst/>
+            <a:gdLst/>
+            <a:ahLst/>
+            <a:cxnLst/>
+            <a:rect l="l" t="t" r="r" b="b"/>
             <a:pathLst>
-              <a:path extrusionOk="0" h="120000" w="120000">
+              <a:path w="120000" h="120000" extrusionOk="0">
                 <a:moveTo>
                   <a:pt x="0" y="0"/>
                 </a:moveTo>
@@ -765,9 +786,11 @@
       <p:sp>
         <p:nvSpPr>
           <p:cNvPr id="52" name="Google Shape;52;g6b8c4dcdb4_0_0:notes"/>
-          <p:cNvSpPr txBox="1"/>
+          <p:cNvSpPr txBox="1">
+            <a:spLocks noGrp="1"/>
+          </p:cNvSpPr>
           <p:nvPr>
-            <p:ph idx="1" type="body"/>
+            <p:ph type="body" idx="1"/>
           </p:nvPr>
         </p:nvSpPr>
         <p:spPr>
@@ -780,12 +803,12 @@
           </a:prstGeom>
         </p:spPr>
         <p:txBody>
-          <a:bodyPr anchorCtr="0" anchor="t" bIns="91425" lIns="91425" spcFirstLastPara="1" rIns="91425" wrap="square" tIns="91425">
+          <a:bodyPr spcFirstLastPara="1" wrap="square" lIns="91425" tIns="91425" rIns="91425" bIns="91425" anchor="t" anchorCtr="0">
             <a:noAutofit/>
           </a:bodyPr>
           <a:lstStyle/>
           <a:p>
-            <a:pPr indent="0" lvl="0" marL="0" rtl="0" algn="l">
+            <a:pPr marL="0" lvl="0" indent="0" algn="l" rtl="0">
               <a:spcBef>
                 <a:spcPts val="0"/>
               </a:spcBef>
@@ -794,9 +817,6 @@
               </a:spcAft>
               <a:buNone/>
             </a:pPr>
-            <a:r>
-              <a:t/>
-            </a:r>
             <a:endParaRPr/>
           </a:p>
         </p:txBody>
@@ -810,11 +830,11 @@
 </file>
 
 <file path=ppt/notesSlides/notesSlide2.xml><?xml version="1.0" encoding="utf-8"?>
-<p:notes xmlns:a="http://schemas.openxmlformats.org/drawingml/2006/main" xmlns:r="http://schemas.openxmlformats.org/officeDocument/2006/relationships" xmlns:mc="http://schemas.openxmlformats.org/markup-compatibility/2006" xmlns:mv="urn:schemas-microsoft-com:mac:vml" xmlns:p="http://schemas.openxmlformats.org/presentationml/2006/main" xmlns:c="http://schemas.openxmlformats.org/drawingml/2006/chart" xmlns:dgm="http://schemas.openxmlformats.org/drawingml/2006/diagram" xmlns:o="urn:schemas-microsoft-com:office:office" xmlns:v="urn:schemas-microsoft-com:vml" xmlns:pvml="urn:schemas-microsoft-com:office:powerpoint" xmlns:com="http://schemas.openxmlformats.org/drawingml/2006/compatibility" xmlns:p14="http://schemas.microsoft.com/office/powerpoint/2010/main" xmlns:p15="http://schemas.microsoft.com/office/powerpoint/2012/main" showMasterPhAnim="0" showMasterSp="0">
+<p:notes xmlns:a="http://schemas.openxmlformats.org/drawingml/2006/main" xmlns:r="http://schemas.openxmlformats.org/officeDocument/2006/relationships" xmlns:p="http://schemas.openxmlformats.org/presentationml/2006/main" showMasterSp="0" showMasterPhAnim="0">
   <p:cSld>
     <p:spTree>
       <p:nvGrpSpPr>
-        <p:cNvPr id="60" name="Shape 60"/>
+        <p:cNvPr id="1" name="Shape 60"/>
         <p:cNvGrpSpPr/>
         <p:nvPr/>
       </p:nvGrpSpPr>
@@ -829,9 +849,11 @@
       <p:sp>
         <p:nvSpPr>
           <p:cNvPr id="61" name="Google Shape;61;g6b8c4dcdb4_0_9:notes"/>
-          <p:cNvSpPr/>
+          <p:cNvSpPr>
+            <a:spLocks noGrp="1" noRot="1" noChangeAspect="1"/>
+          </p:cNvSpPr>
           <p:nvPr>
-            <p:ph idx="2" type="sldImg"/>
+            <p:ph type="sldImg" idx="2"/>
           </p:nvPr>
         </p:nvSpPr>
         <p:spPr>
@@ -840,9 +862,13 @@
             <a:ext cx="6096000" cy="3429000"/>
           </a:xfrm>
           <a:custGeom>
-            <a:rect b="b" l="l" r="r" t="t"/>
+            <a:avLst/>
+            <a:gdLst/>
+            <a:ahLst/>
+            <a:cxnLst/>
+            <a:rect l="l" t="t" r="r" b="b"/>
             <a:pathLst>
-              <a:path extrusionOk="0" h="120000" w="120000">
+              <a:path w="120000" h="120000" extrusionOk="0">
                 <a:moveTo>
                   <a:pt x="0" y="0"/>
                 </a:moveTo>
@@ -864,9 +890,11 @@
       <p:sp>
         <p:nvSpPr>
           <p:cNvPr id="62" name="Google Shape;62;g6b8c4dcdb4_0_9:notes"/>
-          <p:cNvSpPr txBox="1"/>
+          <p:cNvSpPr txBox="1">
+            <a:spLocks noGrp="1"/>
+          </p:cNvSpPr>
           <p:nvPr>
-            <p:ph idx="1" type="body"/>
+            <p:ph type="body" idx="1"/>
           </p:nvPr>
         </p:nvSpPr>
         <p:spPr>
@@ -879,12 +907,12 @@
           </a:prstGeom>
         </p:spPr>
         <p:txBody>
-          <a:bodyPr anchorCtr="0" anchor="t" bIns="91425" lIns="91425" spcFirstLastPara="1" rIns="91425" wrap="square" tIns="91425">
+          <a:bodyPr spcFirstLastPara="1" wrap="square" lIns="91425" tIns="91425" rIns="91425" bIns="91425" anchor="t" anchorCtr="0">
             <a:noAutofit/>
           </a:bodyPr>
           <a:lstStyle/>
           <a:p>
-            <a:pPr indent="0" lvl="0" marL="0" rtl="0" algn="l">
+            <a:pPr marL="0" lvl="0" indent="0" algn="l" rtl="0">
               <a:spcBef>
                 <a:spcPts val="0"/>
               </a:spcBef>
@@ -893,9 +921,6 @@
               </a:spcAft>
               <a:buNone/>
             </a:pPr>
-            <a:r>
-              <a:t/>
-            </a:r>
             <a:endParaRPr/>
           </a:p>
         </p:txBody>
@@ -909,11 +934,11 @@
 </file>
 
 <file path=ppt/notesSlides/notesSlide3.xml><?xml version="1.0" encoding="utf-8"?>
-<p:notes xmlns:a="http://schemas.openxmlformats.org/drawingml/2006/main" xmlns:r="http://schemas.openxmlformats.org/officeDocument/2006/relationships" xmlns:mc="http://schemas.openxmlformats.org/markup-compatibility/2006" xmlns:mv="urn:schemas-microsoft-com:mac:vml" xmlns:p="http://schemas.openxmlformats.org/presentationml/2006/main" xmlns:c="http://schemas.openxmlformats.org/drawingml/2006/chart" xmlns:dgm="http://schemas.openxmlformats.org/drawingml/2006/diagram" xmlns:o="urn:schemas-microsoft-com:office:office" xmlns:v="urn:schemas-microsoft-com:vml" xmlns:pvml="urn:schemas-microsoft-com:office:powerpoint" xmlns:com="http://schemas.openxmlformats.org/drawingml/2006/compatibility" xmlns:p14="http://schemas.microsoft.com/office/powerpoint/2010/main" xmlns:p15="http://schemas.microsoft.com/office/powerpoint/2012/main" showMasterPhAnim="0" showMasterSp="0">
+<p:notes xmlns:a="http://schemas.openxmlformats.org/drawingml/2006/main" xmlns:r="http://schemas.openxmlformats.org/officeDocument/2006/relationships" xmlns:p="http://schemas.openxmlformats.org/presentationml/2006/main" showMasterSp="0" showMasterPhAnim="0">
   <p:cSld>
     <p:spTree>
       <p:nvGrpSpPr>
-        <p:cNvPr id="67" name="Shape 67"/>
+        <p:cNvPr id="1" name="Shape 67"/>
         <p:cNvGrpSpPr/>
         <p:nvPr/>
       </p:nvGrpSpPr>
@@ -928,9 +953,11 @@
       <p:sp>
         <p:nvSpPr>
           <p:cNvPr id="68" name="Google Shape;68;g6b8c4dcdb4_0_15:notes"/>
-          <p:cNvSpPr/>
+          <p:cNvSpPr>
+            <a:spLocks noGrp="1" noRot="1" noChangeAspect="1"/>
+          </p:cNvSpPr>
           <p:nvPr>
-            <p:ph idx="2" type="sldImg"/>
+            <p:ph type="sldImg" idx="2"/>
           </p:nvPr>
         </p:nvSpPr>
         <p:spPr>
@@ -939,9 +966,13 @@
             <a:ext cx="6096000" cy="3429000"/>
           </a:xfrm>
           <a:custGeom>
-            <a:rect b="b" l="l" r="r" t="t"/>
+            <a:avLst/>
+            <a:gdLst/>
+            <a:ahLst/>
+            <a:cxnLst/>
+            <a:rect l="l" t="t" r="r" b="b"/>
             <a:pathLst>
-              <a:path extrusionOk="0" h="120000" w="120000">
+              <a:path w="120000" h="120000" extrusionOk="0">
                 <a:moveTo>
                   <a:pt x="0" y="0"/>
                 </a:moveTo>
@@ -963,9 +994,11 @@
       <p:sp>
         <p:nvSpPr>
           <p:cNvPr id="69" name="Google Shape;69;g6b8c4dcdb4_0_15:notes"/>
-          <p:cNvSpPr txBox="1"/>
+          <p:cNvSpPr txBox="1">
+            <a:spLocks noGrp="1"/>
+          </p:cNvSpPr>
           <p:nvPr>
-            <p:ph idx="1" type="body"/>
+            <p:ph type="body" idx="1"/>
           </p:nvPr>
         </p:nvSpPr>
         <p:spPr>
@@ -978,12 +1011,12 @@
           </a:prstGeom>
         </p:spPr>
         <p:txBody>
-          <a:bodyPr anchorCtr="0" anchor="t" bIns="91425" lIns="91425" spcFirstLastPara="1" rIns="91425" wrap="square" tIns="91425">
+          <a:bodyPr spcFirstLastPara="1" wrap="square" lIns="91425" tIns="91425" rIns="91425" bIns="91425" anchor="t" anchorCtr="0">
             <a:noAutofit/>
           </a:bodyPr>
           <a:lstStyle/>
           <a:p>
-            <a:pPr indent="0" lvl="0" marL="0" rtl="0" algn="l">
+            <a:pPr marL="0" lvl="0" indent="0" algn="l" rtl="0">
               <a:spcBef>
                 <a:spcPts val="0"/>
               </a:spcBef>
@@ -992,9 +1025,6 @@
               </a:spcAft>
               <a:buNone/>
             </a:pPr>
-            <a:r>
-              <a:t/>
-            </a:r>
             <a:endParaRPr/>
           </a:p>
         </p:txBody>
@@ -1008,11 +1038,11 @@
 </file>
 
 <file path=ppt/notesSlides/notesSlide4.xml><?xml version="1.0" encoding="utf-8"?>
-<p:notes xmlns:a="http://schemas.openxmlformats.org/drawingml/2006/main" xmlns:r="http://schemas.openxmlformats.org/officeDocument/2006/relationships" xmlns:mc="http://schemas.openxmlformats.org/markup-compatibility/2006" xmlns:mv="urn:schemas-microsoft-com:mac:vml" xmlns:p="http://schemas.openxmlformats.org/presentationml/2006/main" xmlns:c="http://schemas.openxmlformats.org/drawingml/2006/chart" xmlns:dgm="http://schemas.openxmlformats.org/drawingml/2006/diagram" xmlns:o="urn:schemas-microsoft-com:office:office" xmlns:v="urn:schemas-microsoft-com:vml" xmlns:pvml="urn:schemas-microsoft-com:office:powerpoint" xmlns:com="http://schemas.openxmlformats.org/drawingml/2006/compatibility" xmlns:p14="http://schemas.microsoft.com/office/powerpoint/2010/main" xmlns:p15="http://schemas.microsoft.com/office/powerpoint/2012/main" showMasterPhAnim="0" showMasterSp="0">
+<p:notes xmlns:a="http://schemas.openxmlformats.org/drawingml/2006/main" xmlns:r="http://schemas.openxmlformats.org/officeDocument/2006/relationships" xmlns:p="http://schemas.openxmlformats.org/presentationml/2006/main" showMasterSp="0" showMasterPhAnim="0">
   <p:cSld>
     <p:spTree>
       <p:nvGrpSpPr>
-        <p:cNvPr id="74" name="Shape 74"/>
+        <p:cNvPr id="1" name="Shape 74"/>
         <p:cNvGrpSpPr/>
         <p:nvPr/>
       </p:nvGrpSpPr>
@@ -1027,20 +1057,26 @@
       <p:sp>
         <p:nvSpPr>
           <p:cNvPr id="75" name="Google Shape;75;g6b8c4dcdb4_0_21:notes"/>
-          <p:cNvSpPr/>
+          <p:cNvSpPr>
+            <a:spLocks noGrp="1" noRot="1" noChangeAspect="1"/>
+          </p:cNvSpPr>
           <p:nvPr>
-            <p:ph idx="2" type="sldImg"/>
+            <p:ph type="sldImg" idx="2"/>
           </p:nvPr>
         </p:nvSpPr>
         <p:spPr>
           <a:xfrm>
-            <a:off x="381300" y="685800"/>
+            <a:off x="381000" y="685800"/>
             <a:ext cx="6096000" cy="3429000"/>
           </a:xfrm>
           <a:custGeom>
-            <a:rect b="b" l="l" r="r" t="t"/>
+            <a:avLst/>
+            <a:gdLst/>
+            <a:ahLst/>
+            <a:cxnLst/>
+            <a:rect l="l" t="t" r="r" b="b"/>
             <a:pathLst>
-              <a:path extrusionOk="0" h="120000" w="120000">
+              <a:path w="120000" h="120000" extrusionOk="0">
                 <a:moveTo>
                   <a:pt x="0" y="0"/>
                 </a:moveTo>
@@ -1062,9 +1098,11 @@
       <p:sp>
         <p:nvSpPr>
           <p:cNvPr id="76" name="Google Shape;76;g6b8c4dcdb4_0_21:notes"/>
-          <p:cNvSpPr txBox="1"/>
+          <p:cNvSpPr txBox="1">
+            <a:spLocks noGrp="1"/>
+          </p:cNvSpPr>
           <p:nvPr>
-            <p:ph idx="1" type="body"/>
+            <p:ph type="body" idx="1"/>
           </p:nvPr>
         </p:nvSpPr>
         <p:spPr>
@@ -1077,12 +1115,12 @@
           </a:prstGeom>
         </p:spPr>
         <p:txBody>
-          <a:bodyPr anchorCtr="0" anchor="t" bIns="91425" lIns="91425" spcFirstLastPara="1" rIns="91425" wrap="square" tIns="91425">
+          <a:bodyPr spcFirstLastPara="1" wrap="square" lIns="91425" tIns="91425" rIns="91425" bIns="91425" anchor="t" anchorCtr="0">
             <a:noAutofit/>
           </a:bodyPr>
           <a:lstStyle/>
           <a:p>
-            <a:pPr indent="0" lvl="0" marL="0" rtl="0" algn="l">
+            <a:pPr marL="0" lvl="0" indent="0" algn="l" rtl="0">
               <a:spcBef>
                 <a:spcPts val="0"/>
               </a:spcBef>
@@ -1091,9 +1129,6 @@
               </a:spcAft>
               <a:buNone/>
             </a:pPr>
-            <a:r>
-              <a:t/>
-            </a:r>
             <a:endParaRPr/>
           </a:p>
         </p:txBody>
@@ -1107,11 +1142,11 @@
 </file>
 
 <file path=ppt/notesSlides/notesSlide5.xml><?xml version="1.0" encoding="utf-8"?>
-<p:notes xmlns:a="http://schemas.openxmlformats.org/drawingml/2006/main" xmlns:r="http://schemas.openxmlformats.org/officeDocument/2006/relationships" xmlns:mc="http://schemas.openxmlformats.org/markup-compatibility/2006" xmlns:mv="urn:schemas-microsoft-com:mac:vml" xmlns:p="http://schemas.openxmlformats.org/presentationml/2006/main" xmlns:c="http://schemas.openxmlformats.org/drawingml/2006/chart" xmlns:dgm="http://schemas.openxmlformats.org/drawingml/2006/diagram" xmlns:o="urn:schemas-microsoft-com:office:office" xmlns:v="urn:schemas-microsoft-com:vml" xmlns:pvml="urn:schemas-microsoft-com:office:powerpoint" xmlns:com="http://schemas.openxmlformats.org/drawingml/2006/compatibility" xmlns:p14="http://schemas.microsoft.com/office/powerpoint/2010/main" xmlns:p15="http://schemas.microsoft.com/office/powerpoint/2012/main" showMasterPhAnim="0" showMasterSp="0">
+<p:notes xmlns:a="http://schemas.openxmlformats.org/drawingml/2006/main" xmlns:r="http://schemas.openxmlformats.org/officeDocument/2006/relationships" xmlns:p="http://schemas.openxmlformats.org/presentationml/2006/main" showMasterSp="0" showMasterPhAnim="0">
   <p:cSld>
     <p:spTree>
       <p:nvGrpSpPr>
-        <p:cNvPr id="92" name="Shape 92"/>
+        <p:cNvPr id="1" name="Shape 92"/>
         <p:cNvGrpSpPr/>
         <p:nvPr/>
       </p:nvGrpSpPr>
@@ -1126,9 +1161,11 @@
       <p:sp>
         <p:nvSpPr>
           <p:cNvPr id="93" name="Google Shape;93;g6b8c4dcdb4_0_42:notes"/>
-          <p:cNvSpPr/>
+          <p:cNvSpPr>
+            <a:spLocks noGrp="1" noRot="1" noChangeAspect="1"/>
+          </p:cNvSpPr>
           <p:nvPr>
-            <p:ph idx="2" type="sldImg"/>
+            <p:ph type="sldImg" idx="2"/>
           </p:nvPr>
         </p:nvSpPr>
         <p:spPr>
@@ -1137,9 +1174,13 @@
             <a:ext cx="6096000" cy="3429000"/>
           </a:xfrm>
           <a:custGeom>
-            <a:rect b="b" l="l" r="r" t="t"/>
+            <a:avLst/>
+            <a:gdLst/>
+            <a:ahLst/>
+            <a:cxnLst/>
+            <a:rect l="l" t="t" r="r" b="b"/>
             <a:pathLst>
-              <a:path extrusionOk="0" h="120000" w="120000">
+              <a:path w="120000" h="120000" extrusionOk="0">
                 <a:moveTo>
                   <a:pt x="0" y="0"/>
                 </a:moveTo>
@@ -1161,9 +1202,11 @@
       <p:sp>
         <p:nvSpPr>
           <p:cNvPr id="94" name="Google Shape;94;g6b8c4dcdb4_0_42:notes"/>
-          <p:cNvSpPr txBox="1"/>
+          <p:cNvSpPr txBox="1">
+            <a:spLocks noGrp="1"/>
+          </p:cNvSpPr>
           <p:nvPr>
-            <p:ph idx="1" type="body"/>
+            <p:ph type="body" idx="1"/>
           </p:nvPr>
         </p:nvSpPr>
         <p:spPr>
@@ -1176,12 +1219,12 @@
           </a:prstGeom>
         </p:spPr>
         <p:txBody>
-          <a:bodyPr anchorCtr="0" anchor="t" bIns="91425" lIns="91425" spcFirstLastPara="1" rIns="91425" wrap="square" tIns="91425">
+          <a:bodyPr spcFirstLastPara="1" wrap="square" lIns="91425" tIns="91425" rIns="91425" bIns="91425" anchor="t" anchorCtr="0">
             <a:noAutofit/>
           </a:bodyPr>
           <a:lstStyle/>
           <a:p>
-            <a:pPr indent="0" lvl="0" marL="0" rtl="0" algn="l">
+            <a:pPr marL="0" lvl="0" indent="0" algn="l" rtl="0">
               <a:spcBef>
                 <a:spcPts val="0"/>
               </a:spcBef>
@@ -1190,9 +1233,6 @@
               </a:spcAft>
               <a:buNone/>
             </a:pPr>
-            <a:r>
-              <a:t/>
-            </a:r>
             <a:endParaRPr/>
           </a:p>
         </p:txBody>
@@ -1206,11 +1246,11 @@
 </file>
 
 <file path=ppt/notesSlides/notesSlide6.xml><?xml version="1.0" encoding="utf-8"?>
-<p:notes xmlns:a="http://schemas.openxmlformats.org/drawingml/2006/main" xmlns:r="http://schemas.openxmlformats.org/officeDocument/2006/relationships" xmlns:mc="http://schemas.openxmlformats.org/markup-compatibility/2006" xmlns:mv="urn:schemas-microsoft-com:mac:vml" xmlns:p="http://schemas.openxmlformats.org/presentationml/2006/main" xmlns:c="http://schemas.openxmlformats.org/drawingml/2006/chart" xmlns:dgm="http://schemas.openxmlformats.org/drawingml/2006/diagram" xmlns:o="urn:schemas-microsoft-com:office:office" xmlns:v="urn:schemas-microsoft-com:vml" xmlns:pvml="urn:schemas-microsoft-com:office:powerpoint" xmlns:com="http://schemas.openxmlformats.org/drawingml/2006/compatibility" xmlns:p14="http://schemas.microsoft.com/office/powerpoint/2010/main" xmlns:p15="http://schemas.microsoft.com/office/powerpoint/2012/main" showMasterPhAnim="0" showMasterSp="0">
+<p:notes xmlns:a="http://schemas.openxmlformats.org/drawingml/2006/main" xmlns:r="http://schemas.openxmlformats.org/officeDocument/2006/relationships" xmlns:p="http://schemas.openxmlformats.org/presentationml/2006/main" showMasterSp="0" showMasterPhAnim="0">
   <p:cSld>
     <p:spTree>
       <p:nvGrpSpPr>
-        <p:cNvPr id="99" name="Shape 99"/>
+        <p:cNvPr id="1" name="Shape 99"/>
         <p:cNvGrpSpPr/>
         <p:nvPr/>
       </p:nvGrpSpPr>
@@ -1225,9 +1265,11 @@
       <p:sp>
         <p:nvSpPr>
           <p:cNvPr id="100" name="Google Shape;100;g6b8c4dcdb4_0_57:notes"/>
-          <p:cNvSpPr/>
+          <p:cNvSpPr>
+            <a:spLocks noGrp="1" noRot="1" noChangeAspect="1"/>
+          </p:cNvSpPr>
           <p:nvPr>
-            <p:ph idx="2" type="sldImg"/>
+            <p:ph type="sldImg" idx="2"/>
           </p:nvPr>
         </p:nvSpPr>
         <p:spPr>
@@ -1236,9 +1278,13 @@
             <a:ext cx="6096000" cy="3429000"/>
           </a:xfrm>
           <a:custGeom>
-            <a:rect b="b" l="l" r="r" t="t"/>
+            <a:avLst/>
+            <a:gdLst/>
+            <a:ahLst/>
+            <a:cxnLst/>
+            <a:rect l="l" t="t" r="r" b="b"/>
             <a:pathLst>
-              <a:path extrusionOk="0" h="120000" w="120000">
+              <a:path w="120000" h="120000" extrusionOk="0">
                 <a:moveTo>
                   <a:pt x="0" y="0"/>
                 </a:moveTo>
@@ -1260,9 +1306,11 @@
       <p:sp>
         <p:nvSpPr>
           <p:cNvPr id="101" name="Google Shape;101;g6b8c4dcdb4_0_57:notes"/>
-          <p:cNvSpPr txBox="1"/>
+          <p:cNvSpPr txBox="1">
+            <a:spLocks noGrp="1"/>
+          </p:cNvSpPr>
           <p:nvPr>
-            <p:ph idx="1" type="body"/>
+            <p:ph type="body" idx="1"/>
           </p:nvPr>
         </p:nvSpPr>
         <p:spPr>
@@ -1275,12 +1323,12 @@
           </a:prstGeom>
         </p:spPr>
         <p:txBody>
-          <a:bodyPr anchorCtr="0" anchor="t" bIns="91425" lIns="91425" spcFirstLastPara="1" rIns="91425" wrap="square" tIns="91425">
+          <a:bodyPr spcFirstLastPara="1" wrap="square" lIns="91425" tIns="91425" rIns="91425" bIns="91425" anchor="t" anchorCtr="0">
             <a:noAutofit/>
           </a:bodyPr>
           <a:lstStyle/>
           <a:p>
-            <a:pPr indent="0" lvl="0" marL="0" rtl="0" algn="l">
+            <a:pPr marL="0" lvl="0" indent="0" algn="l" rtl="0">
               <a:spcBef>
                 <a:spcPts val="0"/>
               </a:spcBef>
@@ -1289,9 +1337,6 @@
               </a:spcAft>
               <a:buNone/>
             </a:pPr>
-            <a:r>
-              <a:t/>
-            </a:r>
             <a:endParaRPr/>
           </a:p>
         </p:txBody>
@@ -1305,11 +1350,11 @@
 </file>
 
 <file path=ppt/notesSlides/notesSlide7.xml><?xml version="1.0" encoding="utf-8"?>
-<p:notes xmlns:a="http://schemas.openxmlformats.org/drawingml/2006/main" xmlns:r="http://schemas.openxmlformats.org/officeDocument/2006/relationships" xmlns:mc="http://schemas.openxmlformats.org/markup-compatibility/2006" xmlns:mv="urn:schemas-microsoft-com:mac:vml" xmlns:p="http://schemas.openxmlformats.org/presentationml/2006/main" xmlns:c="http://schemas.openxmlformats.org/drawingml/2006/chart" xmlns:dgm="http://schemas.openxmlformats.org/drawingml/2006/diagram" xmlns:o="urn:schemas-microsoft-com:office:office" xmlns:v="urn:schemas-microsoft-com:vml" xmlns:pvml="urn:schemas-microsoft-com:office:powerpoint" xmlns:com="http://schemas.openxmlformats.org/drawingml/2006/compatibility" xmlns:p14="http://schemas.microsoft.com/office/powerpoint/2010/main" xmlns:p15="http://schemas.microsoft.com/office/powerpoint/2012/main" showMasterPhAnim="0" showMasterSp="0">
+<p:notes xmlns:a="http://schemas.openxmlformats.org/drawingml/2006/main" xmlns:r="http://schemas.openxmlformats.org/officeDocument/2006/relationships" xmlns:p="http://schemas.openxmlformats.org/presentationml/2006/main" showMasterSp="0" showMasterPhAnim="0">
   <p:cSld>
     <p:spTree>
       <p:nvGrpSpPr>
-        <p:cNvPr id="106" name="Shape 106"/>
+        <p:cNvPr id="1" name="Shape 106"/>
         <p:cNvGrpSpPr/>
         <p:nvPr/>
       </p:nvGrpSpPr>
@@ -1324,9 +1369,11 @@
       <p:sp>
         <p:nvSpPr>
           <p:cNvPr id="107" name="Google Shape;107;g6b8c4dcdb4_0_64:notes"/>
-          <p:cNvSpPr/>
+          <p:cNvSpPr>
+            <a:spLocks noGrp="1" noRot="1" noChangeAspect="1"/>
+          </p:cNvSpPr>
           <p:nvPr>
-            <p:ph idx="2" type="sldImg"/>
+            <p:ph type="sldImg" idx="2"/>
           </p:nvPr>
         </p:nvSpPr>
         <p:spPr>
@@ -1335,9 +1382,13 @@
             <a:ext cx="6096300" cy="3429000"/>
           </a:xfrm>
           <a:custGeom>
-            <a:rect b="b" l="l" r="r" t="t"/>
+            <a:avLst/>
+            <a:gdLst/>
+            <a:ahLst/>
+            <a:cxnLst/>
+            <a:rect l="l" t="t" r="r" b="b"/>
             <a:pathLst>
-              <a:path extrusionOk="0" h="120000" w="120000">
+              <a:path w="120000" h="120000" extrusionOk="0">
                 <a:moveTo>
                   <a:pt x="0" y="0"/>
                 </a:moveTo>
@@ -1359,9 +1410,11 @@
       <p:sp>
         <p:nvSpPr>
           <p:cNvPr id="108" name="Google Shape;108;g6b8c4dcdb4_0_64:notes"/>
-          <p:cNvSpPr txBox="1"/>
+          <p:cNvSpPr txBox="1">
+            <a:spLocks noGrp="1"/>
+          </p:cNvSpPr>
           <p:nvPr>
-            <p:ph idx="1" type="body"/>
+            <p:ph type="body" idx="1"/>
           </p:nvPr>
         </p:nvSpPr>
         <p:spPr>
@@ -1374,12 +1427,12 @@
           </a:prstGeom>
         </p:spPr>
         <p:txBody>
-          <a:bodyPr anchorCtr="0" anchor="t" bIns="91425" lIns="91425" spcFirstLastPara="1" rIns="91425" wrap="square" tIns="91425">
+          <a:bodyPr spcFirstLastPara="1" wrap="square" lIns="91425" tIns="91425" rIns="91425" bIns="91425" anchor="t" anchorCtr="0">
             <a:noAutofit/>
           </a:bodyPr>
           <a:lstStyle/>
           <a:p>
-            <a:pPr indent="0" lvl="0" marL="0" rtl="0" algn="l">
+            <a:pPr marL="0" lvl="0" indent="0" algn="l" rtl="0">
               <a:spcBef>
                 <a:spcPts val="0"/>
               </a:spcBef>
@@ -1388,9 +1441,6 @@
               </a:spcAft>
               <a:buNone/>
             </a:pPr>
-            <a:r>
-              <a:t/>
-            </a:r>
             <a:endParaRPr/>
           </a:p>
         </p:txBody>
@@ -1404,11 +1454,11 @@
 </file>
 
 <file path=ppt/notesSlides/notesSlide8.xml><?xml version="1.0" encoding="utf-8"?>
-<p:notes xmlns:a="http://schemas.openxmlformats.org/drawingml/2006/main" xmlns:r="http://schemas.openxmlformats.org/officeDocument/2006/relationships" xmlns:mc="http://schemas.openxmlformats.org/markup-compatibility/2006" xmlns:mv="urn:schemas-microsoft-com:mac:vml" xmlns:p="http://schemas.openxmlformats.org/presentationml/2006/main" xmlns:c="http://schemas.openxmlformats.org/drawingml/2006/chart" xmlns:dgm="http://schemas.openxmlformats.org/drawingml/2006/diagram" xmlns:o="urn:schemas-microsoft-com:office:office" xmlns:v="urn:schemas-microsoft-com:vml" xmlns:pvml="urn:schemas-microsoft-com:office:powerpoint" xmlns:com="http://schemas.openxmlformats.org/drawingml/2006/compatibility" xmlns:p14="http://schemas.microsoft.com/office/powerpoint/2010/main" xmlns:p15="http://schemas.microsoft.com/office/powerpoint/2012/main" showMasterPhAnim="0" showMasterSp="0">
+<p:notes xmlns:a="http://schemas.openxmlformats.org/drawingml/2006/main" xmlns:r="http://schemas.openxmlformats.org/officeDocument/2006/relationships" xmlns:p="http://schemas.openxmlformats.org/presentationml/2006/main" showMasterSp="0" showMasterPhAnim="0">
   <p:cSld>
     <p:spTree>
       <p:nvGrpSpPr>
-        <p:cNvPr id="112" name="Shape 112"/>
+        <p:cNvPr id="1" name="Shape 112"/>
         <p:cNvGrpSpPr/>
         <p:nvPr/>
       </p:nvGrpSpPr>
@@ -1423,9 +1473,11 @@
       <p:sp>
         <p:nvSpPr>
           <p:cNvPr id="113" name="Google Shape;113;g6b8c4dcdb4_0_70:notes"/>
-          <p:cNvSpPr/>
+          <p:cNvSpPr>
+            <a:spLocks noGrp="1" noRot="1" noChangeAspect="1"/>
+          </p:cNvSpPr>
           <p:nvPr>
-            <p:ph idx="2" type="sldImg"/>
+            <p:ph type="sldImg" idx="2"/>
           </p:nvPr>
         </p:nvSpPr>
         <p:spPr>
@@ -1434,9 +1486,13 @@
             <a:ext cx="6096000" cy="3429000"/>
           </a:xfrm>
           <a:custGeom>
-            <a:rect b="b" l="l" r="r" t="t"/>
+            <a:avLst/>
+            <a:gdLst/>
+            <a:ahLst/>
+            <a:cxnLst/>
+            <a:rect l="l" t="t" r="r" b="b"/>
             <a:pathLst>
-              <a:path extrusionOk="0" h="120000" w="120000">
+              <a:path w="120000" h="120000" extrusionOk="0">
                 <a:moveTo>
                   <a:pt x="0" y="0"/>
                 </a:moveTo>
@@ -1458,9 +1514,11 @@
       <p:sp>
         <p:nvSpPr>
           <p:cNvPr id="114" name="Google Shape;114;g6b8c4dcdb4_0_70:notes"/>
-          <p:cNvSpPr txBox="1"/>
+          <p:cNvSpPr txBox="1">
+            <a:spLocks noGrp="1"/>
+          </p:cNvSpPr>
           <p:nvPr>
-            <p:ph idx="1" type="body"/>
+            <p:ph type="body" idx="1"/>
           </p:nvPr>
         </p:nvSpPr>
         <p:spPr>
@@ -1473,12 +1531,12 @@
           </a:prstGeom>
         </p:spPr>
         <p:txBody>
-          <a:bodyPr anchorCtr="0" anchor="t" bIns="91425" lIns="91425" spcFirstLastPara="1" rIns="91425" wrap="square" tIns="91425">
+          <a:bodyPr spcFirstLastPara="1" wrap="square" lIns="91425" tIns="91425" rIns="91425" bIns="91425" anchor="t" anchorCtr="0">
             <a:noAutofit/>
           </a:bodyPr>
           <a:lstStyle/>
           <a:p>
-            <a:pPr indent="0" lvl="0" marL="0" rtl="0" algn="l">
+            <a:pPr marL="0" lvl="0" indent="0" algn="l" rtl="0">
               <a:spcBef>
                 <a:spcPts val="0"/>
               </a:spcBef>
@@ -1487,9 +1545,6 @@
               </a:spcAft>
               <a:buNone/>
             </a:pPr>
-            <a:r>
-              <a:t/>
-            </a:r>
             <a:endParaRPr/>
           </a:p>
         </p:txBody>
@@ -1503,11 +1558,11 @@
 </file>
 
 <file path=ppt/notesSlides/notesSlide9.xml><?xml version="1.0" encoding="utf-8"?>
-<p:notes xmlns:a="http://schemas.openxmlformats.org/drawingml/2006/main" xmlns:r="http://schemas.openxmlformats.org/officeDocument/2006/relationships" xmlns:mc="http://schemas.openxmlformats.org/markup-compatibility/2006" xmlns:mv="urn:schemas-microsoft-com:mac:vml" xmlns:p="http://schemas.openxmlformats.org/presentationml/2006/main" xmlns:c="http://schemas.openxmlformats.org/drawingml/2006/chart" xmlns:dgm="http://schemas.openxmlformats.org/drawingml/2006/diagram" xmlns:o="urn:schemas-microsoft-com:office:office" xmlns:v="urn:schemas-microsoft-com:vml" xmlns:pvml="urn:schemas-microsoft-com:office:powerpoint" xmlns:com="http://schemas.openxmlformats.org/drawingml/2006/compatibility" xmlns:p14="http://schemas.microsoft.com/office/powerpoint/2010/main" xmlns:p15="http://schemas.microsoft.com/office/powerpoint/2012/main" showMasterPhAnim="0" showMasterSp="0">
+<p:notes xmlns:a="http://schemas.openxmlformats.org/drawingml/2006/main" xmlns:r="http://schemas.openxmlformats.org/officeDocument/2006/relationships" xmlns:p="http://schemas.openxmlformats.org/presentationml/2006/main" showMasterSp="0" showMasterPhAnim="0">
   <p:cSld>
     <p:spTree>
       <p:nvGrpSpPr>
-        <p:cNvPr id="118" name="Shape 118"/>
+        <p:cNvPr id="1" name="Shape 118"/>
         <p:cNvGrpSpPr/>
         <p:nvPr/>
       </p:nvGrpSpPr>
@@ -1522,9 +1577,11 @@
       <p:sp>
         <p:nvSpPr>
           <p:cNvPr id="119" name="Google Shape;119;g6b8c4dcdb4_0_86:notes"/>
-          <p:cNvSpPr/>
+          <p:cNvSpPr>
+            <a:spLocks noGrp="1" noRot="1" noChangeAspect="1"/>
+          </p:cNvSpPr>
           <p:nvPr>
-            <p:ph idx="2" type="sldImg"/>
+            <p:ph type="sldImg" idx="2"/>
           </p:nvPr>
         </p:nvSpPr>
         <p:spPr>
@@ -1533,9 +1590,13 @@
             <a:ext cx="6096300" cy="3429000"/>
           </a:xfrm>
           <a:custGeom>
-            <a:rect b="b" l="l" r="r" t="t"/>
+            <a:avLst/>
+            <a:gdLst/>
+            <a:ahLst/>
+            <a:cxnLst/>
+            <a:rect l="l" t="t" r="r" b="b"/>
             <a:pathLst>
-              <a:path extrusionOk="0" h="120000" w="120000">
+              <a:path w="120000" h="120000" extrusionOk="0">
                 <a:moveTo>
                   <a:pt x="0" y="0"/>
                 </a:moveTo>
@@ -1557,9 +1618,11 @@
       <p:sp>
         <p:nvSpPr>
           <p:cNvPr id="120" name="Google Shape;120;g6b8c4dcdb4_0_86:notes"/>
-          <p:cNvSpPr txBox="1"/>
+          <p:cNvSpPr txBox="1">
+            <a:spLocks noGrp="1"/>
+          </p:cNvSpPr>
           <p:nvPr>
-            <p:ph idx="1" type="body"/>
+            <p:ph type="body" idx="1"/>
           </p:nvPr>
         </p:nvSpPr>
         <p:spPr>
@@ -1572,12 +1635,12 @@
           </a:prstGeom>
         </p:spPr>
         <p:txBody>
-          <a:bodyPr anchorCtr="0" anchor="t" bIns="91425" lIns="91425" spcFirstLastPara="1" rIns="91425" wrap="square" tIns="91425">
+          <a:bodyPr spcFirstLastPara="1" wrap="square" lIns="91425" tIns="91425" rIns="91425" bIns="91425" anchor="t" anchorCtr="0">
             <a:noAutofit/>
           </a:bodyPr>
           <a:lstStyle/>
           <a:p>
-            <a:pPr indent="0" lvl="0" marL="0" rtl="0" algn="l">
+            <a:pPr marL="0" lvl="0" indent="0" algn="l" rtl="0">
               <a:spcBef>
                 <a:spcPts val="0"/>
               </a:spcBef>
@@ -1586,9 +1649,6 @@
               </a:spcAft>
               <a:buNone/>
             </a:pPr>
-            <a:r>
-              <a:t/>
-            </a:r>
             <a:endParaRPr/>
           </a:p>
         </p:txBody>
@@ -1602,11 +1662,11 @@
 </file>
 
 <file path=ppt/slideLayouts/slideLayout1.xml><?xml version="1.0" encoding="utf-8"?>
-<p:sldLayout xmlns:a="http://schemas.openxmlformats.org/drawingml/2006/main" xmlns:r="http://schemas.openxmlformats.org/officeDocument/2006/relationships" xmlns:mc="http://schemas.openxmlformats.org/markup-compatibility/2006" xmlns:mv="urn:schemas-microsoft-com:mac:vml" xmlns:p="http://schemas.openxmlformats.org/presentationml/2006/main" xmlns:c="http://schemas.openxmlformats.org/drawingml/2006/chart" xmlns:dgm="http://schemas.openxmlformats.org/drawingml/2006/diagram" xmlns:o="urn:schemas-microsoft-com:office:office" xmlns:v="urn:schemas-microsoft-com:vml" xmlns:pvml="urn:schemas-microsoft-com:office:powerpoint" xmlns:com="http://schemas.openxmlformats.org/drawingml/2006/compatibility" xmlns:p14="http://schemas.microsoft.com/office/powerpoint/2010/main" xmlns:p15="http://schemas.microsoft.com/office/powerpoint/2012/main" matchingName="Title slide" type="title">
+<p:sldLayout xmlns:a="http://schemas.openxmlformats.org/drawingml/2006/main" xmlns:r="http://schemas.openxmlformats.org/officeDocument/2006/relationships" xmlns:p="http://schemas.openxmlformats.org/presentationml/2006/main" matchingName="Title slide" type="title">
   <p:cSld name="TITLE">
     <p:spTree>
       <p:nvGrpSpPr>
-        <p:cNvPr id="9" name="Shape 9"/>
+        <p:cNvPr id="1" name="Shape 9"/>
         <p:cNvGrpSpPr/>
         <p:nvPr/>
       </p:nvGrpSpPr>
@@ -1621,7 +1681,9 @@
       <p:sp>
         <p:nvSpPr>
           <p:cNvPr id="10" name="Google Shape;10;p2"/>
-          <p:cNvSpPr txBox="1"/>
+          <p:cNvSpPr txBox="1">
+            <a:spLocks noGrp="1"/>
+          </p:cNvSpPr>
           <p:nvPr>
             <p:ph type="ctrTitle"/>
           </p:nvPr>
@@ -1636,7 +1698,7 @@
           </a:prstGeom>
         </p:spPr>
         <p:txBody>
-          <a:bodyPr anchorCtr="0" anchor="b" bIns="91425" lIns="91425" spcFirstLastPara="1" rIns="91425" wrap="square" tIns="91425">
+          <a:bodyPr spcFirstLastPara="1" wrap="square" lIns="91425" tIns="91425" rIns="91425" bIns="91425" anchor="b" anchorCtr="0">
             <a:noAutofit/>
           </a:bodyPr>
           <a:lstStyle>
@@ -1740,15 +1802,19 @@
               <a:defRPr sz="5200"/>
             </a:lvl9pPr>
           </a:lstStyle>
-          <a:p/>
+          <a:p>
+            <a:endParaRPr/>
+          </a:p>
         </p:txBody>
       </p:sp>
       <p:sp>
         <p:nvSpPr>
           <p:cNvPr id="11" name="Google Shape;11;p2"/>
-          <p:cNvSpPr txBox="1"/>
+          <p:cNvSpPr txBox="1">
+            <a:spLocks noGrp="1"/>
+          </p:cNvSpPr>
           <p:nvPr>
-            <p:ph idx="1" type="subTitle"/>
+            <p:ph type="subTitle" idx="1"/>
           </p:nvPr>
         </p:nvSpPr>
         <p:spPr>
@@ -1761,7 +1827,7 @@
           </a:prstGeom>
         </p:spPr>
         <p:txBody>
-          <a:bodyPr anchorCtr="0" anchor="t" bIns="91425" lIns="91425" spcFirstLastPara="1" rIns="91425" wrap="square" tIns="91425">
+          <a:bodyPr spcFirstLastPara="1" wrap="square" lIns="91425" tIns="91425" rIns="91425" bIns="91425" anchor="t" anchorCtr="0">
             <a:noAutofit/>
           </a:bodyPr>
           <a:lstStyle>
@@ -1892,15 +1958,19 @@
               <a:defRPr sz="2800"/>
             </a:lvl9pPr>
           </a:lstStyle>
-          <a:p/>
+          <a:p>
+            <a:endParaRPr/>
+          </a:p>
         </p:txBody>
       </p:sp>
       <p:sp>
         <p:nvSpPr>
           <p:cNvPr id="12" name="Google Shape;12;p2"/>
-          <p:cNvSpPr txBox="1"/>
+          <p:cNvSpPr txBox="1">
+            <a:spLocks noGrp="1"/>
+          </p:cNvSpPr>
           <p:nvPr>
-            <p:ph idx="12" type="sldNum"/>
+            <p:ph type="sldNum" idx="12"/>
           </p:nvPr>
         </p:nvSpPr>
         <p:spPr>
@@ -1913,7 +1983,7 @@
           </a:prstGeom>
         </p:spPr>
         <p:txBody>
-          <a:bodyPr anchorCtr="0" anchor="ctr" bIns="91425" lIns="91425" spcFirstLastPara="1" rIns="91425" wrap="square" tIns="91425">
+          <a:bodyPr spcFirstLastPara="1" wrap="square" lIns="91425" tIns="91425" rIns="91425" bIns="91425" anchor="ctr" anchorCtr="0">
             <a:noAutofit/>
           </a:bodyPr>
           <a:lstStyle>
@@ -1955,7 +2025,7 @@
             </a:lvl9pPr>
           </a:lstStyle>
           <a:p>
-            <a:pPr indent="0" lvl="0" marL="0" rtl="0" algn="r">
+            <a:pPr marL="0" lvl="0" indent="0" algn="r" rtl="0">
               <a:spcBef>
                 <a:spcPts val="0"/>
               </a:spcBef>
@@ -1981,11 +2051,11 @@
 </file>
 
 <file path=ppt/slideLayouts/slideLayout10.xml><?xml version="1.0" encoding="utf-8"?>
-<p:sldLayout xmlns:a="http://schemas.openxmlformats.org/drawingml/2006/main" xmlns:r="http://schemas.openxmlformats.org/officeDocument/2006/relationships" xmlns:mc="http://schemas.openxmlformats.org/markup-compatibility/2006" xmlns:mv="urn:schemas-microsoft-com:mac:vml" xmlns:p="http://schemas.openxmlformats.org/presentationml/2006/main" xmlns:c="http://schemas.openxmlformats.org/drawingml/2006/chart" xmlns:dgm="http://schemas.openxmlformats.org/drawingml/2006/diagram" xmlns:o="urn:schemas-microsoft-com:office:office" xmlns:v="urn:schemas-microsoft-com:vml" xmlns:pvml="urn:schemas-microsoft-com:office:powerpoint" xmlns:com="http://schemas.openxmlformats.org/drawingml/2006/compatibility" xmlns:p14="http://schemas.microsoft.com/office/powerpoint/2010/main" xmlns:p15="http://schemas.microsoft.com/office/powerpoint/2012/main" matchingName="Big number">
+<p:sldLayout xmlns:a="http://schemas.openxmlformats.org/drawingml/2006/main" xmlns:r="http://schemas.openxmlformats.org/officeDocument/2006/relationships" xmlns:p="http://schemas.openxmlformats.org/presentationml/2006/main" matchingName="Big number">
   <p:cSld name="BIG_NUMBER">
     <p:spTree>
       <p:nvGrpSpPr>
-        <p:cNvPr id="44" name="Shape 44"/>
+        <p:cNvPr id="1" name="Shape 44"/>
         <p:cNvGrpSpPr/>
         <p:nvPr/>
       </p:nvGrpSpPr>
@@ -2000,9 +2070,11 @@
       <p:sp>
         <p:nvSpPr>
           <p:cNvPr id="45" name="Google Shape;45;p11"/>
-          <p:cNvSpPr txBox="1"/>
+          <p:cNvSpPr txBox="1">
+            <a:spLocks noGrp="1"/>
+          </p:cNvSpPr>
           <p:nvPr>
-            <p:ph hasCustomPrompt="1" type="title"/>
+            <p:ph type="title" hasCustomPrompt="1"/>
           </p:nvPr>
         </p:nvSpPr>
         <p:spPr>
@@ -2015,7 +2087,7 @@
           </a:prstGeom>
         </p:spPr>
         <p:txBody>
-          <a:bodyPr anchorCtr="0" anchor="b" bIns="91425" lIns="91425" spcFirstLastPara="1" rIns="91425" wrap="square" tIns="91425">
+          <a:bodyPr spcFirstLastPara="1" wrap="square" lIns="91425" tIns="91425" rIns="91425" bIns="91425" anchor="b" anchorCtr="0">
             <a:noAutofit/>
           </a:bodyPr>
           <a:lstStyle>
@@ -2129,9 +2201,11 @@
       <p:sp>
         <p:nvSpPr>
           <p:cNvPr id="46" name="Google Shape;46;p11"/>
-          <p:cNvSpPr txBox="1"/>
+          <p:cNvSpPr txBox="1">
+            <a:spLocks noGrp="1"/>
+          </p:cNvSpPr>
           <p:nvPr>
-            <p:ph idx="1" type="body"/>
+            <p:ph type="body" idx="1"/>
           </p:nvPr>
         </p:nvSpPr>
         <p:spPr>
@@ -2144,11 +2218,11 @@
           </a:prstGeom>
         </p:spPr>
         <p:txBody>
-          <a:bodyPr anchorCtr="0" anchor="t" bIns="91425" lIns="91425" spcFirstLastPara="1" rIns="91425" wrap="square" tIns="91425">
+          <a:bodyPr spcFirstLastPara="1" wrap="square" lIns="91425" tIns="91425" rIns="91425" bIns="91425" anchor="t" anchorCtr="0">
             <a:noAutofit/>
           </a:bodyPr>
           <a:lstStyle>
-            <a:lvl1pPr indent="-342900" lvl="0" marL="457200" algn="ctr">
+            <a:lvl1pPr marL="457200" lvl="0" indent="-342900" algn="ctr">
               <a:spcBef>
                 <a:spcPts val="0"/>
               </a:spcBef>
@@ -2159,7 +2233,7 @@
               <a:buChar char="●"/>
               <a:defRPr/>
             </a:lvl1pPr>
-            <a:lvl2pPr indent="-317500" lvl="1" marL="914400" algn="ctr">
+            <a:lvl2pPr marL="914400" lvl="1" indent="-317500" algn="ctr">
               <a:spcBef>
                 <a:spcPts val="1600"/>
               </a:spcBef>
@@ -2170,7 +2244,7 @@
               <a:buChar char="○"/>
               <a:defRPr/>
             </a:lvl2pPr>
-            <a:lvl3pPr indent="-317500" lvl="2" marL="1371600" algn="ctr">
+            <a:lvl3pPr marL="1371600" lvl="2" indent="-317500" algn="ctr">
               <a:spcBef>
                 <a:spcPts val="1600"/>
               </a:spcBef>
@@ -2181,7 +2255,7 @@
               <a:buChar char="■"/>
               <a:defRPr/>
             </a:lvl3pPr>
-            <a:lvl4pPr indent="-317500" lvl="3" marL="1828800" algn="ctr">
+            <a:lvl4pPr marL="1828800" lvl="3" indent="-317500" algn="ctr">
               <a:spcBef>
                 <a:spcPts val="1600"/>
               </a:spcBef>
@@ -2192,7 +2266,7 @@
               <a:buChar char="●"/>
               <a:defRPr/>
             </a:lvl4pPr>
-            <a:lvl5pPr indent="-317500" lvl="4" marL="2286000" algn="ctr">
+            <a:lvl5pPr marL="2286000" lvl="4" indent="-317500" algn="ctr">
               <a:spcBef>
                 <a:spcPts val="1600"/>
               </a:spcBef>
@@ -2203,7 +2277,7 @@
               <a:buChar char="○"/>
               <a:defRPr/>
             </a:lvl5pPr>
-            <a:lvl6pPr indent="-317500" lvl="5" marL="2743200" algn="ctr">
+            <a:lvl6pPr marL="2743200" lvl="5" indent="-317500" algn="ctr">
               <a:spcBef>
                 <a:spcPts val="1600"/>
               </a:spcBef>
@@ -2214,7 +2288,7 @@
               <a:buChar char="■"/>
               <a:defRPr/>
             </a:lvl6pPr>
-            <a:lvl7pPr indent="-317500" lvl="6" marL="3200400" algn="ctr">
+            <a:lvl7pPr marL="3200400" lvl="6" indent="-317500" algn="ctr">
               <a:spcBef>
                 <a:spcPts val="1600"/>
               </a:spcBef>
@@ -2225,7 +2299,7 @@
               <a:buChar char="●"/>
               <a:defRPr/>
             </a:lvl7pPr>
-            <a:lvl8pPr indent="-317500" lvl="7" marL="3657600" algn="ctr">
+            <a:lvl8pPr marL="3657600" lvl="7" indent="-317500" algn="ctr">
               <a:spcBef>
                 <a:spcPts val="1600"/>
               </a:spcBef>
@@ -2236,7 +2310,7 @@
               <a:buChar char="○"/>
               <a:defRPr/>
             </a:lvl8pPr>
-            <a:lvl9pPr indent="-317500" lvl="8" marL="4114800" algn="ctr">
+            <a:lvl9pPr marL="4114800" lvl="8" indent="-317500" algn="ctr">
               <a:spcBef>
                 <a:spcPts val="1600"/>
               </a:spcBef>
@@ -2248,15 +2322,19 @@
               <a:defRPr/>
             </a:lvl9pPr>
           </a:lstStyle>
-          <a:p/>
+          <a:p>
+            <a:endParaRPr/>
+          </a:p>
         </p:txBody>
       </p:sp>
       <p:sp>
         <p:nvSpPr>
           <p:cNvPr id="47" name="Google Shape;47;p11"/>
-          <p:cNvSpPr txBox="1"/>
+          <p:cNvSpPr txBox="1">
+            <a:spLocks noGrp="1"/>
+          </p:cNvSpPr>
           <p:nvPr>
-            <p:ph idx="12" type="sldNum"/>
+            <p:ph type="sldNum" idx="12"/>
           </p:nvPr>
         </p:nvSpPr>
         <p:spPr>
@@ -2269,7 +2347,7 @@
           </a:prstGeom>
         </p:spPr>
         <p:txBody>
-          <a:bodyPr anchorCtr="0" anchor="ctr" bIns="91425" lIns="91425" spcFirstLastPara="1" rIns="91425" wrap="square" tIns="91425">
+          <a:bodyPr spcFirstLastPara="1" wrap="square" lIns="91425" tIns="91425" rIns="91425" bIns="91425" anchor="ctr" anchorCtr="0">
             <a:noAutofit/>
           </a:bodyPr>
           <a:lstStyle>
@@ -2311,7 +2389,7 @@
             </a:lvl9pPr>
           </a:lstStyle>
           <a:p>
-            <a:pPr indent="0" lvl="0" marL="0" rtl="0" algn="r">
+            <a:pPr marL="0" lvl="0" indent="0" algn="r" rtl="0">
               <a:spcBef>
                 <a:spcPts val="0"/>
               </a:spcBef>
@@ -2337,11 +2415,11 @@
 </file>
 
 <file path=ppt/slideLayouts/slideLayout11.xml><?xml version="1.0" encoding="utf-8"?>
-<p:sldLayout xmlns:a="http://schemas.openxmlformats.org/drawingml/2006/main" xmlns:r="http://schemas.openxmlformats.org/officeDocument/2006/relationships" xmlns:mc="http://schemas.openxmlformats.org/markup-compatibility/2006" xmlns:mv="urn:schemas-microsoft-com:mac:vml" xmlns:p="http://schemas.openxmlformats.org/presentationml/2006/main" xmlns:c="http://schemas.openxmlformats.org/drawingml/2006/chart" xmlns:dgm="http://schemas.openxmlformats.org/drawingml/2006/diagram" xmlns:o="urn:schemas-microsoft-com:office:office" xmlns:v="urn:schemas-microsoft-com:vml" xmlns:pvml="urn:schemas-microsoft-com:office:powerpoint" xmlns:com="http://schemas.openxmlformats.org/drawingml/2006/compatibility" xmlns:p14="http://schemas.microsoft.com/office/powerpoint/2010/main" xmlns:p15="http://schemas.microsoft.com/office/powerpoint/2012/main" matchingName="Blank" type="blank">
+<p:sldLayout xmlns:a="http://schemas.openxmlformats.org/drawingml/2006/main" xmlns:r="http://schemas.openxmlformats.org/officeDocument/2006/relationships" xmlns:p="http://schemas.openxmlformats.org/presentationml/2006/main" matchingName="Blank" type="blank">
   <p:cSld name="BLANK">
     <p:spTree>
       <p:nvGrpSpPr>
-        <p:cNvPr id="48" name="Shape 48"/>
+        <p:cNvPr id="1" name="Shape 48"/>
         <p:cNvGrpSpPr/>
         <p:nvPr/>
       </p:nvGrpSpPr>
@@ -2356,9 +2434,11 @@
       <p:sp>
         <p:nvSpPr>
           <p:cNvPr id="49" name="Google Shape;49;p12"/>
-          <p:cNvSpPr txBox="1"/>
+          <p:cNvSpPr txBox="1">
+            <a:spLocks noGrp="1"/>
+          </p:cNvSpPr>
           <p:nvPr>
-            <p:ph idx="12" type="sldNum"/>
+            <p:ph type="sldNum" idx="12"/>
           </p:nvPr>
         </p:nvSpPr>
         <p:spPr>
@@ -2371,7 +2451,7 @@
           </a:prstGeom>
         </p:spPr>
         <p:txBody>
-          <a:bodyPr anchorCtr="0" anchor="ctr" bIns="91425" lIns="91425" spcFirstLastPara="1" rIns="91425" wrap="square" tIns="91425">
+          <a:bodyPr spcFirstLastPara="1" wrap="square" lIns="91425" tIns="91425" rIns="91425" bIns="91425" anchor="ctr" anchorCtr="0">
             <a:noAutofit/>
           </a:bodyPr>
           <a:lstStyle>
@@ -2413,7 +2493,7 @@
             </a:lvl9pPr>
           </a:lstStyle>
           <a:p>
-            <a:pPr indent="0" lvl="0" marL="0" rtl="0" algn="r">
+            <a:pPr marL="0" lvl="0" indent="0" algn="r" rtl="0">
               <a:spcBef>
                 <a:spcPts val="0"/>
               </a:spcBef>
@@ -2439,11 +2519,11 @@
 </file>
 
 <file path=ppt/slideLayouts/slideLayout2.xml><?xml version="1.0" encoding="utf-8"?>
-<p:sldLayout xmlns:a="http://schemas.openxmlformats.org/drawingml/2006/main" xmlns:r="http://schemas.openxmlformats.org/officeDocument/2006/relationships" xmlns:mc="http://schemas.openxmlformats.org/markup-compatibility/2006" xmlns:mv="urn:schemas-microsoft-com:mac:vml" xmlns:p="http://schemas.openxmlformats.org/presentationml/2006/main" xmlns:c="http://schemas.openxmlformats.org/drawingml/2006/chart" xmlns:dgm="http://schemas.openxmlformats.org/drawingml/2006/diagram" xmlns:o="urn:schemas-microsoft-com:office:office" xmlns:v="urn:schemas-microsoft-com:vml" xmlns:pvml="urn:schemas-microsoft-com:office:powerpoint" xmlns:com="http://schemas.openxmlformats.org/drawingml/2006/compatibility" xmlns:p14="http://schemas.microsoft.com/office/powerpoint/2010/main" xmlns:p15="http://schemas.microsoft.com/office/powerpoint/2012/main" matchingName="Section header" type="secHead">
+<p:sldLayout xmlns:a="http://schemas.openxmlformats.org/drawingml/2006/main" xmlns:r="http://schemas.openxmlformats.org/officeDocument/2006/relationships" xmlns:p="http://schemas.openxmlformats.org/presentationml/2006/main" matchingName="Section header" type="secHead">
   <p:cSld name="SECTION_HEADER">
     <p:spTree>
       <p:nvGrpSpPr>
-        <p:cNvPr id="13" name="Shape 13"/>
+        <p:cNvPr id="1" name="Shape 13"/>
         <p:cNvGrpSpPr/>
         <p:nvPr/>
       </p:nvGrpSpPr>
@@ -2458,7 +2538,9 @@
       <p:sp>
         <p:nvSpPr>
           <p:cNvPr id="14" name="Google Shape;14;p3"/>
-          <p:cNvSpPr txBox="1"/>
+          <p:cNvSpPr txBox="1">
+            <a:spLocks noGrp="1"/>
+          </p:cNvSpPr>
           <p:nvPr>
             <p:ph type="title"/>
           </p:nvPr>
@@ -2473,7 +2555,7 @@
           </a:prstGeom>
         </p:spPr>
         <p:txBody>
-          <a:bodyPr anchorCtr="0" anchor="ctr" bIns="91425" lIns="91425" spcFirstLastPara="1" rIns="91425" wrap="square" tIns="91425">
+          <a:bodyPr spcFirstLastPara="1" wrap="square" lIns="91425" tIns="91425" rIns="91425" bIns="91425" anchor="ctr" anchorCtr="0">
             <a:noAutofit/>
           </a:bodyPr>
           <a:lstStyle>
@@ -2577,15 +2659,19 @@
               <a:defRPr sz="3600"/>
             </a:lvl9pPr>
           </a:lstStyle>
-          <a:p/>
+          <a:p>
+            <a:endParaRPr/>
+          </a:p>
         </p:txBody>
       </p:sp>
       <p:sp>
         <p:nvSpPr>
           <p:cNvPr id="15" name="Google Shape;15;p3"/>
-          <p:cNvSpPr txBox="1"/>
+          <p:cNvSpPr txBox="1">
+            <a:spLocks noGrp="1"/>
+          </p:cNvSpPr>
           <p:nvPr>
-            <p:ph idx="12" type="sldNum"/>
+            <p:ph type="sldNum" idx="12"/>
           </p:nvPr>
         </p:nvSpPr>
         <p:spPr>
@@ -2598,7 +2684,7 @@
           </a:prstGeom>
         </p:spPr>
         <p:txBody>
-          <a:bodyPr anchorCtr="0" anchor="ctr" bIns="91425" lIns="91425" spcFirstLastPara="1" rIns="91425" wrap="square" tIns="91425">
+          <a:bodyPr spcFirstLastPara="1" wrap="square" lIns="91425" tIns="91425" rIns="91425" bIns="91425" anchor="ctr" anchorCtr="0">
             <a:noAutofit/>
           </a:bodyPr>
           <a:lstStyle>
@@ -2640,7 +2726,7 @@
             </a:lvl9pPr>
           </a:lstStyle>
           <a:p>
-            <a:pPr indent="0" lvl="0" marL="0" rtl="0" algn="r">
+            <a:pPr marL="0" lvl="0" indent="0" algn="r" rtl="0">
               <a:spcBef>
                 <a:spcPts val="0"/>
               </a:spcBef>
@@ -2666,11 +2752,11 @@
 </file>
 
 <file path=ppt/slideLayouts/slideLayout3.xml><?xml version="1.0" encoding="utf-8"?>
-<p:sldLayout xmlns:a="http://schemas.openxmlformats.org/drawingml/2006/main" xmlns:r="http://schemas.openxmlformats.org/officeDocument/2006/relationships" xmlns:mc="http://schemas.openxmlformats.org/markup-compatibility/2006" xmlns:mv="urn:schemas-microsoft-com:mac:vml" xmlns:p="http://schemas.openxmlformats.org/presentationml/2006/main" xmlns:c="http://schemas.openxmlformats.org/drawingml/2006/chart" xmlns:dgm="http://schemas.openxmlformats.org/drawingml/2006/diagram" xmlns:o="urn:schemas-microsoft-com:office:office" xmlns:v="urn:schemas-microsoft-com:vml" xmlns:pvml="urn:schemas-microsoft-com:office:powerpoint" xmlns:com="http://schemas.openxmlformats.org/drawingml/2006/compatibility" xmlns:p14="http://schemas.microsoft.com/office/powerpoint/2010/main" xmlns:p15="http://schemas.microsoft.com/office/powerpoint/2012/main" matchingName="Title and body" type="tx">
+<p:sldLayout xmlns:a="http://schemas.openxmlformats.org/drawingml/2006/main" xmlns:r="http://schemas.openxmlformats.org/officeDocument/2006/relationships" xmlns:p="http://schemas.openxmlformats.org/presentationml/2006/main" matchingName="Title and body" type="tx">
   <p:cSld name="TITLE_AND_BODY">
     <p:spTree>
       <p:nvGrpSpPr>
-        <p:cNvPr id="16" name="Shape 16"/>
+        <p:cNvPr id="1" name="Shape 16"/>
         <p:cNvGrpSpPr/>
         <p:nvPr/>
       </p:nvGrpSpPr>
@@ -2685,7 +2771,9 @@
       <p:sp>
         <p:nvSpPr>
           <p:cNvPr id="17" name="Google Shape;17;p4"/>
-          <p:cNvSpPr txBox="1"/>
+          <p:cNvSpPr txBox="1">
+            <a:spLocks noGrp="1"/>
+          </p:cNvSpPr>
           <p:nvPr>
             <p:ph type="title"/>
           </p:nvPr>
@@ -2700,7 +2788,7 @@
           </a:prstGeom>
         </p:spPr>
         <p:txBody>
-          <a:bodyPr anchorCtr="0" anchor="t" bIns="91425" lIns="91425" spcFirstLastPara="1" rIns="91425" wrap="square" tIns="91425">
+          <a:bodyPr spcFirstLastPara="1" wrap="square" lIns="91425" tIns="91425" rIns="91425" bIns="91425" anchor="t" anchorCtr="0">
             <a:noAutofit/>
           </a:bodyPr>
           <a:lstStyle>
@@ -2804,15 +2892,19 @@
               <a:defRPr/>
             </a:lvl9pPr>
           </a:lstStyle>
-          <a:p/>
+          <a:p>
+            <a:endParaRPr/>
+          </a:p>
         </p:txBody>
       </p:sp>
       <p:sp>
         <p:nvSpPr>
           <p:cNvPr id="18" name="Google Shape;18;p4"/>
-          <p:cNvSpPr txBox="1"/>
+          <p:cNvSpPr txBox="1">
+            <a:spLocks noGrp="1"/>
+          </p:cNvSpPr>
           <p:nvPr>
-            <p:ph idx="1" type="body"/>
+            <p:ph type="body" idx="1"/>
           </p:nvPr>
         </p:nvSpPr>
         <p:spPr>
@@ -2825,11 +2917,11 @@
           </a:prstGeom>
         </p:spPr>
         <p:txBody>
-          <a:bodyPr anchorCtr="0" anchor="t" bIns="91425" lIns="91425" spcFirstLastPara="1" rIns="91425" wrap="square" tIns="91425">
+          <a:bodyPr spcFirstLastPara="1" wrap="square" lIns="91425" tIns="91425" rIns="91425" bIns="91425" anchor="t" anchorCtr="0">
             <a:noAutofit/>
           </a:bodyPr>
           <a:lstStyle>
-            <a:lvl1pPr indent="-342900" lvl="0" marL="457200">
+            <a:lvl1pPr marL="457200" lvl="0" indent="-342900">
               <a:spcBef>
                 <a:spcPts val="0"/>
               </a:spcBef>
@@ -2840,7 +2932,7 @@
               <a:buChar char="●"/>
               <a:defRPr/>
             </a:lvl1pPr>
-            <a:lvl2pPr indent="-317500" lvl="1" marL="914400">
+            <a:lvl2pPr marL="914400" lvl="1" indent="-317500">
               <a:spcBef>
                 <a:spcPts val="1600"/>
               </a:spcBef>
@@ -2851,7 +2943,7 @@
               <a:buChar char="○"/>
               <a:defRPr/>
             </a:lvl2pPr>
-            <a:lvl3pPr indent="-317500" lvl="2" marL="1371600">
+            <a:lvl3pPr marL="1371600" lvl="2" indent="-317500">
               <a:spcBef>
                 <a:spcPts val="1600"/>
               </a:spcBef>
@@ -2862,7 +2954,7 @@
               <a:buChar char="■"/>
               <a:defRPr/>
             </a:lvl3pPr>
-            <a:lvl4pPr indent="-317500" lvl="3" marL="1828800">
+            <a:lvl4pPr marL="1828800" lvl="3" indent="-317500">
               <a:spcBef>
                 <a:spcPts val="1600"/>
               </a:spcBef>
@@ -2873,7 +2965,7 @@
               <a:buChar char="●"/>
               <a:defRPr/>
             </a:lvl4pPr>
-            <a:lvl5pPr indent="-317500" lvl="4" marL="2286000">
+            <a:lvl5pPr marL="2286000" lvl="4" indent="-317500">
               <a:spcBef>
                 <a:spcPts val="1600"/>
               </a:spcBef>
@@ -2884,7 +2976,7 @@
               <a:buChar char="○"/>
               <a:defRPr/>
             </a:lvl5pPr>
-            <a:lvl6pPr indent="-317500" lvl="5" marL="2743200">
+            <a:lvl6pPr marL="2743200" lvl="5" indent="-317500">
               <a:spcBef>
                 <a:spcPts val="1600"/>
               </a:spcBef>
@@ -2895,7 +2987,7 @@
               <a:buChar char="■"/>
               <a:defRPr/>
             </a:lvl6pPr>
-            <a:lvl7pPr indent="-317500" lvl="6" marL="3200400">
+            <a:lvl7pPr marL="3200400" lvl="6" indent="-317500">
               <a:spcBef>
                 <a:spcPts val="1600"/>
               </a:spcBef>
@@ -2906,7 +2998,7 @@
               <a:buChar char="●"/>
               <a:defRPr/>
             </a:lvl7pPr>
-            <a:lvl8pPr indent="-317500" lvl="7" marL="3657600">
+            <a:lvl8pPr marL="3657600" lvl="7" indent="-317500">
               <a:spcBef>
                 <a:spcPts val="1600"/>
               </a:spcBef>
@@ -2917,7 +3009,7 @@
               <a:buChar char="○"/>
               <a:defRPr/>
             </a:lvl8pPr>
-            <a:lvl9pPr indent="-317500" lvl="8" marL="4114800">
+            <a:lvl9pPr marL="4114800" lvl="8" indent="-317500">
               <a:spcBef>
                 <a:spcPts val="1600"/>
               </a:spcBef>
@@ -2929,15 +3021,19 @@
               <a:defRPr/>
             </a:lvl9pPr>
           </a:lstStyle>
-          <a:p/>
+          <a:p>
+            <a:endParaRPr/>
+          </a:p>
         </p:txBody>
       </p:sp>
       <p:sp>
         <p:nvSpPr>
           <p:cNvPr id="19" name="Google Shape;19;p4"/>
-          <p:cNvSpPr txBox="1"/>
+          <p:cNvSpPr txBox="1">
+            <a:spLocks noGrp="1"/>
+          </p:cNvSpPr>
           <p:nvPr>
-            <p:ph idx="12" type="sldNum"/>
+            <p:ph type="sldNum" idx="12"/>
           </p:nvPr>
         </p:nvSpPr>
         <p:spPr>
@@ -2950,7 +3046,7 @@
           </a:prstGeom>
         </p:spPr>
         <p:txBody>
-          <a:bodyPr anchorCtr="0" anchor="ctr" bIns="91425" lIns="91425" spcFirstLastPara="1" rIns="91425" wrap="square" tIns="91425">
+          <a:bodyPr spcFirstLastPara="1" wrap="square" lIns="91425" tIns="91425" rIns="91425" bIns="91425" anchor="ctr" anchorCtr="0">
             <a:noAutofit/>
           </a:bodyPr>
           <a:lstStyle>
@@ -2992,7 +3088,7 @@
             </a:lvl9pPr>
           </a:lstStyle>
           <a:p>
-            <a:pPr indent="0" lvl="0" marL="0" rtl="0" algn="r">
+            <a:pPr marL="0" lvl="0" indent="0" algn="r" rtl="0">
               <a:spcBef>
                 <a:spcPts val="0"/>
               </a:spcBef>
@@ -3018,11 +3114,11 @@
 </file>
 
 <file path=ppt/slideLayouts/slideLayout4.xml><?xml version="1.0" encoding="utf-8"?>
-<p:sldLayout xmlns:a="http://schemas.openxmlformats.org/drawingml/2006/main" xmlns:r="http://schemas.openxmlformats.org/officeDocument/2006/relationships" xmlns:mc="http://schemas.openxmlformats.org/markup-compatibility/2006" xmlns:mv="urn:schemas-microsoft-com:mac:vml" xmlns:p="http://schemas.openxmlformats.org/presentationml/2006/main" xmlns:c="http://schemas.openxmlformats.org/drawingml/2006/chart" xmlns:dgm="http://schemas.openxmlformats.org/drawingml/2006/diagram" xmlns:o="urn:schemas-microsoft-com:office:office" xmlns:v="urn:schemas-microsoft-com:vml" xmlns:pvml="urn:schemas-microsoft-com:office:powerpoint" xmlns:com="http://schemas.openxmlformats.org/drawingml/2006/compatibility" xmlns:p14="http://schemas.microsoft.com/office/powerpoint/2010/main" xmlns:p15="http://schemas.microsoft.com/office/powerpoint/2012/main" matchingName="Title and two columns" type="twoColTx">
+<p:sldLayout xmlns:a="http://schemas.openxmlformats.org/drawingml/2006/main" xmlns:r="http://schemas.openxmlformats.org/officeDocument/2006/relationships" xmlns:p="http://schemas.openxmlformats.org/presentationml/2006/main" matchingName="Title and two columns" type="twoColTx">
   <p:cSld name="TITLE_AND_TWO_COLUMNS">
     <p:spTree>
       <p:nvGrpSpPr>
-        <p:cNvPr id="20" name="Shape 20"/>
+        <p:cNvPr id="1" name="Shape 20"/>
         <p:cNvGrpSpPr/>
         <p:nvPr/>
       </p:nvGrpSpPr>
@@ -3037,7 +3133,9 @@
       <p:sp>
         <p:nvSpPr>
           <p:cNvPr id="21" name="Google Shape;21;p5"/>
-          <p:cNvSpPr txBox="1"/>
+          <p:cNvSpPr txBox="1">
+            <a:spLocks noGrp="1"/>
+          </p:cNvSpPr>
           <p:nvPr>
             <p:ph type="title"/>
           </p:nvPr>
@@ -3052,7 +3150,7 @@
           </a:prstGeom>
         </p:spPr>
         <p:txBody>
-          <a:bodyPr anchorCtr="0" anchor="t" bIns="91425" lIns="91425" spcFirstLastPara="1" rIns="91425" wrap="square" tIns="91425">
+          <a:bodyPr spcFirstLastPara="1" wrap="square" lIns="91425" tIns="91425" rIns="91425" bIns="91425" anchor="t" anchorCtr="0">
             <a:noAutofit/>
           </a:bodyPr>
           <a:lstStyle>
@@ -3156,15 +3254,19 @@
               <a:defRPr/>
             </a:lvl9pPr>
           </a:lstStyle>
-          <a:p/>
+          <a:p>
+            <a:endParaRPr/>
+          </a:p>
         </p:txBody>
       </p:sp>
       <p:sp>
         <p:nvSpPr>
           <p:cNvPr id="22" name="Google Shape;22;p5"/>
-          <p:cNvSpPr txBox="1"/>
+          <p:cNvSpPr txBox="1">
+            <a:spLocks noGrp="1"/>
+          </p:cNvSpPr>
           <p:nvPr>
-            <p:ph idx="1" type="body"/>
+            <p:ph type="body" idx="1"/>
           </p:nvPr>
         </p:nvSpPr>
         <p:spPr>
@@ -3177,11 +3279,11 @@
           </a:prstGeom>
         </p:spPr>
         <p:txBody>
-          <a:bodyPr anchorCtr="0" anchor="t" bIns="91425" lIns="91425" spcFirstLastPara="1" rIns="91425" wrap="square" tIns="91425">
+          <a:bodyPr spcFirstLastPara="1" wrap="square" lIns="91425" tIns="91425" rIns="91425" bIns="91425" anchor="t" anchorCtr="0">
             <a:noAutofit/>
           </a:bodyPr>
           <a:lstStyle>
-            <a:lvl1pPr indent="-317500" lvl="0" marL="457200">
+            <a:lvl1pPr marL="457200" lvl="0" indent="-317500">
               <a:spcBef>
                 <a:spcPts val="0"/>
               </a:spcBef>
@@ -3192,7 +3294,7 @@
               <a:buChar char="●"/>
               <a:defRPr sz="1400"/>
             </a:lvl1pPr>
-            <a:lvl2pPr indent="-304800" lvl="1" marL="914400">
+            <a:lvl2pPr marL="914400" lvl="1" indent="-304800">
               <a:spcBef>
                 <a:spcPts val="1600"/>
               </a:spcBef>
@@ -3203,7 +3305,7 @@
               <a:buChar char="○"/>
               <a:defRPr sz="1200"/>
             </a:lvl2pPr>
-            <a:lvl3pPr indent="-304800" lvl="2" marL="1371600">
+            <a:lvl3pPr marL="1371600" lvl="2" indent="-304800">
               <a:spcBef>
                 <a:spcPts val="1600"/>
               </a:spcBef>
@@ -3214,7 +3316,7 @@
               <a:buChar char="■"/>
               <a:defRPr sz="1200"/>
             </a:lvl3pPr>
-            <a:lvl4pPr indent="-304800" lvl="3" marL="1828800">
+            <a:lvl4pPr marL="1828800" lvl="3" indent="-304800">
               <a:spcBef>
                 <a:spcPts val="1600"/>
               </a:spcBef>
@@ -3225,7 +3327,7 @@
               <a:buChar char="●"/>
               <a:defRPr sz="1200"/>
             </a:lvl4pPr>
-            <a:lvl5pPr indent="-304800" lvl="4" marL="2286000">
+            <a:lvl5pPr marL="2286000" lvl="4" indent="-304800">
               <a:spcBef>
                 <a:spcPts val="1600"/>
               </a:spcBef>
@@ -3236,7 +3338,7 @@
               <a:buChar char="○"/>
               <a:defRPr sz="1200"/>
             </a:lvl5pPr>
-            <a:lvl6pPr indent="-304800" lvl="5" marL="2743200">
+            <a:lvl6pPr marL="2743200" lvl="5" indent="-304800">
               <a:spcBef>
                 <a:spcPts val="1600"/>
               </a:spcBef>
@@ -3247,7 +3349,7 @@
               <a:buChar char="■"/>
               <a:defRPr sz="1200"/>
             </a:lvl6pPr>
-            <a:lvl7pPr indent="-304800" lvl="6" marL="3200400">
+            <a:lvl7pPr marL="3200400" lvl="6" indent="-304800">
               <a:spcBef>
                 <a:spcPts val="1600"/>
               </a:spcBef>
@@ -3258,7 +3360,7 @@
               <a:buChar char="●"/>
               <a:defRPr sz="1200"/>
             </a:lvl7pPr>
-            <a:lvl8pPr indent="-304800" lvl="7" marL="3657600">
+            <a:lvl8pPr marL="3657600" lvl="7" indent="-304800">
               <a:spcBef>
                 <a:spcPts val="1600"/>
               </a:spcBef>
@@ -3269,7 +3371,7 @@
               <a:buChar char="○"/>
               <a:defRPr sz="1200"/>
             </a:lvl8pPr>
-            <a:lvl9pPr indent="-304800" lvl="8" marL="4114800">
+            <a:lvl9pPr marL="4114800" lvl="8" indent="-304800">
               <a:spcBef>
                 <a:spcPts val="1600"/>
               </a:spcBef>
@@ -3281,15 +3383,19 @@
               <a:defRPr sz="1200"/>
             </a:lvl9pPr>
           </a:lstStyle>
-          <a:p/>
+          <a:p>
+            <a:endParaRPr/>
+          </a:p>
         </p:txBody>
       </p:sp>
       <p:sp>
         <p:nvSpPr>
           <p:cNvPr id="23" name="Google Shape;23;p5"/>
-          <p:cNvSpPr txBox="1"/>
+          <p:cNvSpPr txBox="1">
+            <a:spLocks noGrp="1"/>
+          </p:cNvSpPr>
           <p:nvPr>
-            <p:ph idx="2" type="body"/>
+            <p:ph type="body" idx="2"/>
           </p:nvPr>
         </p:nvSpPr>
         <p:spPr>
@@ -3302,11 +3408,11 @@
           </a:prstGeom>
         </p:spPr>
         <p:txBody>
-          <a:bodyPr anchorCtr="0" anchor="t" bIns="91425" lIns="91425" spcFirstLastPara="1" rIns="91425" wrap="square" tIns="91425">
+          <a:bodyPr spcFirstLastPara="1" wrap="square" lIns="91425" tIns="91425" rIns="91425" bIns="91425" anchor="t" anchorCtr="0">
             <a:noAutofit/>
           </a:bodyPr>
           <a:lstStyle>
-            <a:lvl1pPr indent="-317500" lvl="0" marL="457200">
+            <a:lvl1pPr marL="457200" lvl="0" indent="-317500">
               <a:spcBef>
                 <a:spcPts val="0"/>
               </a:spcBef>
@@ -3317,7 +3423,7 @@
               <a:buChar char="●"/>
               <a:defRPr sz="1400"/>
             </a:lvl1pPr>
-            <a:lvl2pPr indent="-304800" lvl="1" marL="914400">
+            <a:lvl2pPr marL="914400" lvl="1" indent="-304800">
               <a:spcBef>
                 <a:spcPts val="1600"/>
               </a:spcBef>
@@ -3328,7 +3434,7 @@
               <a:buChar char="○"/>
               <a:defRPr sz="1200"/>
             </a:lvl2pPr>
-            <a:lvl3pPr indent="-304800" lvl="2" marL="1371600">
+            <a:lvl3pPr marL="1371600" lvl="2" indent="-304800">
               <a:spcBef>
                 <a:spcPts val="1600"/>
               </a:spcBef>
@@ -3339,7 +3445,7 @@
               <a:buChar char="■"/>
               <a:defRPr sz="1200"/>
             </a:lvl3pPr>
-            <a:lvl4pPr indent="-304800" lvl="3" marL="1828800">
+            <a:lvl4pPr marL="1828800" lvl="3" indent="-304800">
               <a:spcBef>
                 <a:spcPts val="1600"/>
               </a:spcBef>
@@ -3350,7 +3456,7 @@
               <a:buChar char="●"/>
               <a:defRPr sz="1200"/>
             </a:lvl4pPr>
-            <a:lvl5pPr indent="-304800" lvl="4" marL="2286000">
+            <a:lvl5pPr marL="2286000" lvl="4" indent="-304800">
               <a:spcBef>
                 <a:spcPts val="1600"/>
               </a:spcBef>
@@ -3361,7 +3467,7 @@
               <a:buChar char="○"/>
               <a:defRPr sz="1200"/>
             </a:lvl5pPr>
-            <a:lvl6pPr indent="-304800" lvl="5" marL="2743200">
+            <a:lvl6pPr marL="2743200" lvl="5" indent="-304800">
               <a:spcBef>
                 <a:spcPts val="1600"/>
               </a:spcBef>
@@ -3372,7 +3478,7 @@
               <a:buChar char="■"/>
               <a:defRPr sz="1200"/>
             </a:lvl6pPr>
-            <a:lvl7pPr indent="-304800" lvl="6" marL="3200400">
+            <a:lvl7pPr marL="3200400" lvl="6" indent="-304800">
               <a:spcBef>
                 <a:spcPts val="1600"/>
               </a:spcBef>
@@ -3383,7 +3489,7 @@
               <a:buChar char="●"/>
               <a:defRPr sz="1200"/>
             </a:lvl7pPr>
-            <a:lvl8pPr indent="-304800" lvl="7" marL="3657600">
+            <a:lvl8pPr marL="3657600" lvl="7" indent="-304800">
               <a:spcBef>
                 <a:spcPts val="1600"/>
               </a:spcBef>
@@ -3394,7 +3500,7 @@
               <a:buChar char="○"/>
               <a:defRPr sz="1200"/>
             </a:lvl8pPr>
-            <a:lvl9pPr indent="-304800" lvl="8" marL="4114800">
+            <a:lvl9pPr marL="4114800" lvl="8" indent="-304800">
               <a:spcBef>
                 <a:spcPts val="1600"/>
               </a:spcBef>
@@ -3406,15 +3512,19 @@
               <a:defRPr sz="1200"/>
             </a:lvl9pPr>
           </a:lstStyle>
-          <a:p/>
+          <a:p>
+            <a:endParaRPr/>
+          </a:p>
         </p:txBody>
       </p:sp>
       <p:sp>
         <p:nvSpPr>
           <p:cNvPr id="24" name="Google Shape;24;p5"/>
-          <p:cNvSpPr txBox="1"/>
+          <p:cNvSpPr txBox="1">
+            <a:spLocks noGrp="1"/>
+          </p:cNvSpPr>
           <p:nvPr>
-            <p:ph idx="12" type="sldNum"/>
+            <p:ph type="sldNum" idx="12"/>
           </p:nvPr>
         </p:nvSpPr>
         <p:spPr>
@@ -3427,7 +3537,7 @@
           </a:prstGeom>
         </p:spPr>
         <p:txBody>
-          <a:bodyPr anchorCtr="0" anchor="ctr" bIns="91425" lIns="91425" spcFirstLastPara="1" rIns="91425" wrap="square" tIns="91425">
+          <a:bodyPr spcFirstLastPara="1" wrap="square" lIns="91425" tIns="91425" rIns="91425" bIns="91425" anchor="ctr" anchorCtr="0">
             <a:noAutofit/>
           </a:bodyPr>
           <a:lstStyle>
@@ -3469,7 +3579,7 @@
             </a:lvl9pPr>
           </a:lstStyle>
           <a:p>
-            <a:pPr indent="0" lvl="0" marL="0" rtl="0" algn="r">
+            <a:pPr marL="0" lvl="0" indent="0" algn="r" rtl="0">
               <a:spcBef>
                 <a:spcPts val="0"/>
               </a:spcBef>
@@ -3495,11 +3605,11 @@
 </file>
 
 <file path=ppt/slideLayouts/slideLayout5.xml><?xml version="1.0" encoding="utf-8"?>
-<p:sldLayout xmlns:a="http://schemas.openxmlformats.org/drawingml/2006/main" xmlns:r="http://schemas.openxmlformats.org/officeDocument/2006/relationships" xmlns:mc="http://schemas.openxmlformats.org/markup-compatibility/2006" xmlns:mv="urn:schemas-microsoft-com:mac:vml" xmlns:p="http://schemas.openxmlformats.org/presentationml/2006/main" xmlns:c="http://schemas.openxmlformats.org/drawingml/2006/chart" xmlns:dgm="http://schemas.openxmlformats.org/drawingml/2006/diagram" xmlns:o="urn:schemas-microsoft-com:office:office" xmlns:v="urn:schemas-microsoft-com:vml" xmlns:pvml="urn:schemas-microsoft-com:office:powerpoint" xmlns:com="http://schemas.openxmlformats.org/drawingml/2006/compatibility" xmlns:p14="http://schemas.microsoft.com/office/powerpoint/2010/main" xmlns:p15="http://schemas.microsoft.com/office/powerpoint/2012/main" matchingName="Title only" type="titleOnly">
+<p:sldLayout xmlns:a="http://schemas.openxmlformats.org/drawingml/2006/main" xmlns:r="http://schemas.openxmlformats.org/officeDocument/2006/relationships" xmlns:p="http://schemas.openxmlformats.org/presentationml/2006/main" matchingName="Title only" type="titleOnly">
   <p:cSld name="TITLE_ONLY">
     <p:spTree>
       <p:nvGrpSpPr>
-        <p:cNvPr id="25" name="Shape 25"/>
+        <p:cNvPr id="1" name="Shape 25"/>
         <p:cNvGrpSpPr/>
         <p:nvPr/>
       </p:nvGrpSpPr>
@@ -3514,7 +3624,9 @@
       <p:sp>
         <p:nvSpPr>
           <p:cNvPr id="26" name="Google Shape;26;p6"/>
-          <p:cNvSpPr txBox="1"/>
+          <p:cNvSpPr txBox="1">
+            <a:spLocks noGrp="1"/>
+          </p:cNvSpPr>
           <p:nvPr>
             <p:ph type="title"/>
           </p:nvPr>
@@ -3529,7 +3641,7 @@
           </a:prstGeom>
         </p:spPr>
         <p:txBody>
-          <a:bodyPr anchorCtr="0" anchor="t" bIns="91425" lIns="91425" spcFirstLastPara="1" rIns="91425" wrap="square" tIns="91425">
+          <a:bodyPr spcFirstLastPara="1" wrap="square" lIns="91425" tIns="91425" rIns="91425" bIns="91425" anchor="t" anchorCtr="0">
             <a:noAutofit/>
           </a:bodyPr>
           <a:lstStyle>
@@ -3633,15 +3745,19 @@
               <a:defRPr/>
             </a:lvl9pPr>
           </a:lstStyle>
-          <a:p/>
+          <a:p>
+            <a:endParaRPr/>
+          </a:p>
         </p:txBody>
       </p:sp>
       <p:sp>
         <p:nvSpPr>
           <p:cNvPr id="27" name="Google Shape;27;p6"/>
-          <p:cNvSpPr txBox="1"/>
+          <p:cNvSpPr txBox="1">
+            <a:spLocks noGrp="1"/>
+          </p:cNvSpPr>
           <p:nvPr>
-            <p:ph idx="12" type="sldNum"/>
+            <p:ph type="sldNum" idx="12"/>
           </p:nvPr>
         </p:nvSpPr>
         <p:spPr>
@@ -3654,7 +3770,7 @@
           </a:prstGeom>
         </p:spPr>
         <p:txBody>
-          <a:bodyPr anchorCtr="0" anchor="ctr" bIns="91425" lIns="91425" spcFirstLastPara="1" rIns="91425" wrap="square" tIns="91425">
+          <a:bodyPr spcFirstLastPara="1" wrap="square" lIns="91425" tIns="91425" rIns="91425" bIns="91425" anchor="ctr" anchorCtr="0">
             <a:noAutofit/>
           </a:bodyPr>
           <a:lstStyle>
@@ -3696,7 +3812,7 @@
             </a:lvl9pPr>
           </a:lstStyle>
           <a:p>
-            <a:pPr indent="0" lvl="0" marL="0" rtl="0" algn="r">
+            <a:pPr marL="0" lvl="0" indent="0" algn="r" rtl="0">
               <a:spcBef>
                 <a:spcPts val="0"/>
               </a:spcBef>
@@ -3722,11 +3838,11 @@
 </file>
 
 <file path=ppt/slideLayouts/slideLayout6.xml><?xml version="1.0" encoding="utf-8"?>
-<p:sldLayout xmlns:a="http://schemas.openxmlformats.org/drawingml/2006/main" xmlns:r="http://schemas.openxmlformats.org/officeDocument/2006/relationships" xmlns:mc="http://schemas.openxmlformats.org/markup-compatibility/2006" xmlns:mv="urn:schemas-microsoft-com:mac:vml" xmlns:p="http://schemas.openxmlformats.org/presentationml/2006/main" xmlns:c="http://schemas.openxmlformats.org/drawingml/2006/chart" xmlns:dgm="http://schemas.openxmlformats.org/drawingml/2006/diagram" xmlns:o="urn:schemas-microsoft-com:office:office" xmlns:v="urn:schemas-microsoft-com:vml" xmlns:pvml="urn:schemas-microsoft-com:office:powerpoint" xmlns:com="http://schemas.openxmlformats.org/drawingml/2006/compatibility" xmlns:p14="http://schemas.microsoft.com/office/powerpoint/2010/main" xmlns:p15="http://schemas.microsoft.com/office/powerpoint/2012/main" matchingName="One column text">
+<p:sldLayout xmlns:a="http://schemas.openxmlformats.org/drawingml/2006/main" xmlns:r="http://schemas.openxmlformats.org/officeDocument/2006/relationships" xmlns:p="http://schemas.openxmlformats.org/presentationml/2006/main" matchingName="One column text">
   <p:cSld name="ONE_COLUMN_TEXT">
     <p:spTree>
       <p:nvGrpSpPr>
-        <p:cNvPr id="28" name="Shape 28"/>
+        <p:cNvPr id="1" name="Shape 28"/>
         <p:cNvGrpSpPr/>
         <p:nvPr/>
       </p:nvGrpSpPr>
@@ -3741,7 +3857,9 @@
       <p:sp>
         <p:nvSpPr>
           <p:cNvPr id="29" name="Google Shape;29;p7"/>
-          <p:cNvSpPr txBox="1"/>
+          <p:cNvSpPr txBox="1">
+            <a:spLocks noGrp="1"/>
+          </p:cNvSpPr>
           <p:nvPr>
             <p:ph type="title"/>
           </p:nvPr>
@@ -3756,7 +3874,7 @@
           </a:prstGeom>
         </p:spPr>
         <p:txBody>
-          <a:bodyPr anchorCtr="0" anchor="b" bIns="91425" lIns="91425" spcFirstLastPara="1" rIns="91425" wrap="square" tIns="91425">
+          <a:bodyPr spcFirstLastPara="1" wrap="square" lIns="91425" tIns="91425" rIns="91425" bIns="91425" anchor="b" anchorCtr="0">
             <a:noAutofit/>
           </a:bodyPr>
           <a:lstStyle>
@@ -3860,15 +3978,19 @@
               <a:defRPr sz="2400"/>
             </a:lvl9pPr>
           </a:lstStyle>
-          <a:p/>
+          <a:p>
+            <a:endParaRPr/>
+          </a:p>
         </p:txBody>
       </p:sp>
       <p:sp>
         <p:nvSpPr>
           <p:cNvPr id="30" name="Google Shape;30;p7"/>
-          <p:cNvSpPr txBox="1"/>
+          <p:cNvSpPr txBox="1">
+            <a:spLocks noGrp="1"/>
+          </p:cNvSpPr>
           <p:nvPr>
-            <p:ph idx="1" type="body"/>
+            <p:ph type="body" idx="1"/>
           </p:nvPr>
         </p:nvSpPr>
         <p:spPr>
@@ -3881,11 +4003,11 @@
           </a:prstGeom>
         </p:spPr>
         <p:txBody>
-          <a:bodyPr anchorCtr="0" anchor="t" bIns="91425" lIns="91425" spcFirstLastPara="1" rIns="91425" wrap="square" tIns="91425">
+          <a:bodyPr spcFirstLastPara="1" wrap="square" lIns="91425" tIns="91425" rIns="91425" bIns="91425" anchor="t" anchorCtr="0">
             <a:noAutofit/>
           </a:bodyPr>
           <a:lstStyle>
-            <a:lvl1pPr indent="-304800" lvl="0" marL="457200">
+            <a:lvl1pPr marL="457200" lvl="0" indent="-304800">
               <a:spcBef>
                 <a:spcPts val="0"/>
               </a:spcBef>
@@ -3896,7 +4018,7 @@
               <a:buChar char="●"/>
               <a:defRPr sz="1200"/>
             </a:lvl1pPr>
-            <a:lvl2pPr indent="-304800" lvl="1" marL="914400">
+            <a:lvl2pPr marL="914400" lvl="1" indent="-304800">
               <a:spcBef>
                 <a:spcPts val="1600"/>
               </a:spcBef>
@@ -3907,7 +4029,7 @@
               <a:buChar char="○"/>
               <a:defRPr sz="1200"/>
             </a:lvl2pPr>
-            <a:lvl3pPr indent="-304800" lvl="2" marL="1371600">
+            <a:lvl3pPr marL="1371600" lvl="2" indent="-304800">
               <a:spcBef>
                 <a:spcPts val="1600"/>
               </a:spcBef>
@@ -3918,7 +4040,7 @@
               <a:buChar char="■"/>
               <a:defRPr sz="1200"/>
             </a:lvl3pPr>
-            <a:lvl4pPr indent="-304800" lvl="3" marL="1828800">
+            <a:lvl4pPr marL="1828800" lvl="3" indent="-304800">
               <a:spcBef>
                 <a:spcPts val="1600"/>
               </a:spcBef>
@@ -3929,7 +4051,7 @@
               <a:buChar char="●"/>
               <a:defRPr sz="1200"/>
             </a:lvl4pPr>
-            <a:lvl5pPr indent="-304800" lvl="4" marL="2286000">
+            <a:lvl5pPr marL="2286000" lvl="4" indent="-304800">
               <a:spcBef>
                 <a:spcPts val="1600"/>
               </a:spcBef>
@@ -3940,7 +4062,7 @@
               <a:buChar char="○"/>
               <a:defRPr sz="1200"/>
             </a:lvl5pPr>
-            <a:lvl6pPr indent="-304800" lvl="5" marL="2743200">
+            <a:lvl6pPr marL="2743200" lvl="5" indent="-304800">
               <a:spcBef>
                 <a:spcPts val="1600"/>
               </a:spcBef>
@@ -3951,7 +4073,7 @@
               <a:buChar char="■"/>
               <a:defRPr sz="1200"/>
             </a:lvl6pPr>
-            <a:lvl7pPr indent="-304800" lvl="6" marL="3200400">
+            <a:lvl7pPr marL="3200400" lvl="6" indent="-304800">
               <a:spcBef>
                 <a:spcPts val="1600"/>
               </a:spcBef>
@@ -3962,7 +4084,7 @@
               <a:buChar char="●"/>
               <a:defRPr sz="1200"/>
             </a:lvl7pPr>
-            <a:lvl8pPr indent="-304800" lvl="7" marL="3657600">
+            <a:lvl8pPr marL="3657600" lvl="7" indent="-304800">
               <a:spcBef>
                 <a:spcPts val="1600"/>
               </a:spcBef>
@@ -3973,7 +4095,7 @@
               <a:buChar char="○"/>
               <a:defRPr sz="1200"/>
             </a:lvl8pPr>
-            <a:lvl9pPr indent="-304800" lvl="8" marL="4114800">
+            <a:lvl9pPr marL="4114800" lvl="8" indent="-304800">
               <a:spcBef>
                 <a:spcPts val="1600"/>
               </a:spcBef>
@@ -3985,15 +4107,19 @@
               <a:defRPr sz="1200"/>
             </a:lvl9pPr>
           </a:lstStyle>
-          <a:p/>
+          <a:p>
+            <a:endParaRPr/>
+          </a:p>
         </p:txBody>
       </p:sp>
       <p:sp>
         <p:nvSpPr>
           <p:cNvPr id="31" name="Google Shape;31;p7"/>
-          <p:cNvSpPr txBox="1"/>
+          <p:cNvSpPr txBox="1">
+            <a:spLocks noGrp="1"/>
+          </p:cNvSpPr>
           <p:nvPr>
-            <p:ph idx="12" type="sldNum"/>
+            <p:ph type="sldNum" idx="12"/>
           </p:nvPr>
         </p:nvSpPr>
         <p:spPr>
@@ -4006,7 +4132,7 @@
           </a:prstGeom>
         </p:spPr>
         <p:txBody>
-          <a:bodyPr anchorCtr="0" anchor="ctr" bIns="91425" lIns="91425" spcFirstLastPara="1" rIns="91425" wrap="square" tIns="91425">
+          <a:bodyPr spcFirstLastPara="1" wrap="square" lIns="91425" tIns="91425" rIns="91425" bIns="91425" anchor="ctr" anchorCtr="0">
             <a:noAutofit/>
           </a:bodyPr>
           <a:lstStyle>
@@ -4048,7 +4174,7 @@
             </a:lvl9pPr>
           </a:lstStyle>
           <a:p>
-            <a:pPr indent="0" lvl="0" marL="0" rtl="0" algn="r">
+            <a:pPr marL="0" lvl="0" indent="0" algn="r" rtl="0">
               <a:spcBef>
                 <a:spcPts val="0"/>
               </a:spcBef>
@@ -4074,11 +4200,11 @@
 </file>
 
 <file path=ppt/slideLayouts/slideLayout7.xml><?xml version="1.0" encoding="utf-8"?>
-<p:sldLayout xmlns:a="http://schemas.openxmlformats.org/drawingml/2006/main" xmlns:r="http://schemas.openxmlformats.org/officeDocument/2006/relationships" xmlns:mc="http://schemas.openxmlformats.org/markup-compatibility/2006" xmlns:mv="urn:schemas-microsoft-com:mac:vml" xmlns:p="http://schemas.openxmlformats.org/presentationml/2006/main" xmlns:c="http://schemas.openxmlformats.org/drawingml/2006/chart" xmlns:dgm="http://schemas.openxmlformats.org/drawingml/2006/diagram" xmlns:o="urn:schemas-microsoft-com:office:office" xmlns:v="urn:schemas-microsoft-com:vml" xmlns:pvml="urn:schemas-microsoft-com:office:powerpoint" xmlns:com="http://schemas.openxmlformats.org/drawingml/2006/compatibility" xmlns:p14="http://schemas.microsoft.com/office/powerpoint/2010/main" xmlns:p15="http://schemas.microsoft.com/office/powerpoint/2012/main" matchingName="Main point">
+<p:sldLayout xmlns:a="http://schemas.openxmlformats.org/drawingml/2006/main" xmlns:r="http://schemas.openxmlformats.org/officeDocument/2006/relationships" xmlns:p="http://schemas.openxmlformats.org/presentationml/2006/main" matchingName="Main point">
   <p:cSld name="MAIN_POINT">
     <p:spTree>
       <p:nvGrpSpPr>
-        <p:cNvPr id="32" name="Shape 32"/>
+        <p:cNvPr id="1" name="Shape 32"/>
         <p:cNvGrpSpPr/>
         <p:nvPr/>
       </p:nvGrpSpPr>
@@ -4093,7 +4219,9 @@
       <p:sp>
         <p:nvSpPr>
           <p:cNvPr id="33" name="Google Shape;33;p8"/>
-          <p:cNvSpPr txBox="1"/>
+          <p:cNvSpPr txBox="1">
+            <a:spLocks noGrp="1"/>
+          </p:cNvSpPr>
           <p:nvPr>
             <p:ph type="title"/>
           </p:nvPr>
@@ -4108,7 +4236,7 @@
           </a:prstGeom>
         </p:spPr>
         <p:txBody>
-          <a:bodyPr anchorCtr="0" anchor="ctr" bIns="91425" lIns="91425" spcFirstLastPara="1" rIns="91425" wrap="square" tIns="91425">
+          <a:bodyPr spcFirstLastPara="1" wrap="square" lIns="91425" tIns="91425" rIns="91425" bIns="91425" anchor="ctr" anchorCtr="0">
             <a:noAutofit/>
           </a:bodyPr>
           <a:lstStyle>
@@ -4212,15 +4340,19 @@
               <a:defRPr sz="4800"/>
             </a:lvl9pPr>
           </a:lstStyle>
-          <a:p/>
+          <a:p>
+            <a:endParaRPr/>
+          </a:p>
         </p:txBody>
       </p:sp>
       <p:sp>
         <p:nvSpPr>
           <p:cNvPr id="34" name="Google Shape;34;p8"/>
-          <p:cNvSpPr txBox="1"/>
+          <p:cNvSpPr txBox="1">
+            <a:spLocks noGrp="1"/>
+          </p:cNvSpPr>
           <p:nvPr>
-            <p:ph idx="12" type="sldNum"/>
+            <p:ph type="sldNum" idx="12"/>
           </p:nvPr>
         </p:nvSpPr>
         <p:spPr>
@@ -4233,7 +4365,7 @@
           </a:prstGeom>
         </p:spPr>
         <p:txBody>
-          <a:bodyPr anchorCtr="0" anchor="ctr" bIns="91425" lIns="91425" spcFirstLastPara="1" rIns="91425" wrap="square" tIns="91425">
+          <a:bodyPr spcFirstLastPara="1" wrap="square" lIns="91425" tIns="91425" rIns="91425" bIns="91425" anchor="ctr" anchorCtr="0">
             <a:noAutofit/>
           </a:bodyPr>
           <a:lstStyle>
@@ -4275,7 +4407,7 @@
             </a:lvl9pPr>
           </a:lstStyle>
           <a:p>
-            <a:pPr indent="0" lvl="0" marL="0" rtl="0" algn="r">
+            <a:pPr marL="0" lvl="0" indent="0" algn="r" rtl="0">
               <a:spcBef>
                 <a:spcPts val="0"/>
               </a:spcBef>
@@ -4301,11 +4433,11 @@
 </file>
 
 <file path=ppt/slideLayouts/slideLayout8.xml><?xml version="1.0" encoding="utf-8"?>
-<p:sldLayout xmlns:a="http://schemas.openxmlformats.org/drawingml/2006/main" xmlns:r="http://schemas.openxmlformats.org/officeDocument/2006/relationships" xmlns:mc="http://schemas.openxmlformats.org/markup-compatibility/2006" xmlns:mv="urn:schemas-microsoft-com:mac:vml" xmlns:p="http://schemas.openxmlformats.org/presentationml/2006/main" xmlns:c="http://schemas.openxmlformats.org/drawingml/2006/chart" xmlns:dgm="http://schemas.openxmlformats.org/drawingml/2006/diagram" xmlns:o="urn:schemas-microsoft-com:office:office" xmlns:v="urn:schemas-microsoft-com:vml" xmlns:pvml="urn:schemas-microsoft-com:office:powerpoint" xmlns:com="http://schemas.openxmlformats.org/drawingml/2006/compatibility" xmlns:p14="http://schemas.microsoft.com/office/powerpoint/2010/main" xmlns:p15="http://schemas.microsoft.com/office/powerpoint/2012/main" matchingName="Section title and description">
+<p:sldLayout xmlns:a="http://schemas.openxmlformats.org/drawingml/2006/main" xmlns:r="http://schemas.openxmlformats.org/officeDocument/2006/relationships" xmlns:p="http://schemas.openxmlformats.org/presentationml/2006/main" matchingName="Section title and description">
   <p:cSld name="SECTION_TITLE_AND_DESCRIPTION">
     <p:spTree>
       <p:nvGrpSpPr>
-        <p:cNvPr id="35" name="Shape 35"/>
+        <p:cNvPr id="1" name="Shape 35"/>
         <p:cNvGrpSpPr/>
         <p:nvPr/>
       </p:nvGrpSpPr>
@@ -4339,12 +4471,12 @@
           </a:ln>
         </p:spPr>
         <p:txBody>
-          <a:bodyPr anchorCtr="0" anchor="ctr" bIns="91425" lIns="91425" spcFirstLastPara="1" rIns="91425" wrap="square" tIns="91425">
+          <a:bodyPr spcFirstLastPara="1" wrap="square" lIns="91425" tIns="91425" rIns="91425" bIns="91425" anchor="ctr" anchorCtr="0">
             <a:noAutofit/>
           </a:bodyPr>
           <a:lstStyle/>
           <a:p>
-            <a:pPr indent="0" lvl="0" marL="0" rtl="0" algn="l">
+            <a:pPr marL="0" lvl="0" indent="0" algn="l" rtl="0">
               <a:spcBef>
                 <a:spcPts val="0"/>
               </a:spcBef>
@@ -4353,9 +4485,6 @@
               </a:spcAft>
               <a:buNone/>
             </a:pPr>
-            <a:r>
-              <a:t/>
-            </a:r>
             <a:endParaRPr/>
           </a:p>
         </p:txBody>
@@ -4363,7 +4492,9 @@
       <p:sp>
         <p:nvSpPr>
           <p:cNvPr id="37" name="Google Shape;37;p9"/>
-          <p:cNvSpPr txBox="1"/>
+          <p:cNvSpPr txBox="1">
+            <a:spLocks noGrp="1"/>
+          </p:cNvSpPr>
           <p:nvPr>
             <p:ph type="title"/>
           </p:nvPr>
@@ -4378,7 +4509,7 @@
           </a:prstGeom>
         </p:spPr>
         <p:txBody>
-          <a:bodyPr anchorCtr="0" anchor="b" bIns="91425" lIns="91425" spcFirstLastPara="1" rIns="91425" wrap="square" tIns="91425">
+          <a:bodyPr spcFirstLastPara="1" wrap="square" lIns="91425" tIns="91425" rIns="91425" bIns="91425" anchor="b" anchorCtr="0">
             <a:noAutofit/>
           </a:bodyPr>
           <a:lstStyle>
@@ -4482,15 +4613,19 @@
               <a:defRPr sz="4200"/>
             </a:lvl9pPr>
           </a:lstStyle>
-          <a:p/>
+          <a:p>
+            <a:endParaRPr/>
+          </a:p>
         </p:txBody>
       </p:sp>
       <p:sp>
         <p:nvSpPr>
           <p:cNvPr id="38" name="Google Shape;38;p9"/>
-          <p:cNvSpPr txBox="1"/>
+          <p:cNvSpPr txBox="1">
+            <a:spLocks noGrp="1"/>
+          </p:cNvSpPr>
           <p:nvPr>
-            <p:ph idx="1" type="subTitle"/>
+            <p:ph type="subTitle" idx="1"/>
           </p:nvPr>
         </p:nvSpPr>
         <p:spPr>
@@ -4503,7 +4638,7 @@
           </a:prstGeom>
         </p:spPr>
         <p:txBody>
-          <a:bodyPr anchorCtr="0" anchor="t" bIns="91425" lIns="91425" spcFirstLastPara="1" rIns="91425" wrap="square" tIns="91425">
+          <a:bodyPr spcFirstLastPara="1" wrap="square" lIns="91425" tIns="91425" rIns="91425" bIns="91425" anchor="t" anchorCtr="0">
             <a:noAutofit/>
           </a:bodyPr>
           <a:lstStyle>
@@ -4634,15 +4769,19 @@
               <a:defRPr sz="2100"/>
             </a:lvl9pPr>
           </a:lstStyle>
-          <a:p/>
+          <a:p>
+            <a:endParaRPr/>
+          </a:p>
         </p:txBody>
       </p:sp>
       <p:sp>
         <p:nvSpPr>
           <p:cNvPr id="39" name="Google Shape;39;p9"/>
-          <p:cNvSpPr txBox="1"/>
+          <p:cNvSpPr txBox="1">
+            <a:spLocks noGrp="1"/>
+          </p:cNvSpPr>
           <p:nvPr>
-            <p:ph idx="2" type="body"/>
+            <p:ph type="body" idx="2"/>
           </p:nvPr>
         </p:nvSpPr>
         <p:spPr>
@@ -4655,11 +4794,11 @@
           </a:prstGeom>
         </p:spPr>
         <p:txBody>
-          <a:bodyPr anchorCtr="0" anchor="ctr" bIns="91425" lIns="91425" spcFirstLastPara="1" rIns="91425" wrap="square" tIns="91425">
+          <a:bodyPr spcFirstLastPara="1" wrap="square" lIns="91425" tIns="91425" rIns="91425" bIns="91425" anchor="ctr" anchorCtr="0">
             <a:noAutofit/>
           </a:bodyPr>
           <a:lstStyle>
-            <a:lvl1pPr indent="-342900" lvl="0" marL="457200">
+            <a:lvl1pPr marL="457200" lvl="0" indent="-342900">
               <a:spcBef>
                 <a:spcPts val="0"/>
               </a:spcBef>
@@ -4670,7 +4809,7 @@
               <a:buChar char="●"/>
               <a:defRPr/>
             </a:lvl1pPr>
-            <a:lvl2pPr indent="-317500" lvl="1" marL="914400">
+            <a:lvl2pPr marL="914400" lvl="1" indent="-317500">
               <a:spcBef>
                 <a:spcPts val="1600"/>
               </a:spcBef>
@@ -4681,7 +4820,7 @@
               <a:buChar char="○"/>
               <a:defRPr/>
             </a:lvl2pPr>
-            <a:lvl3pPr indent="-317500" lvl="2" marL="1371600">
+            <a:lvl3pPr marL="1371600" lvl="2" indent="-317500">
               <a:spcBef>
                 <a:spcPts val="1600"/>
               </a:spcBef>
@@ -4692,7 +4831,7 @@
               <a:buChar char="■"/>
               <a:defRPr/>
             </a:lvl3pPr>
-            <a:lvl4pPr indent="-317500" lvl="3" marL="1828800">
+            <a:lvl4pPr marL="1828800" lvl="3" indent="-317500">
               <a:spcBef>
                 <a:spcPts val="1600"/>
               </a:spcBef>
@@ -4703,7 +4842,7 @@
               <a:buChar char="●"/>
               <a:defRPr/>
             </a:lvl4pPr>
-            <a:lvl5pPr indent="-317500" lvl="4" marL="2286000">
+            <a:lvl5pPr marL="2286000" lvl="4" indent="-317500">
               <a:spcBef>
                 <a:spcPts val="1600"/>
               </a:spcBef>
@@ -4714,7 +4853,7 @@
               <a:buChar char="○"/>
               <a:defRPr/>
             </a:lvl5pPr>
-            <a:lvl6pPr indent="-317500" lvl="5" marL="2743200">
+            <a:lvl6pPr marL="2743200" lvl="5" indent="-317500">
               <a:spcBef>
                 <a:spcPts val="1600"/>
               </a:spcBef>
@@ -4725,7 +4864,7 @@
               <a:buChar char="■"/>
               <a:defRPr/>
             </a:lvl6pPr>
-            <a:lvl7pPr indent="-317500" lvl="6" marL="3200400">
+            <a:lvl7pPr marL="3200400" lvl="6" indent="-317500">
               <a:spcBef>
                 <a:spcPts val="1600"/>
               </a:spcBef>
@@ -4736,7 +4875,7 @@
               <a:buChar char="●"/>
               <a:defRPr/>
             </a:lvl7pPr>
-            <a:lvl8pPr indent="-317500" lvl="7" marL="3657600">
+            <a:lvl8pPr marL="3657600" lvl="7" indent="-317500">
               <a:spcBef>
                 <a:spcPts val="1600"/>
               </a:spcBef>
@@ -4747,7 +4886,7 @@
               <a:buChar char="○"/>
               <a:defRPr/>
             </a:lvl8pPr>
-            <a:lvl9pPr indent="-317500" lvl="8" marL="4114800">
+            <a:lvl9pPr marL="4114800" lvl="8" indent="-317500">
               <a:spcBef>
                 <a:spcPts val="1600"/>
               </a:spcBef>
@@ -4759,15 +4898,19 @@
               <a:defRPr/>
             </a:lvl9pPr>
           </a:lstStyle>
-          <a:p/>
+          <a:p>
+            <a:endParaRPr/>
+          </a:p>
         </p:txBody>
       </p:sp>
       <p:sp>
         <p:nvSpPr>
           <p:cNvPr id="40" name="Google Shape;40;p9"/>
-          <p:cNvSpPr txBox="1"/>
+          <p:cNvSpPr txBox="1">
+            <a:spLocks noGrp="1"/>
+          </p:cNvSpPr>
           <p:nvPr>
-            <p:ph idx="12" type="sldNum"/>
+            <p:ph type="sldNum" idx="12"/>
           </p:nvPr>
         </p:nvSpPr>
         <p:spPr>
@@ -4780,7 +4923,7 @@
           </a:prstGeom>
         </p:spPr>
         <p:txBody>
-          <a:bodyPr anchorCtr="0" anchor="ctr" bIns="91425" lIns="91425" spcFirstLastPara="1" rIns="91425" wrap="square" tIns="91425">
+          <a:bodyPr spcFirstLastPara="1" wrap="square" lIns="91425" tIns="91425" rIns="91425" bIns="91425" anchor="ctr" anchorCtr="0">
             <a:noAutofit/>
           </a:bodyPr>
           <a:lstStyle>
@@ -4822,7 +4965,7 @@
             </a:lvl9pPr>
           </a:lstStyle>
           <a:p>
-            <a:pPr indent="0" lvl="0" marL="0" rtl="0" algn="r">
+            <a:pPr marL="0" lvl="0" indent="0" algn="r" rtl="0">
               <a:spcBef>
                 <a:spcPts val="0"/>
               </a:spcBef>
@@ -4848,11 +4991,11 @@
 </file>
 
 <file path=ppt/slideLayouts/slideLayout9.xml><?xml version="1.0" encoding="utf-8"?>
-<p:sldLayout xmlns:a="http://schemas.openxmlformats.org/drawingml/2006/main" xmlns:r="http://schemas.openxmlformats.org/officeDocument/2006/relationships" xmlns:mc="http://schemas.openxmlformats.org/markup-compatibility/2006" xmlns:mv="urn:schemas-microsoft-com:mac:vml" xmlns:p="http://schemas.openxmlformats.org/presentationml/2006/main" xmlns:c="http://schemas.openxmlformats.org/drawingml/2006/chart" xmlns:dgm="http://schemas.openxmlformats.org/drawingml/2006/diagram" xmlns:o="urn:schemas-microsoft-com:office:office" xmlns:v="urn:schemas-microsoft-com:vml" xmlns:pvml="urn:schemas-microsoft-com:office:powerpoint" xmlns:com="http://schemas.openxmlformats.org/drawingml/2006/compatibility" xmlns:p14="http://schemas.microsoft.com/office/powerpoint/2010/main" xmlns:p15="http://schemas.microsoft.com/office/powerpoint/2012/main" matchingName="Caption">
+<p:sldLayout xmlns:a="http://schemas.openxmlformats.org/drawingml/2006/main" xmlns:r="http://schemas.openxmlformats.org/officeDocument/2006/relationships" xmlns:p="http://schemas.openxmlformats.org/presentationml/2006/main" matchingName="Caption">
   <p:cSld name="CAPTION_ONLY">
     <p:spTree>
       <p:nvGrpSpPr>
-        <p:cNvPr id="41" name="Shape 41"/>
+        <p:cNvPr id="1" name="Shape 41"/>
         <p:cNvGrpSpPr/>
         <p:nvPr/>
       </p:nvGrpSpPr>
@@ -4867,9 +5010,11 @@
       <p:sp>
         <p:nvSpPr>
           <p:cNvPr id="42" name="Google Shape;42;p10"/>
-          <p:cNvSpPr txBox="1"/>
+          <p:cNvSpPr txBox="1">
+            <a:spLocks noGrp="1"/>
+          </p:cNvSpPr>
           <p:nvPr>
-            <p:ph idx="1" type="body"/>
+            <p:ph type="body" idx="1"/>
           </p:nvPr>
         </p:nvSpPr>
         <p:spPr>
@@ -4882,11 +5027,11 @@
           </a:prstGeom>
         </p:spPr>
         <p:txBody>
-          <a:bodyPr anchorCtr="0" anchor="ctr" bIns="91425" lIns="91425" spcFirstLastPara="1" rIns="91425" wrap="square" tIns="91425">
+          <a:bodyPr spcFirstLastPara="1" wrap="square" lIns="91425" tIns="91425" rIns="91425" bIns="91425" anchor="ctr" anchorCtr="0">
             <a:noAutofit/>
           </a:bodyPr>
           <a:lstStyle>
-            <a:lvl1pPr indent="-228600" lvl="0" marL="457200">
+            <a:lvl1pPr marL="457200" lvl="0" indent="-228600">
               <a:lnSpc>
                 <a:spcPct val="100000"/>
               </a:lnSpc>
@@ -4901,15 +5046,19 @@
               <a:defRPr/>
             </a:lvl1pPr>
           </a:lstStyle>
-          <a:p/>
+          <a:p>
+            <a:endParaRPr/>
+          </a:p>
         </p:txBody>
       </p:sp>
       <p:sp>
         <p:nvSpPr>
           <p:cNvPr id="43" name="Google Shape;43;p10"/>
-          <p:cNvSpPr txBox="1"/>
+          <p:cNvSpPr txBox="1">
+            <a:spLocks noGrp="1"/>
+          </p:cNvSpPr>
           <p:nvPr>
-            <p:ph idx="12" type="sldNum"/>
+            <p:ph type="sldNum" idx="12"/>
           </p:nvPr>
         </p:nvSpPr>
         <p:spPr>
@@ -4922,7 +5071,7 @@
           </a:prstGeom>
         </p:spPr>
         <p:txBody>
-          <a:bodyPr anchorCtr="0" anchor="ctr" bIns="91425" lIns="91425" spcFirstLastPara="1" rIns="91425" wrap="square" tIns="91425">
+          <a:bodyPr spcFirstLastPara="1" wrap="square" lIns="91425" tIns="91425" rIns="91425" bIns="91425" anchor="ctr" anchorCtr="0">
             <a:noAutofit/>
           </a:bodyPr>
           <a:lstStyle>
@@ -4964,7 +5113,7 @@
             </a:lvl9pPr>
           </a:lstStyle>
           <a:p>
-            <a:pPr indent="0" lvl="0" marL="0" rtl="0" algn="r">
+            <a:pPr marL="0" lvl="0" indent="0" algn="r" rtl="0">
               <a:spcBef>
                 <a:spcPts val="0"/>
               </a:spcBef>
@@ -4990,18 +5139,19 @@
 </file>
 
 <file path=ppt/slideMasters/slideMaster1.xml><?xml version="1.0" encoding="utf-8"?>
-<p:sldMaster xmlns:a="http://schemas.openxmlformats.org/drawingml/2006/main" xmlns:r="http://schemas.openxmlformats.org/officeDocument/2006/relationships" xmlns:mc="http://schemas.openxmlformats.org/markup-compatibility/2006" xmlns:mv="urn:schemas-microsoft-com:mac:vml" xmlns:p="http://schemas.openxmlformats.org/presentationml/2006/main" xmlns:c="http://schemas.openxmlformats.org/drawingml/2006/chart" xmlns:dgm="http://schemas.openxmlformats.org/drawingml/2006/diagram" xmlns:o="urn:schemas-microsoft-com:office:office" xmlns:v="urn:schemas-microsoft-com:vml" xmlns:pvml="urn:schemas-microsoft-com:office:powerpoint" xmlns:com="http://schemas.openxmlformats.org/drawingml/2006/compatibility" xmlns:p14="http://schemas.microsoft.com/office/powerpoint/2010/main" xmlns:p15="http://schemas.microsoft.com/office/powerpoint/2012/main">
+<p:sldMaster xmlns:a="http://schemas.openxmlformats.org/drawingml/2006/main" xmlns:r="http://schemas.openxmlformats.org/officeDocument/2006/relationships" xmlns:p="http://schemas.openxmlformats.org/presentationml/2006/main">
   <p:cSld name="simple-light-2">
     <p:bg>
       <p:bgPr>
         <a:solidFill>
           <a:schemeClr val="lt1"/>
         </a:solidFill>
+        <a:effectLst/>
       </p:bgPr>
     </p:bg>
     <p:spTree>
       <p:nvGrpSpPr>
-        <p:cNvPr id="5" name="Shape 5"/>
+        <p:cNvPr id="1" name="Shape 5"/>
         <p:cNvGrpSpPr/>
         <p:nvPr/>
       </p:nvGrpSpPr>
@@ -5016,7 +5166,9 @@
       <p:sp>
         <p:nvSpPr>
           <p:cNvPr id="6" name="Google Shape;6;p1"/>
-          <p:cNvSpPr txBox="1"/>
+          <p:cNvSpPr txBox="1">
+            <a:spLocks noGrp="1"/>
+          </p:cNvSpPr>
           <p:nvPr>
             <p:ph type="title"/>
           </p:nvPr>
@@ -5035,7 +5187,7 @@
           </a:ln>
         </p:spPr>
         <p:txBody>
-          <a:bodyPr anchorCtr="0" anchor="t" bIns="91425" lIns="91425" spcFirstLastPara="1" rIns="91425" wrap="square" tIns="91425">
+          <a:bodyPr spcFirstLastPara="1" wrap="square" lIns="91425" tIns="91425" rIns="91425" bIns="91425" anchor="t" anchorCtr="0">
             <a:noAutofit/>
           </a:bodyPr>
           <a:lstStyle>
@@ -5202,15 +5354,19 @@
               </a:defRPr>
             </a:lvl9pPr>
           </a:lstStyle>
-          <a:p/>
+          <a:p>
+            <a:endParaRPr/>
+          </a:p>
         </p:txBody>
       </p:sp>
       <p:sp>
         <p:nvSpPr>
           <p:cNvPr id="7" name="Google Shape;7;p1"/>
-          <p:cNvSpPr txBox="1"/>
+          <p:cNvSpPr txBox="1">
+            <a:spLocks noGrp="1"/>
+          </p:cNvSpPr>
           <p:nvPr>
-            <p:ph idx="1" type="body"/>
+            <p:ph type="body" idx="1"/>
           </p:nvPr>
         </p:nvSpPr>
         <p:spPr>
@@ -5227,11 +5383,11 @@
           </a:ln>
         </p:spPr>
         <p:txBody>
-          <a:bodyPr anchorCtr="0" anchor="t" bIns="91425" lIns="91425" spcFirstLastPara="1" rIns="91425" wrap="square" tIns="91425">
+          <a:bodyPr spcFirstLastPara="1" wrap="square" lIns="91425" tIns="91425" rIns="91425" bIns="91425" anchor="t" anchorCtr="0">
             <a:noAutofit/>
           </a:bodyPr>
           <a:lstStyle>
-            <a:lvl1pPr indent="-342900" lvl="0" marL="457200">
+            <a:lvl1pPr marL="457200" lvl="0" indent="-342900">
               <a:lnSpc>
                 <a:spcPct val="115000"/>
               </a:lnSpc>
@@ -5252,7 +5408,7 @@
                 </a:solidFill>
               </a:defRPr>
             </a:lvl1pPr>
-            <a:lvl2pPr indent="-317500" lvl="1" marL="914400">
+            <a:lvl2pPr marL="914400" lvl="1" indent="-317500">
               <a:lnSpc>
                 <a:spcPct val="115000"/>
               </a:lnSpc>
@@ -5273,7 +5429,7 @@
                 </a:solidFill>
               </a:defRPr>
             </a:lvl2pPr>
-            <a:lvl3pPr indent="-317500" lvl="2" marL="1371600">
+            <a:lvl3pPr marL="1371600" lvl="2" indent="-317500">
               <a:lnSpc>
                 <a:spcPct val="115000"/>
               </a:lnSpc>
@@ -5294,7 +5450,7 @@
                 </a:solidFill>
               </a:defRPr>
             </a:lvl3pPr>
-            <a:lvl4pPr indent="-317500" lvl="3" marL="1828800">
+            <a:lvl4pPr marL="1828800" lvl="3" indent="-317500">
               <a:lnSpc>
                 <a:spcPct val="115000"/>
               </a:lnSpc>
@@ -5315,7 +5471,7 @@
                 </a:solidFill>
               </a:defRPr>
             </a:lvl4pPr>
-            <a:lvl5pPr indent="-317500" lvl="4" marL="2286000">
+            <a:lvl5pPr marL="2286000" lvl="4" indent="-317500">
               <a:lnSpc>
                 <a:spcPct val="115000"/>
               </a:lnSpc>
@@ -5336,7 +5492,7 @@
                 </a:solidFill>
               </a:defRPr>
             </a:lvl5pPr>
-            <a:lvl6pPr indent="-317500" lvl="5" marL="2743200">
+            <a:lvl6pPr marL="2743200" lvl="5" indent="-317500">
               <a:lnSpc>
                 <a:spcPct val="115000"/>
               </a:lnSpc>
@@ -5357,7 +5513,7 @@
                 </a:solidFill>
               </a:defRPr>
             </a:lvl6pPr>
-            <a:lvl7pPr indent="-317500" lvl="6" marL="3200400">
+            <a:lvl7pPr marL="3200400" lvl="6" indent="-317500">
               <a:lnSpc>
                 <a:spcPct val="115000"/>
               </a:lnSpc>
@@ -5378,7 +5534,7 @@
                 </a:solidFill>
               </a:defRPr>
             </a:lvl7pPr>
-            <a:lvl8pPr indent="-317500" lvl="7" marL="3657600">
+            <a:lvl8pPr marL="3657600" lvl="7" indent="-317500">
               <a:lnSpc>
                 <a:spcPct val="115000"/>
               </a:lnSpc>
@@ -5399,7 +5555,7 @@
                 </a:solidFill>
               </a:defRPr>
             </a:lvl8pPr>
-            <a:lvl9pPr indent="-317500" lvl="8" marL="4114800">
+            <a:lvl9pPr marL="4114800" lvl="8" indent="-317500">
               <a:lnSpc>
                 <a:spcPct val="115000"/>
               </a:lnSpc>
@@ -5421,15 +5577,19 @@
               </a:defRPr>
             </a:lvl9pPr>
           </a:lstStyle>
-          <a:p/>
+          <a:p>
+            <a:endParaRPr/>
+          </a:p>
         </p:txBody>
       </p:sp>
       <p:sp>
         <p:nvSpPr>
           <p:cNvPr id="8" name="Google Shape;8;p1"/>
-          <p:cNvSpPr txBox="1"/>
+          <p:cNvSpPr txBox="1">
+            <a:spLocks noGrp="1"/>
+          </p:cNvSpPr>
           <p:nvPr>
-            <p:ph idx="12" type="sldNum"/>
+            <p:ph type="sldNum" idx="12"/>
           </p:nvPr>
         </p:nvSpPr>
         <p:spPr>
@@ -5446,7 +5606,7 @@
           </a:ln>
         </p:spPr>
         <p:txBody>
-          <a:bodyPr anchorCtr="0" anchor="ctr" bIns="91425" lIns="91425" spcFirstLastPara="1" rIns="91425" wrap="square" tIns="91425">
+          <a:bodyPr spcFirstLastPara="1" wrap="square" lIns="91425" tIns="91425" rIns="91425" bIns="91425" anchor="ctr" anchorCtr="0">
             <a:noAutofit/>
           </a:bodyPr>
           <a:lstStyle>
@@ -5524,7 +5684,7 @@
             </a:lvl9pPr>
           </a:lstStyle>
           <a:p>
-            <a:pPr indent="0" lvl="0" marL="0" rtl="0" algn="r">
+            <a:pPr marL="0" lvl="0" indent="0" algn="r" rtl="0">
               <a:spcBef>
                 <a:spcPts val="0"/>
               </a:spcBef>
@@ -5543,7 +5703,7 @@
       </p:sp>
     </p:spTree>
   </p:cSld>
-  <p:clrMap accent1="accent1" accent2="accent2" accent3="accent3" accent4="accent4" accent5="accent5" accent6="accent6" bg1="lt1" bg2="dk2" tx1="dk1" tx2="lt2" folHlink="folHlink" hlink="hlink"/>
+  <p:clrMap bg1="lt1" tx1="dk1" bg2="dk2" tx2="lt2" accent1="accent1" accent2="accent2" accent3="accent3" accent4="accent4" accent5="accent5" accent6="accent6" hlink="hlink" folHlink="folHlink"/>
   <p:sldLayoutIdLst>
     <p:sldLayoutId id="2147483648" r:id="rId1"/>
     <p:sldLayoutId id="2147483649" r:id="rId2"/>
@@ -5557,10 +5717,10 @@
     <p:sldLayoutId id="2147483657" r:id="rId10"/>
     <p:sldLayoutId id="2147483658" r:id="rId11"/>
   </p:sldLayoutIdLst>
-  <p:hf dt="0" ftr="0" hdr="0" sldNum="0"/>
+  <p:hf sldNum="0" hdr="0" ftr="0" dt="0"/>
   <p:txStyles>
     <p:titleStyle>
-      <a:defPPr lvl="0" marR="0" rtl="0" algn="l">
+      <a:defPPr marR="0" lvl="0" algn="l" rtl="0">
         <a:lnSpc>
           <a:spcPct val="100000"/>
         </a:lnSpc>
@@ -5571,7 +5731,7 @@
           <a:spcPts val="0"/>
         </a:spcAft>
       </a:defPPr>
-      <a:lvl1pPr lvl="0" marR="0" rtl="0" algn="l">
+      <a:lvl1pPr marR="0" lvl="0" algn="l" rtl="0">
         <a:lnSpc>
           <a:spcPct val="100000"/>
         </a:lnSpc>
@@ -5585,7 +5745,7 @@
           <a:srgbClr val="000000"/>
         </a:buClr>
         <a:buFont typeface="Arial"/>
-        <a:defRPr b="0" i="0" sz="1400" u="none" cap="none" strike="noStrike">
+        <a:defRPr sz="1400" b="0" i="0" u="none" strike="noStrike" cap="none">
           <a:solidFill>
             <a:srgbClr val="000000"/>
           </a:solidFill>
@@ -5595,7 +5755,7 @@
           <a:sym typeface="Arial"/>
         </a:defRPr>
       </a:lvl1pPr>
-      <a:lvl2pPr lvl="1" marR="0" rtl="0" algn="l">
+      <a:lvl2pPr marR="0" lvl="1" algn="l" rtl="0">
         <a:lnSpc>
           <a:spcPct val="100000"/>
         </a:lnSpc>
@@ -5609,7 +5769,7 @@
           <a:srgbClr val="000000"/>
         </a:buClr>
         <a:buFont typeface="Arial"/>
-        <a:defRPr b="0" i="0" sz="1400" u="none" cap="none" strike="noStrike">
+        <a:defRPr sz="1400" b="0" i="0" u="none" strike="noStrike" cap="none">
           <a:solidFill>
             <a:srgbClr val="000000"/>
           </a:solidFill>
@@ -5619,7 +5779,7 @@
           <a:sym typeface="Arial"/>
         </a:defRPr>
       </a:lvl2pPr>
-      <a:lvl3pPr lvl="2" marR="0" rtl="0" algn="l">
+      <a:lvl3pPr marR="0" lvl="2" algn="l" rtl="0">
         <a:lnSpc>
           <a:spcPct val="100000"/>
         </a:lnSpc>
@@ -5633,7 +5793,7 @@
           <a:srgbClr val="000000"/>
         </a:buClr>
         <a:buFont typeface="Arial"/>
-        <a:defRPr b="0" i="0" sz="1400" u="none" cap="none" strike="noStrike">
+        <a:defRPr sz="1400" b="0" i="0" u="none" strike="noStrike" cap="none">
           <a:solidFill>
             <a:srgbClr val="000000"/>
           </a:solidFill>
@@ -5643,7 +5803,7 @@
           <a:sym typeface="Arial"/>
         </a:defRPr>
       </a:lvl3pPr>
-      <a:lvl4pPr lvl="3" marR="0" rtl="0" algn="l">
+      <a:lvl4pPr marR="0" lvl="3" algn="l" rtl="0">
         <a:lnSpc>
           <a:spcPct val="100000"/>
         </a:lnSpc>
@@ -5657,7 +5817,7 @@
           <a:srgbClr val="000000"/>
         </a:buClr>
         <a:buFont typeface="Arial"/>
-        <a:defRPr b="0" i="0" sz="1400" u="none" cap="none" strike="noStrike">
+        <a:defRPr sz="1400" b="0" i="0" u="none" strike="noStrike" cap="none">
           <a:solidFill>
             <a:srgbClr val="000000"/>
           </a:solidFill>
@@ -5667,7 +5827,7 @@
           <a:sym typeface="Arial"/>
         </a:defRPr>
       </a:lvl4pPr>
-      <a:lvl5pPr lvl="4" marR="0" rtl="0" algn="l">
+      <a:lvl5pPr marR="0" lvl="4" algn="l" rtl="0">
         <a:lnSpc>
           <a:spcPct val="100000"/>
         </a:lnSpc>
@@ -5681,7 +5841,7 @@
           <a:srgbClr val="000000"/>
         </a:buClr>
         <a:buFont typeface="Arial"/>
-        <a:defRPr b="0" i="0" sz="1400" u="none" cap="none" strike="noStrike">
+        <a:defRPr sz="1400" b="0" i="0" u="none" strike="noStrike" cap="none">
           <a:solidFill>
             <a:srgbClr val="000000"/>
           </a:solidFill>
@@ -5691,7 +5851,7 @@
           <a:sym typeface="Arial"/>
         </a:defRPr>
       </a:lvl5pPr>
-      <a:lvl6pPr lvl="5" marR="0" rtl="0" algn="l">
+      <a:lvl6pPr marR="0" lvl="5" algn="l" rtl="0">
         <a:lnSpc>
           <a:spcPct val="100000"/>
         </a:lnSpc>
@@ -5705,7 +5865,7 @@
           <a:srgbClr val="000000"/>
         </a:buClr>
         <a:buFont typeface="Arial"/>
-        <a:defRPr b="0" i="0" sz="1400" u="none" cap="none" strike="noStrike">
+        <a:defRPr sz="1400" b="0" i="0" u="none" strike="noStrike" cap="none">
           <a:solidFill>
             <a:srgbClr val="000000"/>
           </a:solidFill>
@@ -5715,7 +5875,7 @@
           <a:sym typeface="Arial"/>
         </a:defRPr>
       </a:lvl6pPr>
-      <a:lvl7pPr lvl="6" marR="0" rtl="0" algn="l">
+      <a:lvl7pPr marR="0" lvl="6" algn="l" rtl="0">
         <a:lnSpc>
           <a:spcPct val="100000"/>
         </a:lnSpc>
@@ -5729,7 +5889,7 @@
           <a:srgbClr val="000000"/>
         </a:buClr>
         <a:buFont typeface="Arial"/>
-        <a:defRPr b="0" i="0" sz="1400" u="none" cap="none" strike="noStrike">
+        <a:defRPr sz="1400" b="0" i="0" u="none" strike="noStrike" cap="none">
           <a:solidFill>
             <a:srgbClr val="000000"/>
           </a:solidFill>
@@ -5739,7 +5899,7 @@
           <a:sym typeface="Arial"/>
         </a:defRPr>
       </a:lvl7pPr>
-      <a:lvl8pPr lvl="7" marR="0" rtl="0" algn="l">
+      <a:lvl8pPr marR="0" lvl="7" algn="l" rtl="0">
         <a:lnSpc>
           <a:spcPct val="100000"/>
         </a:lnSpc>
@@ -5753,7 +5913,7 @@
           <a:srgbClr val="000000"/>
         </a:buClr>
         <a:buFont typeface="Arial"/>
-        <a:defRPr b="0" i="0" sz="1400" u="none" cap="none" strike="noStrike">
+        <a:defRPr sz="1400" b="0" i="0" u="none" strike="noStrike" cap="none">
           <a:solidFill>
             <a:srgbClr val="000000"/>
           </a:solidFill>
@@ -5763,7 +5923,7 @@
           <a:sym typeface="Arial"/>
         </a:defRPr>
       </a:lvl8pPr>
-      <a:lvl9pPr lvl="8" marR="0" rtl="0" algn="l">
+      <a:lvl9pPr marR="0" lvl="8" algn="l" rtl="0">
         <a:lnSpc>
           <a:spcPct val="100000"/>
         </a:lnSpc>
@@ -5777,7 +5937,7 @@
           <a:srgbClr val="000000"/>
         </a:buClr>
         <a:buFont typeface="Arial"/>
-        <a:defRPr b="0" i="0" sz="1400" u="none" cap="none" strike="noStrike">
+        <a:defRPr sz="1400" b="0" i="0" u="none" strike="noStrike" cap="none">
           <a:solidFill>
             <a:srgbClr val="000000"/>
           </a:solidFill>
@@ -5789,7 +5949,7 @@
       </a:lvl9pPr>
     </p:titleStyle>
     <p:bodyStyle>
-      <a:defPPr lvl="0" marR="0" rtl="0" algn="l">
+      <a:defPPr marR="0" lvl="0" algn="l" rtl="0">
         <a:lnSpc>
           <a:spcPct val="100000"/>
         </a:lnSpc>
@@ -5800,7 +5960,7 @@
           <a:spcPts val="0"/>
         </a:spcAft>
       </a:defPPr>
-      <a:lvl1pPr lvl="0" marR="0" rtl="0" algn="l">
+      <a:lvl1pPr marR="0" lvl="0" algn="l" rtl="0">
         <a:lnSpc>
           <a:spcPct val="100000"/>
         </a:lnSpc>
@@ -5814,7 +5974,7 @@
           <a:srgbClr val="000000"/>
         </a:buClr>
         <a:buFont typeface="Arial"/>
-        <a:defRPr b="0" i="0" sz="1400" u="none" cap="none" strike="noStrike">
+        <a:defRPr sz="1400" b="0" i="0" u="none" strike="noStrike" cap="none">
           <a:solidFill>
             <a:srgbClr val="000000"/>
           </a:solidFill>
@@ -5824,7 +5984,7 @@
           <a:sym typeface="Arial"/>
         </a:defRPr>
       </a:lvl1pPr>
-      <a:lvl2pPr lvl="1" marR="0" rtl="0" algn="l">
+      <a:lvl2pPr marR="0" lvl="1" algn="l" rtl="0">
         <a:lnSpc>
           <a:spcPct val="100000"/>
         </a:lnSpc>
@@ -5838,7 +5998,7 @@
           <a:srgbClr val="000000"/>
         </a:buClr>
         <a:buFont typeface="Arial"/>
-        <a:defRPr b="0" i="0" sz="1400" u="none" cap="none" strike="noStrike">
+        <a:defRPr sz="1400" b="0" i="0" u="none" strike="noStrike" cap="none">
           <a:solidFill>
             <a:srgbClr val="000000"/>
           </a:solidFill>
@@ -5848,7 +6008,7 @@
           <a:sym typeface="Arial"/>
         </a:defRPr>
       </a:lvl2pPr>
-      <a:lvl3pPr lvl="2" marR="0" rtl="0" algn="l">
+      <a:lvl3pPr marR="0" lvl="2" algn="l" rtl="0">
         <a:lnSpc>
           <a:spcPct val="100000"/>
         </a:lnSpc>
@@ -5862,7 +6022,7 @@
           <a:srgbClr val="000000"/>
         </a:buClr>
         <a:buFont typeface="Arial"/>
-        <a:defRPr b="0" i="0" sz="1400" u="none" cap="none" strike="noStrike">
+        <a:defRPr sz="1400" b="0" i="0" u="none" strike="noStrike" cap="none">
           <a:solidFill>
             <a:srgbClr val="000000"/>
           </a:solidFill>
@@ -5872,7 +6032,7 @@
           <a:sym typeface="Arial"/>
         </a:defRPr>
       </a:lvl3pPr>
-      <a:lvl4pPr lvl="3" marR="0" rtl="0" algn="l">
+      <a:lvl4pPr marR="0" lvl="3" algn="l" rtl="0">
         <a:lnSpc>
           <a:spcPct val="100000"/>
         </a:lnSpc>
@@ -5886,7 +6046,7 @@
           <a:srgbClr val="000000"/>
         </a:buClr>
         <a:buFont typeface="Arial"/>
-        <a:defRPr b="0" i="0" sz="1400" u="none" cap="none" strike="noStrike">
+        <a:defRPr sz="1400" b="0" i="0" u="none" strike="noStrike" cap="none">
           <a:solidFill>
             <a:srgbClr val="000000"/>
           </a:solidFill>
@@ -5896,7 +6056,7 @@
           <a:sym typeface="Arial"/>
         </a:defRPr>
       </a:lvl4pPr>
-      <a:lvl5pPr lvl="4" marR="0" rtl="0" algn="l">
+      <a:lvl5pPr marR="0" lvl="4" algn="l" rtl="0">
         <a:lnSpc>
           <a:spcPct val="100000"/>
         </a:lnSpc>
@@ -5910,7 +6070,7 @@
           <a:srgbClr val="000000"/>
         </a:buClr>
         <a:buFont typeface="Arial"/>
-        <a:defRPr b="0" i="0" sz="1400" u="none" cap="none" strike="noStrike">
+        <a:defRPr sz="1400" b="0" i="0" u="none" strike="noStrike" cap="none">
           <a:solidFill>
             <a:srgbClr val="000000"/>
           </a:solidFill>
@@ -5920,7 +6080,7 @@
           <a:sym typeface="Arial"/>
         </a:defRPr>
       </a:lvl5pPr>
-      <a:lvl6pPr lvl="5" marR="0" rtl="0" algn="l">
+      <a:lvl6pPr marR="0" lvl="5" algn="l" rtl="0">
         <a:lnSpc>
           <a:spcPct val="100000"/>
         </a:lnSpc>
@@ -5934,7 +6094,7 @@
           <a:srgbClr val="000000"/>
         </a:buClr>
         <a:buFont typeface="Arial"/>
-        <a:defRPr b="0" i="0" sz="1400" u="none" cap="none" strike="noStrike">
+        <a:defRPr sz="1400" b="0" i="0" u="none" strike="noStrike" cap="none">
           <a:solidFill>
             <a:srgbClr val="000000"/>
           </a:solidFill>
@@ -5944,7 +6104,7 @@
           <a:sym typeface="Arial"/>
         </a:defRPr>
       </a:lvl6pPr>
-      <a:lvl7pPr lvl="6" marR="0" rtl="0" algn="l">
+      <a:lvl7pPr marR="0" lvl="6" algn="l" rtl="0">
         <a:lnSpc>
           <a:spcPct val="100000"/>
         </a:lnSpc>
@@ -5958,7 +6118,7 @@
           <a:srgbClr val="000000"/>
         </a:buClr>
         <a:buFont typeface="Arial"/>
-        <a:defRPr b="0" i="0" sz="1400" u="none" cap="none" strike="noStrike">
+        <a:defRPr sz="1400" b="0" i="0" u="none" strike="noStrike" cap="none">
           <a:solidFill>
             <a:srgbClr val="000000"/>
           </a:solidFill>
@@ -5968,7 +6128,7 @@
           <a:sym typeface="Arial"/>
         </a:defRPr>
       </a:lvl7pPr>
-      <a:lvl8pPr lvl="7" marR="0" rtl="0" algn="l">
+      <a:lvl8pPr marR="0" lvl="7" algn="l" rtl="0">
         <a:lnSpc>
           <a:spcPct val="100000"/>
         </a:lnSpc>
@@ -5982,7 +6142,7 @@
           <a:srgbClr val="000000"/>
         </a:buClr>
         <a:buFont typeface="Arial"/>
-        <a:defRPr b="0" i="0" sz="1400" u="none" cap="none" strike="noStrike">
+        <a:defRPr sz="1400" b="0" i="0" u="none" strike="noStrike" cap="none">
           <a:solidFill>
             <a:srgbClr val="000000"/>
           </a:solidFill>
@@ -5992,7 +6152,7 @@
           <a:sym typeface="Arial"/>
         </a:defRPr>
       </a:lvl8pPr>
-      <a:lvl9pPr lvl="8" marR="0" rtl="0" algn="l">
+      <a:lvl9pPr marR="0" lvl="8" algn="l" rtl="0">
         <a:lnSpc>
           <a:spcPct val="100000"/>
         </a:lnSpc>
@@ -6006,7 +6166,7 @@
           <a:srgbClr val="000000"/>
         </a:buClr>
         <a:buFont typeface="Arial"/>
-        <a:defRPr b="0" i="0" sz="1400" u="none" cap="none" strike="noStrike">
+        <a:defRPr sz="1400" b="0" i="0" u="none" strike="noStrike" cap="none">
           <a:solidFill>
             <a:srgbClr val="000000"/>
           </a:solidFill>
@@ -6018,7 +6178,7 @@
       </a:lvl9pPr>
     </p:bodyStyle>
     <p:otherStyle>
-      <a:defPPr lvl="0" marR="0" rtl="0" algn="l">
+      <a:defPPr marR="0" lvl="0" algn="l" rtl="0">
         <a:lnSpc>
           <a:spcPct val="100000"/>
         </a:lnSpc>
@@ -6029,7 +6189,7 @@
           <a:spcPts val="0"/>
         </a:spcAft>
       </a:defPPr>
-      <a:lvl1pPr lvl="0" marR="0" rtl="0" algn="l">
+      <a:lvl1pPr marR="0" lvl="0" algn="l" rtl="0">
         <a:lnSpc>
           <a:spcPct val="100000"/>
         </a:lnSpc>
@@ -6043,7 +6203,7 @@
           <a:srgbClr val="000000"/>
         </a:buClr>
         <a:buFont typeface="Arial"/>
-        <a:defRPr b="0" i="0" sz="1400" u="none" cap="none" strike="noStrike">
+        <a:defRPr sz="1400" b="0" i="0" u="none" strike="noStrike" cap="none">
           <a:solidFill>
             <a:srgbClr val="000000"/>
           </a:solidFill>
@@ -6053,7 +6213,7 @@
           <a:sym typeface="Arial"/>
         </a:defRPr>
       </a:lvl1pPr>
-      <a:lvl2pPr lvl="1" marR="0" rtl="0" algn="l">
+      <a:lvl2pPr marR="0" lvl="1" algn="l" rtl="0">
         <a:lnSpc>
           <a:spcPct val="100000"/>
         </a:lnSpc>
@@ -6067,7 +6227,7 @@
           <a:srgbClr val="000000"/>
         </a:buClr>
         <a:buFont typeface="Arial"/>
-        <a:defRPr b="0" i="0" sz="1400" u="none" cap="none" strike="noStrike">
+        <a:defRPr sz="1400" b="0" i="0" u="none" strike="noStrike" cap="none">
           <a:solidFill>
             <a:srgbClr val="000000"/>
           </a:solidFill>
@@ -6077,7 +6237,7 @@
           <a:sym typeface="Arial"/>
         </a:defRPr>
       </a:lvl2pPr>
-      <a:lvl3pPr lvl="2" marR="0" rtl="0" algn="l">
+      <a:lvl3pPr marR="0" lvl="2" algn="l" rtl="0">
         <a:lnSpc>
           <a:spcPct val="100000"/>
         </a:lnSpc>
@@ -6091,7 +6251,7 @@
           <a:srgbClr val="000000"/>
         </a:buClr>
         <a:buFont typeface="Arial"/>
-        <a:defRPr b="0" i="0" sz="1400" u="none" cap="none" strike="noStrike">
+        <a:defRPr sz="1400" b="0" i="0" u="none" strike="noStrike" cap="none">
           <a:solidFill>
             <a:srgbClr val="000000"/>
           </a:solidFill>
@@ -6101,7 +6261,7 @@
           <a:sym typeface="Arial"/>
         </a:defRPr>
       </a:lvl3pPr>
-      <a:lvl4pPr lvl="3" marR="0" rtl="0" algn="l">
+      <a:lvl4pPr marR="0" lvl="3" algn="l" rtl="0">
         <a:lnSpc>
           <a:spcPct val="100000"/>
         </a:lnSpc>
@@ -6115,7 +6275,7 @@
           <a:srgbClr val="000000"/>
         </a:buClr>
         <a:buFont typeface="Arial"/>
-        <a:defRPr b="0" i="0" sz="1400" u="none" cap="none" strike="noStrike">
+        <a:defRPr sz="1400" b="0" i="0" u="none" strike="noStrike" cap="none">
           <a:solidFill>
             <a:srgbClr val="000000"/>
           </a:solidFill>
@@ -6125,7 +6285,7 @@
           <a:sym typeface="Arial"/>
         </a:defRPr>
       </a:lvl4pPr>
-      <a:lvl5pPr lvl="4" marR="0" rtl="0" algn="l">
+      <a:lvl5pPr marR="0" lvl="4" algn="l" rtl="0">
         <a:lnSpc>
           <a:spcPct val="100000"/>
         </a:lnSpc>
@@ -6139,7 +6299,7 @@
           <a:srgbClr val="000000"/>
         </a:buClr>
         <a:buFont typeface="Arial"/>
-        <a:defRPr b="0" i="0" sz="1400" u="none" cap="none" strike="noStrike">
+        <a:defRPr sz="1400" b="0" i="0" u="none" strike="noStrike" cap="none">
           <a:solidFill>
             <a:srgbClr val="000000"/>
           </a:solidFill>
@@ -6149,7 +6309,7 @@
           <a:sym typeface="Arial"/>
         </a:defRPr>
       </a:lvl5pPr>
-      <a:lvl6pPr lvl="5" marR="0" rtl="0" algn="l">
+      <a:lvl6pPr marR="0" lvl="5" algn="l" rtl="0">
         <a:lnSpc>
           <a:spcPct val="100000"/>
         </a:lnSpc>
@@ -6163,7 +6323,7 @@
           <a:srgbClr val="000000"/>
         </a:buClr>
         <a:buFont typeface="Arial"/>
-        <a:defRPr b="0" i="0" sz="1400" u="none" cap="none" strike="noStrike">
+        <a:defRPr sz="1400" b="0" i="0" u="none" strike="noStrike" cap="none">
           <a:solidFill>
             <a:srgbClr val="000000"/>
           </a:solidFill>
@@ -6173,7 +6333,7 @@
           <a:sym typeface="Arial"/>
         </a:defRPr>
       </a:lvl6pPr>
-      <a:lvl7pPr lvl="6" marR="0" rtl="0" algn="l">
+      <a:lvl7pPr marR="0" lvl="6" algn="l" rtl="0">
         <a:lnSpc>
           <a:spcPct val="100000"/>
         </a:lnSpc>
@@ -6187,7 +6347,7 @@
           <a:srgbClr val="000000"/>
         </a:buClr>
         <a:buFont typeface="Arial"/>
-        <a:defRPr b="0" i="0" sz="1400" u="none" cap="none" strike="noStrike">
+        <a:defRPr sz="1400" b="0" i="0" u="none" strike="noStrike" cap="none">
           <a:solidFill>
             <a:srgbClr val="000000"/>
           </a:solidFill>
@@ -6197,7 +6357,7 @@
           <a:sym typeface="Arial"/>
         </a:defRPr>
       </a:lvl7pPr>
-      <a:lvl8pPr lvl="7" marR="0" rtl="0" algn="l">
+      <a:lvl8pPr marR="0" lvl="7" algn="l" rtl="0">
         <a:lnSpc>
           <a:spcPct val="100000"/>
         </a:lnSpc>
@@ -6211,7 +6371,7 @@
           <a:srgbClr val="000000"/>
         </a:buClr>
         <a:buFont typeface="Arial"/>
-        <a:defRPr b="0" i="0" sz="1400" u="none" cap="none" strike="noStrike">
+        <a:defRPr sz="1400" b="0" i="0" u="none" strike="noStrike" cap="none">
           <a:solidFill>
             <a:srgbClr val="000000"/>
           </a:solidFill>
@@ -6221,7 +6381,7 @@
           <a:sym typeface="Arial"/>
         </a:defRPr>
       </a:lvl8pPr>
-      <a:lvl9pPr lvl="8" marR="0" rtl="0" algn="l">
+      <a:lvl9pPr marR="0" lvl="8" algn="l" rtl="0">
         <a:lnSpc>
           <a:spcPct val="100000"/>
         </a:lnSpc>
@@ -6235,7 +6395,7 @@
           <a:srgbClr val="000000"/>
         </a:buClr>
         <a:buFont typeface="Arial"/>
-        <a:defRPr b="0" i="0" sz="1400" u="none" cap="none" strike="noStrike">
+        <a:defRPr sz="1400" b="0" i="0" u="none" strike="noStrike" cap="none">
           <a:solidFill>
             <a:srgbClr val="000000"/>
           </a:solidFill>
@@ -6251,11 +6411,11 @@
 </file>
 
 <file path=ppt/slides/slide1.xml><?xml version="1.0" encoding="utf-8"?>
-<p:sld xmlns:a="http://schemas.openxmlformats.org/drawingml/2006/main" xmlns:r="http://schemas.openxmlformats.org/officeDocument/2006/relationships" xmlns:mc="http://schemas.openxmlformats.org/markup-compatibility/2006" xmlns:mv="urn:schemas-microsoft-com:mac:vml" xmlns:p="http://schemas.openxmlformats.org/presentationml/2006/main" xmlns:c="http://schemas.openxmlformats.org/drawingml/2006/chart" xmlns:dgm="http://schemas.openxmlformats.org/drawingml/2006/diagram" xmlns:o="urn:schemas-microsoft-com:office:office" xmlns:v="urn:schemas-microsoft-com:vml" xmlns:pvml="urn:schemas-microsoft-com:office:powerpoint" xmlns:com="http://schemas.openxmlformats.org/drawingml/2006/compatibility" xmlns:p14="http://schemas.microsoft.com/office/powerpoint/2010/main" xmlns:p15="http://schemas.microsoft.com/office/powerpoint/2012/main">
+<p:sld xmlns:a="http://schemas.openxmlformats.org/drawingml/2006/main" xmlns:r="http://schemas.openxmlformats.org/officeDocument/2006/relationships" xmlns:p="http://schemas.openxmlformats.org/presentationml/2006/main">
   <p:cSld>
     <p:spTree>
       <p:nvGrpSpPr>
-        <p:cNvPr id="53" name="Shape 53"/>
+        <p:cNvPr id="1" name="Shape 53"/>
         <p:cNvGrpSpPr/>
         <p:nvPr/>
       </p:nvGrpSpPr>
@@ -6270,7 +6430,9 @@
       <p:sp>
         <p:nvSpPr>
           <p:cNvPr id="54" name="Google Shape;54;p13"/>
-          <p:cNvSpPr txBox="1"/>
+          <p:cNvSpPr txBox="1">
+            <a:spLocks noGrp="1"/>
+          </p:cNvSpPr>
           <p:nvPr>
             <p:ph type="ctrTitle"/>
           </p:nvPr>
@@ -6285,12 +6447,12 @@
           </a:prstGeom>
         </p:spPr>
         <p:txBody>
-          <a:bodyPr anchorCtr="0" anchor="b" bIns="91425" lIns="91425" spcFirstLastPara="1" rIns="91425" wrap="square" tIns="91425">
+          <a:bodyPr spcFirstLastPara="1" wrap="square" lIns="91425" tIns="91425" rIns="91425" bIns="91425" anchor="b" anchorCtr="0">
             <a:noAutofit/>
           </a:bodyPr>
           <a:lstStyle/>
           <a:p>
-            <a:pPr indent="0" lvl="0" marL="0" rtl="0" algn="ctr">
+            <a:pPr marL="0" lvl="0" indent="0" algn="ctr" rtl="0">
               <a:spcBef>
                 <a:spcPts val="0"/>
               </a:spcBef>
@@ -6343,12 +6505,12 @@
           </a:ln>
         </p:spPr>
         <p:txBody>
-          <a:bodyPr anchorCtr="0" anchor="ctr" bIns="91425" lIns="91425" spcFirstLastPara="1" rIns="91425" wrap="square" tIns="91425">
+          <a:bodyPr spcFirstLastPara="1" wrap="square" lIns="91425" tIns="91425" rIns="91425" bIns="91425" anchor="ctr" anchorCtr="0">
             <a:noAutofit/>
           </a:bodyPr>
           <a:lstStyle/>
           <a:p>
-            <a:pPr indent="0" lvl="0" marL="0" rtl="0" algn="ctr">
+            <a:pPr marL="0" lvl="0" indent="0" algn="ctr" rtl="0">
               <a:lnSpc>
                 <a:spcPct val="115000"/>
               </a:lnSpc>
@@ -6360,19 +6522,7 @@
               </a:spcAft>
               <a:buNone/>
             </a:pPr>
-            <a:r>
-              <a:rPr lang="en" sz="1500">
-                <a:solidFill>
-                  <a:srgbClr val="434343"/>
-                </a:solidFill>
-                <a:latin typeface="Merriweather"/>
-                <a:ea typeface="Merriweather"/>
-                <a:cs typeface="Merriweather"/>
-                <a:sym typeface="Merriweather"/>
-              </a:rPr>
-              <a:t>A Twitter-like Marketplace for Pictures</a:t>
-            </a:r>
-            <a:endParaRPr sz="1500">
+            <a:endParaRPr sz="1500" dirty="0">
               <a:solidFill>
                 <a:srgbClr val="434343"/>
               </a:solidFill>
@@ -6404,12 +6554,12 @@
           </a:ln>
         </p:spPr>
         <p:txBody>
-          <a:bodyPr anchorCtr="0" anchor="t" bIns="91425" lIns="91425" spcFirstLastPara="1" rIns="91425" wrap="square" tIns="91425">
+          <a:bodyPr spcFirstLastPara="1" wrap="square" lIns="91425" tIns="91425" rIns="91425" bIns="91425" anchor="t" anchorCtr="0">
             <a:noAutofit/>
           </a:bodyPr>
           <a:lstStyle/>
           <a:p>
-            <a:pPr indent="0" lvl="0" marL="0" rtl="0" algn="ctr">
+            <a:pPr marL="0" lvl="0" indent="0" algn="ctr" rtl="0">
               <a:lnSpc>
                 <a:spcPct val="100000"/>
               </a:lnSpc>
@@ -6422,7 +6572,7 @@
               <a:buNone/>
             </a:pPr>
             <a:r>
-              <a:rPr lang="en" sz="1300">
+              <a:rPr lang="en" sz="1300" dirty="0">
                 <a:latin typeface="Merriweather"/>
                 <a:ea typeface="Merriweather"/>
                 <a:cs typeface="Merriweather"/>
@@ -6430,7 +6580,7 @@
               </a:rPr>
               <a:t>San Jose State University | Department of Computer Engineering</a:t>
             </a:r>
-            <a:endParaRPr sz="1300">
+            <a:endParaRPr sz="1300" dirty="0">
               <a:latin typeface="Merriweather"/>
               <a:ea typeface="Merriweather"/>
               <a:cs typeface="Merriweather"/>
@@ -6438,7 +6588,7 @@
             </a:endParaRPr>
           </a:p>
           <a:p>
-            <a:pPr indent="0" lvl="0" marL="0" rtl="0" algn="ctr">
+            <a:pPr marL="0" lvl="0" indent="0" algn="ctr" rtl="0">
               <a:lnSpc>
                 <a:spcPct val="100000"/>
               </a:lnSpc>
@@ -6451,7 +6601,7 @@
               <a:buNone/>
             </a:pPr>
             <a:r>
-              <a:rPr lang="en" sz="1300">
+              <a:rPr lang="en" sz="1300" dirty="0">
                 <a:latin typeface="Merriweather"/>
                 <a:ea typeface="Merriweather"/>
                 <a:cs typeface="Merriweather"/>
@@ -6459,7 +6609,7 @@
               </a:rPr>
               <a:t>Professor Paul Nguyen</a:t>
             </a:r>
-            <a:endParaRPr sz="1300">
+            <a:endParaRPr sz="1300" dirty="0">
               <a:latin typeface="Merriweather"/>
               <a:ea typeface="Merriweather"/>
               <a:cs typeface="Merriweather"/>
@@ -6467,7 +6617,7 @@
             </a:endParaRPr>
           </a:p>
           <a:p>
-            <a:pPr indent="0" lvl="0" marL="0" rtl="0" algn="ctr">
+            <a:pPr marL="0" lvl="0" indent="0" algn="ctr" rtl="0">
               <a:lnSpc>
                 <a:spcPct val="100000"/>
               </a:lnSpc>
@@ -6480,15 +6630,15 @@
               <a:buNone/>
             </a:pPr>
             <a:r>
-              <a:rPr lang="en" sz="1300">
+              <a:rPr lang="en" sz="1300" dirty="0">
                 <a:latin typeface="Merriweather"/>
                 <a:ea typeface="Merriweather"/>
                 <a:cs typeface="Merriweather"/>
                 <a:sym typeface="Merriweather"/>
               </a:rPr>
-              <a:t>Spring 2019</a:t>
+              <a:t>Fall 2019</a:t>
             </a:r>
-            <a:endParaRPr sz="1300">
+            <a:endParaRPr sz="1300" dirty="0">
               <a:latin typeface="Merriweather"/>
               <a:ea typeface="Merriweather"/>
               <a:cs typeface="Merriweather"/>
@@ -6517,12 +6667,12 @@
           </a:ln>
         </p:spPr>
         <p:txBody>
-          <a:bodyPr anchorCtr="0" anchor="ctr" bIns="91425" lIns="91425" spcFirstLastPara="1" rIns="91425" wrap="square" tIns="91425">
+          <a:bodyPr spcFirstLastPara="1" wrap="square" lIns="91425" tIns="91425" rIns="91425" bIns="91425" anchor="ctr" anchorCtr="0">
             <a:noAutofit/>
           </a:bodyPr>
           <a:lstStyle/>
           <a:p>
-            <a:pPr indent="0" lvl="0" marL="0" rtl="0" algn="ctr">
+            <a:pPr marL="0" lvl="0" indent="0" algn="ctr" rtl="0">
               <a:spcBef>
                 <a:spcPts val="0"/>
               </a:spcBef>
@@ -6548,7 +6698,7 @@
             </a:endParaRPr>
           </a:p>
           <a:p>
-            <a:pPr indent="0" lvl="0" marL="0" rtl="0" algn="ctr">
+            <a:pPr marL="0" lvl="0" indent="0" algn="ctr" rtl="0">
               <a:spcBef>
                 <a:spcPts val="0"/>
               </a:spcBef>
@@ -6584,7 +6734,7 @@
         <p:spPr>
           <a:xfrm>
             <a:off x="2404500" y="2238850"/>
-            <a:ext cx="4335000" cy="1344600"/>
+            <a:ext cx="4376546" cy="1690354"/>
           </a:xfrm>
           <a:prstGeom prst="rect">
             <a:avLst/>
@@ -6595,12 +6745,12 @@
           </a:ln>
         </p:spPr>
         <p:txBody>
-          <a:bodyPr anchorCtr="0" anchor="t" bIns="91425" lIns="91425" spcFirstLastPara="1" rIns="91425" wrap="square" tIns="91425">
+          <a:bodyPr spcFirstLastPara="1" wrap="square" lIns="91425" tIns="91425" rIns="91425" bIns="91425" anchor="t" anchorCtr="0">
             <a:noAutofit/>
           </a:bodyPr>
           <a:lstStyle/>
           <a:p>
-            <a:pPr indent="0" lvl="0" marL="0" marR="0" rtl="0" algn="l">
+            <a:pPr marL="0" marR="0" lvl="0" indent="0" algn="l" rtl="0">
               <a:lnSpc>
                 <a:spcPct val="100000"/>
               </a:lnSpc>
@@ -6613,15 +6763,15 @@
               <a:buNone/>
             </a:pPr>
             <a:r>
-              <a:rPr b="1" lang="en" sz="1800">
+              <a:rPr lang="en" sz="1800" b="1" dirty="0">
                 <a:latin typeface="Merriweather"/>
                 <a:ea typeface="Merriweather"/>
                 <a:cs typeface="Merriweather"/>
                 <a:sym typeface="Merriweather"/>
               </a:rPr>
-              <a:t>Team Ace-traordinary:</a:t>
+              <a:t>Team Rocket:</a:t>
             </a:r>
-            <a:endParaRPr sz="1500">
+            <a:endParaRPr sz="1500" dirty="0">
               <a:latin typeface="Merriweather"/>
               <a:ea typeface="Merriweather"/>
               <a:cs typeface="Merriweather"/>
@@ -6629,7 +6779,7 @@
             </a:endParaRPr>
           </a:p>
           <a:p>
-            <a:pPr indent="-323850" lvl="0" marL="1371600" marR="0" rtl="0" algn="l">
+            <a:pPr marL="1371600" marR="0" lvl="0" indent="-323850" algn="l" rtl="0">
               <a:lnSpc>
                 <a:spcPct val="100000"/>
               </a:lnSpc>
@@ -6647,15 +6797,15 @@
               <a:buChar char="●"/>
             </a:pPr>
             <a:r>
-              <a:rPr lang="en" sz="1500">
+              <a:rPr lang="en-US" sz="1500" dirty="0" err="1">
                 <a:latin typeface="Merriweather"/>
                 <a:ea typeface="Merriweather"/>
                 <a:cs typeface="Merriweather"/>
                 <a:sym typeface="Merriweather"/>
               </a:rPr>
-              <a:t>Ravijeta Kommalapati</a:t>
+              <a:t>Megha</a:t>
             </a:r>
-            <a:endParaRPr sz="1500">
+            <a:endParaRPr sz="1500" dirty="0">
               <a:latin typeface="Merriweather"/>
               <a:ea typeface="Merriweather"/>
               <a:cs typeface="Merriweather"/>
@@ -6663,7 +6813,7 @@
             </a:endParaRPr>
           </a:p>
           <a:p>
-            <a:pPr indent="-323850" lvl="0" marL="1371600" marR="0" rtl="0" algn="l">
+            <a:pPr marL="1371600" marR="0" lvl="0" indent="-323850" algn="l" rtl="0">
               <a:lnSpc>
                 <a:spcPct val="100000"/>
               </a:lnSpc>
@@ -6681,15 +6831,24 @@
               <a:buChar char="●"/>
             </a:pPr>
             <a:r>
-              <a:rPr lang="en" sz="1500">
+              <a:rPr lang="en-US" sz="1500" dirty="0" err="1">
                 <a:latin typeface="Merriweather"/>
                 <a:ea typeface="Merriweather"/>
                 <a:cs typeface="Merriweather"/>
                 <a:sym typeface="Merriweather"/>
               </a:rPr>
-              <a:t>Ramya Dharwada</a:t>
+              <a:t>Jojo</a:t>
             </a:r>
-            <a:endParaRPr sz="1500">
+            <a:r>
+              <a:rPr lang="en-US" sz="1500" dirty="0">
+                <a:latin typeface="Merriweather"/>
+                <a:ea typeface="Merriweather"/>
+                <a:cs typeface="Merriweather"/>
+                <a:sym typeface="Merriweather"/>
+              </a:rPr>
+              <a:t> Joseph</a:t>
+            </a:r>
+            <a:endParaRPr sz="1500" dirty="0">
               <a:latin typeface="Merriweather"/>
               <a:ea typeface="Merriweather"/>
               <a:cs typeface="Merriweather"/>
@@ -6697,7 +6856,7 @@
             </a:endParaRPr>
           </a:p>
           <a:p>
-            <a:pPr indent="-323850" lvl="0" marL="1371600" marR="0" rtl="0" algn="l">
+            <a:pPr marL="1371600" marR="0" lvl="0" indent="-323850" algn="l" rtl="0">
               <a:lnSpc>
                 <a:spcPct val="100000"/>
               </a:lnSpc>
@@ -6715,23 +6874,17 @@
               <a:buChar char="●"/>
             </a:pPr>
             <a:r>
-              <a:rPr lang="en" sz="1500">
+              <a:rPr lang="en" sz="1500" dirty="0">
                 <a:latin typeface="Merriweather"/>
                 <a:ea typeface="Merriweather"/>
                 <a:cs typeface="Merriweather"/>
                 <a:sym typeface="Merriweather"/>
               </a:rPr>
-              <a:t>Nasrajan Jalin</a:t>
+              <a:t>Vaishnavi Ramesh</a:t>
             </a:r>
-            <a:endParaRPr sz="1500">
-              <a:latin typeface="Merriweather"/>
-              <a:ea typeface="Merriweather"/>
-              <a:cs typeface="Merriweather"/>
-              <a:sym typeface="Merriweather"/>
-            </a:endParaRPr>
           </a:p>
           <a:p>
-            <a:pPr indent="-323850" lvl="0" marL="1371600" marR="0" rtl="0" algn="l">
+            <a:pPr marL="1371600" marR="0" lvl="0" indent="-323850" algn="l" rtl="0">
               <a:lnSpc>
                 <a:spcPct val="100000"/>
               </a:lnSpc>
@@ -6749,15 +6902,52 @@
               <a:buChar char="●"/>
             </a:pPr>
             <a:r>
-              <a:rPr lang="en" sz="1500">
+              <a:rPr lang="en" sz="1500" dirty="0" err="1">
                 <a:latin typeface="Merriweather"/>
                 <a:ea typeface="Merriweather"/>
                 <a:cs typeface="Merriweather"/>
                 <a:sym typeface="Merriweather"/>
               </a:rPr>
-              <a:t>Masi Nazarian </a:t>
+              <a:t>Harshraj</a:t>
             </a:r>
-            <a:endParaRPr sz="1500">
+            <a:r>
+              <a:rPr lang="en" sz="1500" dirty="0">
+                <a:latin typeface="Merriweather"/>
+                <a:ea typeface="Merriweather"/>
+                <a:cs typeface="Merriweather"/>
+                <a:sym typeface="Merriweather"/>
+              </a:rPr>
+              <a:t> Mahesh</a:t>
+            </a:r>
+          </a:p>
+          <a:p>
+            <a:pPr marL="1371600" marR="0" lvl="0" indent="-323850" algn="l" rtl="0">
+              <a:lnSpc>
+                <a:spcPct val="100000"/>
+              </a:lnSpc>
+              <a:spcBef>
+                <a:spcPts val="0"/>
+              </a:spcBef>
+              <a:spcAft>
+                <a:spcPts val="0"/>
+              </a:spcAft>
+              <a:buClr>
+                <a:srgbClr val="FF9900"/>
+              </a:buClr>
+              <a:buSzPts val="1500"/>
+              <a:buFont typeface="Merriweather"/>
+              <a:buChar char="●"/>
+            </a:pPr>
+            <a:r>
+              <a:rPr lang="en" sz="1500" dirty="0">
+                <a:latin typeface="Merriweather"/>
+                <a:ea typeface="Merriweather"/>
+                <a:cs typeface="Merriweather"/>
+                <a:sym typeface="Merriweather"/>
+              </a:rPr>
+              <a:t>Deepika </a:t>
+            </a:r>
+            <a:endParaRPr sz="1500" dirty="0">
               <a:latin typeface="Merriweather"/>
               <a:ea typeface="Merriweather"/>
               <a:cs typeface="Merriweather"/>
@@ -6803,11 +6993,11 @@
 </file>
 
 <file path=ppt/slides/slide2.xml><?xml version="1.0" encoding="utf-8"?>
-<p:sld xmlns:a="http://schemas.openxmlformats.org/drawingml/2006/main" xmlns:r="http://schemas.openxmlformats.org/officeDocument/2006/relationships" xmlns:mc="http://schemas.openxmlformats.org/markup-compatibility/2006" xmlns:mv="urn:schemas-microsoft-com:mac:vml" xmlns:p="http://schemas.openxmlformats.org/presentationml/2006/main" xmlns:c="http://schemas.openxmlformats.org/drawingml/2006/chart" xmlns:dgm="http://schemas.openxmlformats.org/drawingml/2006/diagram" xmlns:o="urn:schemas-microsoft-com:office:office" xmlns:v="urn:schemas-microsoft-com:vml" xmlns:pvml="urn:schemas-microsoft-com:office:powerpoint" xmlns:com="http://schemas.openxmlformats.org/drawingml/2006/compatibility" xmlns:p14="http://schemas.microsoft.com/office/powerpoint/2010/main" xmlns:p15="http://schemas.microsoft.com/office/powerpoint/2012/main">
+<p:sld xmlns:a="http://schemas.openxmlformats.org/drawingml/2006/main" xmlns:r="http://schemas.openxmlformats.org/officeDocument/2006/relationships" xmlns:p="http://schemas.openxmlformats.org/presentationml/2006/main">
   <p:cSld>
     <p:spTree>
       <p:nvGrpSpPr>
-        <p:cNvPr id="63" name="Shape 63"/>
+        <p:cNvPr id="1" name="Shape 63"/>
         <p:cNvGrpSpPr/>
         <p:nvPr/>
       </p:nvGrpSpPr>
@@ -6822,7 +7012,9 @@
       <p:sp>
         <p:nvSpPr>
           <p:cNvPr id="64" name="Google Shape;64;p14"/>
-          <p:cNvSpPr txBox="1"/>
+          <p:cNvSpPr txBox="1">
+            <a:spLocks noGrp="1"/>
+          </p:cNvSpPr>
           <p:nvPr>
             <p:ph type="title"/>
           </p:nvPr>
@@ -6837,12 +7029,12 @@
           </a:prstGeom>
         </p:spPr>
         <p:txBody>
-          <a:bodyPr anchorCtr="0" anchor="ctr" bIns="91425" lIns="91425" spcFirstLastPara="1" rIns="91425" wrap="square" tIns="91425">
+          <a:bodyPr spcFirstLastPara="1" wrap="square" lIns="91425" tIns="91425" rIns="91425" bIns="91425" anchor="ctr" anchorCtr="0">
             <a:noAutofit/>
           </a:bodyPr>
           <a:lstStyle/>
           <a:p>
-            <a:pPr indent="0" lvl="0" marL="0" rtl="0" algn="ctr">
+            <a:pPr marL="0" lvl="0" indent="0" algn="ctr" rtl="0">
               <a:spcBef>
                 <a:spcPts val="0"/>
               </a:spcBef>
@@ -6878,7 +7070,9 @@
       <p:sp>
         <p:nvSpPr>
           <p:cNvPr id="65" name="Google Shape;65;p14"/>
-          <p:cNvSpPr txBox="1"/>
+          <p:cNvSpPr txBox="1">
+            <a:spLocks noGrp="1"/>
+          </p:cNvSpPr>
           <p:nvPr>
             <p:ph type="title"/>
           </p:nvPr>
@@ -6893,12 +7087,12 @@
           </a:prstGeom>
         </p:spPr>
         <p:txBody>
-          <a:bodyPr anchorCtr="0" anchor="t" bIns="91425" lIns="91425" spcFirstLastPara="1" rIns="91425" wrap="square" tIns="91425">
+          <a:bodyPr spcFirstLastPara="1" wrap="square" lIns="91425" tIns="91425" rIns="91425" bIns="91425" anchor="t" anchorCtr="0">
             <a:noAutofit/>
           </a:bodyPr>
           <a:lstStyle/>
           <a:p>
-            <a:pPr indent="-342900" lvl="0" marL="457200" rtl="0" algn="l">
+            <a:pPr marL="457200" lvl="0" indent="-342900" algn="l" rtl="0">
               <a:lnSpc>
                 <a:spcPct val="150000"/>
               </a:lnSpc>
@@ -6938,7 +7132,7 @@
             </a:endParaRPr>
           </a:p>
           <a:p>
-            <a:pPr indent="-342900" lvl="0" marL="457200" rtl="0" algn="l">
+            <a:pPr marL="457200" lvl="0" indent="-342900" algn="l" rtl="0">
               <a:lnSpc>
                 <a:spcPct val="150000"/>
               </a:lnSpc>
@@ -6978,7 +7172,7 @@
             </a:endParaRPr>
           </a:p>
           <a:p>
-            <a:pPr indent="-342900" lvl="0" marL="457200" rtl="0" algn="l">
+            <a:pPr marL="457200" lvl="0" indent="-342900" algn="l" rtl="0">
               <a:lnSpc>
                 <a:spcPct val="150000"/>
               </a:lnSpc>
@@ -7018,7 +7212,7 @@
             </a:endParaRPr>
           </a:p>
           <a:p>
-            <a:pPr indent="-342900" lvl="0" marL="457200" rtl="0" algn="l">
+            <a:pPr marL="457200" lvl="0" indent="-342900" algn="l" rtl="0">
               <a:lnSpc>
                 <a:spcPct val="150000"/>
               </a:lnSpc>
@@ -7058,7 +7252,7 @@
             </a:endParaRPr>
           </a:p>
           <a:p>
-            <a:pPr indent="-342900" lvl="0" marL="457200" rtl="0" algn="l">
+            <a:pPr marL="457200" lvl="0" indent="-342900" algn="l" rtl="0">
               <a:lnSpc>
                 <a:spcPct val="150000"/>
               </a:lnSpc>
@@ -7098,7 +7292,7 @@
             </a:endParaRPr>
           </a:p>
           <a:p>
-            <a:pPr indent="-342900" lvl="0" marL="457200" rtl="0" algn="l">
+            <a:pPr marL="457200" lvl="0" indent="-342900" algn="l" rtl="0">
               <a:lnSpc>
                 <a:spcPct val="150000"/>
               </a:lnSpc>
@@ -7138,7 +7332,7 @@
             </a:endParaRPr>
           </a:p>
           <a:p>
-            <a:pPr indent="-342900" lvl="0" marL="457200" rtl="0" algn="l">
+            <a:pPr marL="457200" lvl="0" indent="-342900" algn="l" rtl="0">
               <a:lnSpc>
                 <a:spcPct val="150000"/>
               </a:lnSpc>
@@ -7216,11 +7410,11 @@
 </file>
 
 <file path=ppt/slides/slide3.xml><?xml version="1.0" encoding="utf-8"?>
-<p:sld xmlns:a="http://schemas.openxmlformats.org/drawingml/2006/main" xmlns:r="http://schemas.openxmlformats.org/officeDocument/2006/relationships" xmlns:mc="http://schemas.openxmlformats.org/markup-compatibility/2006" xmlns:mv="urn:schemas-microsoft-com:mac:vml" xmlns:p="http://schemas.openxmlformats.org/presentationml/2006/main" xmlns:c="http://schemas.openxmlformats.org/drawingml/2006/chart" xmlns:dgm="http://schemas.openxmlformats.org/drawingml/2006/diagram" xmlns:o="urn:schemas-microsoft-com:office:office" xmlns:v="urn:schemas-microsoft-com:vml" xmlns:pvml="urn:schemas-microsoft-com:office:powerpoint" xmlns:com="http://schemas.openxmlformats.org/drawingml/2006/compatibility" xmlns:p14="http://schemas.microsoft.com/office/powerpoint/2010/main" xmlns:p15="http://schemas.microsoft.com/office/powerpoint/2012/main">
+<p:sld xmlns:a="http://schemas.openxmlformats.org/drawingml/2006/main" xmlns:r="http://schemas.openxmlformats.org/officeDocument/2006/relationships" xmlns:p="http://schemas.openxmlformats.org/presentationml/2006/main">
   <p:cSld>
     <p:spTree>
       <p:nvGrpSpPr>
-        <p:cNvPr id="70" name="Shape 70"/>
+        <p:cNvPr id="1" name="Shape 70"/>
         <p:cNvGrpSpPr/>
         <p:nvPr/>
       </p:nvGrpSpPr>
@@ -7235,7 +7429,9 @@
       <p:sp>
         <p:nvSpPr>
           <p:cNvPr id="71" name="Google Shape;71;p15"/>
-          <p:cNvSpPr txBox="1"/>
+          <p:cNvSpPr txBox="1">
+            <a:spLocks noGrp="1"/>
+          </p:cNvSpPr>
           <p:nvPr>
             <p:ph type="title"/>
           </p:nvPr>
@@ -7250,12 +7446,12 @@
           </a:prstGeom>
         </p:spPr>
         <p:txBody>
-          <a:bodyPr anchorCtr="0" anchor="ctr" bIns="91425" lIns="91425" spcFirstLastPara="1" rIns="91425" wrap="square" tIns="91425">
+          <a:bodyPr spcFirstLastPara="1" wrap="square" lIns="91425" tIns="91425" rIns="91425" bIns="91425" anchor="ctr" anchorCtr="0">
             <a:noAutofit/>
           </a:bodyPr>
           <a:lstStyle/>
           <a:p>
-            <a:pPr indent="0" lvl="0" marL="0" rtl="0" algn="l">
+            <a:pPr marL="0" lvl="0" indent="0" algn="l" rtl="0">
               <a:spcBef>
                 <a:spcPts val="0"/>
               </a:spcBef>
@@ -7265,7 +7461,7 @@
               <a:buNone/>
             </a:pPr>
             <a:r>
-              <a:rPr b="1" lang="en" sz="2600">
+              <a:rPr lang="en" sz="2600" b="1">
                 <a:solidFill>
                   <a:srgbClr val="000000"/>
                 </a:solidFill>
@@ -7300,12 +7496,12 @@
           </a:ln>
         </p:spPr>
         <p:txBody>
-          <a:bodyPr anchorCtr="0" anchor="t" bIns="91425" lIns="91425" spcFirstLastPara="1" rIns="91425" wrap="square" tIns="91425">
+          <a:bodyPr spcFirstLastPara="1" wrap="square" lIns="91425" tIns="91425" rIns="91425" bIns="91425" anchor="t" anchorCtr="0">
             <a:noAutofit/>
           </a:bodyPr>
           <a:lstStyle/>
           <a:p>
-            <a:pPr indent="-330200" lvl="0" marL="457200" rtl="0" algn="l">
+            <a:pPr marL="457200" lvl="0" indent="-330200" algn="l" rtl="0">
               <a:lnSpc>
                 <a:spcPct val="150000"/>
               </a:lnSpc>
@@ -7338,7 +7534,7 @@
             </a:endParaRPr>
           </a:p>
           <a:p>
-            <a:pPr indent="-330200" lvl="0" marL="457200" rtl="0" algn="l">
+            <a:pPr marL="457200" lvl="0" indent="-330200" algn="l" rtl="0">
               <a:lnSpc>
                 <a:spcPct val="150000"/>
               </a:lnSpc>
@@ -7371,7 +7567,7 @@
             </a:endParaRPr>
           </a:p>
           <a:p>
-            <a:pPr indent="-330200" lvl="0" marL="457200" rtl="0" algn="just">
+            <a:pPr marL="457200" lvl="0" indent="-330200" algn="just" rtl="0">
               <a:lnSpc>
                 <a:spcPct val="150000"/>
               </a:lnSpc>
@@ -7404,7 +7600,7 @@
             </a:endParaRPr>
           </a:p>
           <a:p>
-            <a:pPr indent="-330200" lvl="0" marL="457200" rtl="0" algn="just">
+            <a:pPr marL="457200" lvl="0" indent="-330200" algn="just" rtl="0">
               <a:lnSpc>
                 <a:spcPct val="150000"/>
               </a:lnSpc>
@@ -7437,7 +7633,7 @@
             </a:endParaRPr>
           </a:p>
           <a:p>
-            <a:pPr indent="-330200" lvl="0" marL="457200" rtl="0" algn="just">
+            <a:pPr marL="457200" lvl="0" indent="-330200" algn="just" rtl="0">
               <a:lnSpc>
                 <a:spcPct val="150000"/>
               </a:lnSpc>
@@ -7471,7 +7667,7 @@
             </a:endParaRPr>
           </a:p>
           <a:p>
-            <a:pPr indent="-330200" lvl="0" marL="457200" marR="0" rtl="0" algn="just">
+            <a:pPr marL="457200" marR="0" lvl="0" indent="-330200" algn="just" rtl="0">
               <a:lnSpc>
                 <a:spcPct val="150000"/>
               </a:lnSpc>
@@ -7504,7 +7700,7 @@
             </a:endParaRPr>
           </a:p>
           <a:p>
-            <a:pPr indent="0" lvl="0" marL="457200" marR="0" rtl="0" algn="just">
+            <a:pPr marL="457200" marR="0" lvl="0" indent="0" algn="just" rtl="0">
               <a:lnSpc>
                 <a:spcPct val="138000"/>
               </a:lnSpc>
@@ -7516,9 +7712,6 @@
               </a:spcAft>
               <a:buNone/>
             </a:pPr>
-            <a:r>
-              <a:t/>
-            </a:r>
             <a:endParaRPr sz="1600">
               <a:latin typeface="Montserrat"/>
               <a:ea typeface="Montserrat"/>
@@ -7527,7 +7720,7 @@
             </a:endParaRPr>
           </a:p>
           <a:p>
-            <a:pPr indent="0" lvl="0" marL="457200" rtl="0" algn="l">
+            <a:pPr marL="457200" lvl="0" indent="0" algn="l" rtl="0">
               <a:spcBef>
                 <a:spcPts val="0"/>
               </a:spcBef>
@@ -7536,9 +7729,6 @@
               </a:spcAft>
               <a:buNone/>
             </a:pPr>
-            <a:r>
-              <a:t/>
-            </a:r>
             <a:endParaRPr sz="1600">
               <a:latin typeface="Montserrat"/>
               <a:ea typeface="Montserrat"/>
@@ -7585,11 +7775,11 @@
 </file>
 
 <file path=ppt/slides/slide4.xml><?xml version="1.0" encoding="utf-8"?>
-<p:sld xmlns:a="http://schemas.openxmlformats.org/drawingml/2006/main" xmlns:r="http://schemas.openxmlformats.org/officeDocument/2006/relationships" xmlns:mc="http://schemas.openxmlformats.org/markup-compatibility/2006" xmlns:mv="urn:schemas-microsoft-com:mac:vml" xmlns:p="http://schemas.openxmlformats.org/presentationml/2006/main" xmlns:c="http://schemas.openxmlformats.org/drawingml/2006/chart" xmlns:dgm="http://schemas.openxmlformats.org/drawingml/2006/diagram" xmlns:o="urn:schemas-microsoft-com:office:office" xmlns:v="urn:schemas-microsoft-com:vml" xmlns:pvml="urn:schemas-microsoft-com:office:powerpoint" xmlns:com="http://schemas.openxmlformats.org/drawingml/2006/compatibility" xmlns:p14="http://schemas.microsoft.com/office/powerpoint/2010/main" xmlns:p15="http://schemas.microsoft.com/office/powerpoint/2012/main">
+<p:sld xmlns:a="http://schemas.openxmlformats.org/drawingml/2006/main" xmlns:r="http://schemas.openxmlformats.org/officeDocument/2006/relationships" xmlns:p="http://schemas.openxmlformats.org/presentationml/2006/main">
   <p:cSld>
     <p:spTree>
       <p:nvGrpSpPr>
-        <p:cNvPr id="77" name="Shape 77"/>
+        <p:cNvPr id="1" name="Shape 77"/>
         <p:cNvGrpSpPr/>
         <p:nvPr/>
       </p:nvGrpSpPr>
@@ -7604,7 +7794,9 @@
       <p:sp>
         <p:nvSpPr>
           <p:cNvPr id="78" name="Google Shape;78;p16"/>
-          <p:cNvSpPr txBox="1"/>
+          <p:cNvSpPr txBox="1">
+            <a:spLocks noGrp="1"/>
+          </p:cNvSpPr>
           <p:nvPr>
             <p:ph type="title"/>
           </p:nvPr>
@@ -7619,12 +7811,12 @@
           </a:prstGeom>
         </p:spPr>
         <p:txBody>
-          <a:bodyPr anchorCtr="0" anchor="ctr" bIns="91425" lIns="91425" spcFirstLastPara="1" rIns="91425" wrap="square" tIns="91425">
+          <a:bodyPr spcFirstLastPara="1" wrap="square" lIns="91425" tIns="91425" rIns="91425" bIns="91425" anchor="ctr" anchorCtr="0">
             <a:noAutofit/>
           </a:bodyPr>
           <a:lstStyle/>
           <a:p>
-            <a:pPr indent="0" lvl="0" marL="0" rtl="0" algn="ctr">
+            <a:pPr marL="0" lvl="0" indent="0" algn="ctr" rtl="0">
               <a:spcBef>
                 <a:spcPts val="0"/>
               </a:spcBef>
@@ -7634,7 +7826,7 @@
               <a:buNone/>
             </a:pPr>
             <a:r>
-              <a:rPr lang="en">
+              <a:rPr lang="en" dirty="0">
                 <a:solidFill>
                   <a:srgbClr val="000000"/>
                 </a:solidFill>
@@ -7643,9 +7835,9 @@
                 <a:cs typeface="Merriweather"/>
                 <a:sym typeface="Merriweather"/>
               </a:rPr>
-              <a:t>Picasso :: Technology Stack</a:t>
+              <a:t>Technology Stack</a:t>
             </a:r>
-            <a:endParaRPr>
+            <a:endParaRPr dirty="0">
               <a:solidFill>
                 <a:srgbClr val="000000"/>
               </a:solidFill>
@@ -7768,7 +7960,7 @@
             <a:noFill/>
           </a:ln>
           <a:effectLst>
-            <a:outerShdw blurRad="571500" rotWithShape="0" algn="bl" dir="5400000" dist="19050">
+            <a:outerShdw blurRad="571500" dist="19050" dir="5400000" algn="bl" rotWithShape="0">
               <a:srgbClr val="B7B7B7">
                 <a:alpha val="94000"/>
               </a:srgbClr>
@@ -7803,7 +7995,7 @@
             <a:noFill/>
           </a:ln>
           <a:effectLst>
-            <a:outerShdw blurRad="571500" rotWithShape="0" algn="bl" dir="5400000" dist="19050">
+            <a:outerShdw blurRad="571500" dist="19050" dir="5400000" algn="bl" rotWithShape="0">
               <a:srgbClr val="B7B7B7">
                 <a:alpha val="94000"/>
               </a:srgbClr>
@@ -7989,7 +8181,7 @@
           <a:blip r:embed="rId14">
             <a:alphaModFix/>
           </a:blip>
-          <a:srcRect b="-14450" l="-13370" r="13370" t="14450"/>
+          <a:srcRect l="-13370" t="14450" r="13370" b="-14450"/>
           <a:stretch/>
         </p:blipFill>
         <p:spPr>
@@ -8043,11 +8235,11 @@
 </file>
 
 <file path=ppt/slides/slide5.xml><?xml version="1.0" encoding="utf-8"?>
-<p:sld xmlns:a="http://schemas.openxmlformats.org/drawingml/2006/main" xmlns:r="http://schemas.openxmlformats.org/officeDocument/2006/relationships" xmlns:mc="http://schemas.openxmlformats.org/markup-compatibility/2006" xmlns:mv="urn:schemas-microsoft-com:mac:vml" xmlns:p="http://schemas.openxmlformats.org/presentationml/2006/main" xmlns:c="http://schemas.openxmlformats.org/drawingml/2006/chart" xmlns:dgm="http://schemas.openxmlformats.org/drawingml/2006/diagram" xmlns:o="urn:schemas-microsoft-com:office:office" xmlns:v="urn:schemas-microsoft-com:vml" xmlns:pvml="urn:schemas-microsoft-com:office:powerpoint" xmlns:com="http://schemas.openxmlformats.org/drawingml/2006/compatibility" xmlns:p14="http://schemas.microsoft.com/office/powerpoint/2010/main" xmlns:p15="http://schemas.microsoft.com/office/powerpoint/2012/main">
+<p:sld xmlns:a="http://schemas.openxmlformats.org/drawingml/2006/main" xmlns:r="http://schemas.openxmlformats.org/officeDocument/2006/relationships" xmlns:p="http://schemas.openxmlformats.org/presentationml/2006/main">
   <p:cSld>
     <p:spTree>
       <p:nvGrpSpPr>
-        <p:cNvPr id="95" name="Shape 95"/>
+        <p:cNvPr id="1" name="Shape 95"/>
         <p:cNvGrpSpPr/>
         <p:nvPr/>
       </p:nvGrpSpPr>
@@ -8062,7 +8254,9 @@
       <p:sp>
         <p:nvSpPr>
           <p:cNvPr id="96" name="Google Shape;96;p17"/>
-          <p:cNvSpPr txBox="1"/>
+          <p:cNvSpPr txBox="1">
+            <a:spLocks noGrp="1"/>
+          </p:cNvSpPr>
           <p:nvPr>
             <p:ph type="title"/>
           </p:nvPr>
@@ -8077,12 +8271,12 @@
           </a:prstGeom>
         </p:spPr>
         <p:txBody>
-          <a:bodyPr anchorCtr="0" anchor="ctr" bIns="91425" lIns="91425" spcFirstLastPara="1" rIns="91425" wrap="square" tIns="91425">
+          <a:bodyPr spcFirstLastPara="1" wrap="square" lIns="91425" tIns="91425" rIns="91425" bIns="91425" anchor="ctr" anchorCtr="0">
             <a:noAutofit/>
           </a:bodyPr>
           <a:lstStyle/>
           <a:p>
-            <a:pPr indent="0" lvl="0" marL="0" rtl="0" algn="ctr">
+            <a:pPr marL="0" lvl="0" indent="0" algn="ctr" rtl="0">
               <a:spcBef>
                 <a:spcPts val="0"/>
               </a:spcBef>
@@ -8101,19 +8295,7 @@
                 <a:cs typeface="Merriweather"/>
                 <a:sym typeface="Merriweather"/>
               </a:rPr>
-              <a:t>SpartanHub</a:t>
-            </a:r>
-            <a:r>
-              <a:rPr lang="en" sz="1400">
-                <a:solidFill>
-                  <a:srgbClr val="000000"/>
-                </a:solidFill>
-                <a:latin typeface="Merriweather"/>
-                <a:ea typeface="Merriweather"/>
-                <a:cs typeface="Merriweather"/>
-                <a:sym typeface="Merriweather"/>
-              </a:rPr>
-              <a:t> : Architecture</a:t>
+              <a:t>SpartanHub : Architecture</a:t>
             </a:r>
             <a:endParaRPr sz="1400">
               <a:solidFill>
@@ -8130,7 +8312,9 @@
       <p:sp>
         <p:nvSpPr>
           <p:cNvPr id="97" name="Google Shape;97;p17"/>
-          <p:cNvSpPr txBox="1"/>
+          <p:cNvSpPr txBox="1">
+            <a:spLocks noGrp="1"/>
+          </p:cNvSpPr>
           <p:nvPr>
             <p:ph type="title"/>
           </p:nvPr>
@@ -8145,12 +8329,12 @@
           </a:prstGeom>
         </p:spPr>
         <p:txBody>
-          <a:bodyPr anchorCtr="0" anchor="t" bIns="91425" lIns="91425" spcFirstLastPara="1" rIns="91425" wrap="square" tIns="91425">
+          <a:bodyPr spcFirstLastPara="1" wrap="square" lIns="91425" tIns="91425" rIns="91425" bIns="91425" anchor="t" anchorCtr="0">
             <a:noAutofit/>
           </a:bodyPr>
           <a:lstStyle/>
           <a:p>
-            <a:pPr indent="-317500" lvl="0" marL="457200" rtl="0" algn="l">
+            <a:pPr marL="457200" lvl="0" indent="-317500" algn="l" rtl="0">
               <a:lnSpc>
                 <a:spcPct val="115000"/>
               </a:lnSpc>
@@ -8190,7 +8374,7 @@
             </a:endParaRPr>
           </a:p>
           <a:p>
-            <a:pPr indent="-317500" lvl="0" marL="457200" rtl="0" algn="l">
+            <a:pPr marL="457200" lvl="0" indent="-317500" algn="l" rtl="0">
               <a:lnSpc>
                 <a:spcPct val="115000"/>
               </a:lnSpc>
@@ -8230,7 +8414,7 @@
             </a:endParaRPr>
           </a:p>
           <a:p>
-            <a:pPr indent="-317500" lvl="0" marL="457200" rtl="0" algn="l">
+            <a:pPr marL="457200" lvl="0" indent="-317500" algn="l" rtl="0">
               <a:lnSpc>
                 <a:spcPct val="115000"/>
               </a:lnSpc>
@@ -8270,7 +8454,7 @@
             </a:endParaRPr>
           </a:p>
           <a:p>
-            <a:pPr indent="-317500" lvl="0" marL="457200" rtl="0" algn="l">
+            <a:pPr marL="457200" lvl="0" indent="-317500" algn="l" rtl="0">
               <a:lnSpc>
                 <a:spcPct val="115000"/>
               </a:lnSpc>
@@ -8310,7 +8494,7 @@
             </a:endParaRPr>
           </a:p>
           <a:p>
-            <a:pPr indent="-317500" lvl="0" marL="457200" rtl="0" algn="l">
+            <a:pPr marL="457200" lvl="0" indent="-317500" algn="l" rtl="0">
               <a:lnSpc>
                 <a:spcPct val="115000"/>
               </a:lnSpc>
@@ -8350,7 +8534,7 @@
             </a:endParaRPr>
           </a:p>
           <a:p>
-            <a:pPr indent="-317500" lvl="0" marL="457200" rtl="0" algn="l">
+            <a:pPr marL="457200" lvl="0" indent="-317500" algn="l" rtl="0">
               <a:lnSpc>
                 <a:spcPct val="115000"/>
               </a:lnSpc>
@@ -8390,7 +8574,7 @@
             </a:endParaRPr>
           </a:p>
           <a:p>
-            <a:pPr indent="-317500" lvl="0" marL="457200" rtl="0" algn="l">
+            <a:pPr marL="457200" lvl="0" indent="-317500" algn="l" rtl="0">
               <a:lnSpc>
                 <a:spcPct val="115000"/>
               </a:lnSpc>
@@ -8430,7 +8614,7 @@
             </a:endParaRPr>
           </a:p>
           <a:p>
-            <a:pPr indent="0" lvl="0" marL="0" rtl="0" algn="l">
+            <a:pPr marL="0" lvl="0" indent="0" algn="l" rtl="0">
               <a:lnSpc>
                 <a:spcPct val="115000"/>
               </a:lnSpc>
@@ -8442,9 +8626,6 @@
               </a:spcAft>
               <a:buNone/>
             </a:pPr>
-            <a:r>
-              <a:t/>
-            </a:r>
             <a:endParaRPr sz="1400">
               <a:solidFill>
                 <a:srgbClr val="000000"/>
@@ -8494,11 +8675,11 @@
 </file>
 
 <file path=ppt/slides/slide6.xml><?xml version="1.0" encoding="utf-8"?>
-<p:sld xmlns:a="http://schemas.openxmlformats.org/drawingml/2006/main" xmlns:r="http://schemas.openxmlformats.org/officeDocument/2006/relationships" xmlns:mc="http://schemas.openxmlformats.org/markup-compatibility/2006" xmlns:mv="urn:schemas-microsoft-com:mac:vml" xmlns:p="http://schemas.openxmlformats.org/presentationml/2006/main" xmlns:c="http://schemas.openxmlformats.org/drawingml/2006/chart" xmlns:dgm="http://schemas.openxmlformats.org/drawingml/2006/diagram" xmlns:o="urn:schemas-microsoft-com:office:office" xmlns:v="urn:schemas-microsoft-com:vml" xmlns:pvml="urn:schemas-microsoft-com:office:powerpoint" xmlns:com="http://schemas.openxmlformats.org/drawingml/2006/compatibility" xmlns:p14="http://schemas.microsoft.com/office/powerpoint/2010/main" xmlns:p15="http://schemas.microsoft.com/office/powerpoint/2012/main">
+<p:sld xmlns:a="http://schemas.openxmlformats.org/drawingml/2006/main" xmlns:r="http://schemas.openxmlformats.org/officeDocument/2006/relationships" xmlns:p="http://schemas.openxmlformats.org/presentationml/2006/main">
   <p:cSld>
     <p:spTree>
       <p:nvGrpSpPr>
-        <p:cNvPr id="102" name="Shape 102"/>
+        <p:cNvPr id="1" name="Shape 102"/>
         <p:cNvGrpSpPr/>
         <p:nvPr/>
       </p:nvGrpSpPr>
@@ -8520,7 +8701,7 @@
           <a:blip r:embed="rId3">
             <a:alphaModFix/>
           </a:blip>
-          <a:srcRect b="0" l="6015" r="9738" t="16436"/>
+          <a:srcRect l="6015" t="16436" r="9738"/>
           <a:stretch/>
         </p:blipFill>
         <p:spPr>
@@ -8540,7 +8721,9 @@
       <p:sp>
         <p:nvSpPr>
           <p:cNvPr id="104" name="Google Shape;104;p18"/>
-          <p:cNvSpPr txBox="1"/>
+          <p:cNvSpPr txBox="1">
+            <a:spLocks noGrp="1"/>
+          </p:cNvSpPr>
           <p:nvPr>
             <p:ph type="title"/>
           </p:nvPr>
@@ -8555,12 +8738,12 @@
           </a:prstGeom>
         </p:spPr>
         <p:txBody>
-          <a:bodyPr anchorCtr="0" anchor="ctr" bIns="91425" lIns="91425" spcFirstLastPara="1" rIns="91425" wrap="square" tIns="91425">
+          <a:bodyPr spcFirstLastPara="1" wrap="square" lIns="91425" tIns="91425" rIns="91425" bIns="91425" anchor="ctr" anchorCtr="0">
             <a:noAutofit/>
           </a:bodyPr>
           <a:lstStyle/>
           <a:p>
-            <a:pPr indent="0" lvl="0" marL="0" rtl="0" algn="ctr">
+            <a:pPr marL="0" lvl="0" indent="0" algn="ctr" rtl="0">
               <a:spcBef>
                 <a:spcPts val="0"/>
               </a:spcBef>
@@ -8596,7 +8779,9 @@
       <p:sp>
         <p:nvSpPr>
           <p:cNvPr id="105" name="Google Shape;105;p18"/>
-          <p:cNvSpPr txBox="1"/>
+          <p:cNvSpPr txBox="1">
+            <a:spLocks noGrp="1"/>
+          </p:cNvSpPr>
           <p:nvPr>
             <p:ph type="title"/>
           </p:nvPr>
@@ -8611,12 +8796,12 @@
           </a:prstGeom>
         </p:spPr>
         <p:txBody>
-          <a:bodyPr anchorCtr="0" anchor="t" bIns="91425" lIns="91425" spcFirstLastPara="1" rIns="91425" wrap="square" tIns="91425">
+          <a:bodyPr spcFirstLastPara="1" wrap="square" lIns="91425" tIns="91425" rIns="91425" bIns="91425" anchor="t" anchorCtr="0">
             <a:noAutofit/>
           </a:bodyPr>
           <a:lstStyle/>
           <a:p>
-            <a:pPr indent="-330200" lvl="0" marL="457200" rtl="0" algn="l">
+            <a:pPr marL="457200" lvl="0" indent="-330200" algn="l" rtl="0">
               <a:lnSpc>
                 <a:spcPct val="150000"/>
               </a:lnSpc>
@@ -8634,7 +8819,7 @@
               <a:buChar char="●"/>
             </a:pPr>
             <a:r>
-              <a:rPr b="1" lang="en" sz="1600">
+              <a:rPr lang="en" sz="1600" b="1">
                 <a:solidFill>
                   <a:srgbClr val="000000"/>
                 </a:solidFill>
@@ -8645,7 +8830,7 @@
               </a:rPr>
               <a:t>X-Axis</a:t>
             </a:r>
-            <a:endParaRPr b="1" sz="1600">
+            <a:endParaRPr sz="1600" b="1">
               <a:solidFill>
                 <a:srgbClr val="000000"/>
               </a:solidFill>
@@ -8656,7 +8841,7 @@
             </a:endParaRPr>
           </a:p>
           <a:p>
-            <a:pPr indent="-330200" lvl="1" marL="914400" rtl="0" algn="l">
+            <a:pPr marL="914400" lvl="1" indent="-330200" algn="l" rtl="0">
               <a:lnSpc>
                 <a:spcPct val="150000"/>
               </a:lnSpc>
@@ -8696,7 +8881,7 @@
             </a:endParaRPr>
           </a:p>
           <a:p>
-            <a:pPr indent="-330200" lvl="0" marL="457200" rtl="0" algn="l">
+            <a:pPr marL="457200" lvl="0" indent="-330200" algn="l" rtl="0">
               <a:lnSpc>
                 <a:spcPct val="150000"/>
               </a:lnSpc>
@@ -8714,7 +8899,7 @@
               <a:buChar char="●"/>
             </a:pPr>
             <a:r>
-              <a:rPr b="1" lang="en" sz="1600">
+              <a:rPr lang="en" sz="1600" b="1">
                 <a:solidFill>
                   <a:srgbClr val="000000"/>
                 </a:solidFill>
@@ -8725,7 +8910,7 @@
               </a:rPr>
               <a:t>Y-Axis</a:t>
             </a:r>
-            <a:endParaRPr b="1" sz="1600">
+            <a:endParaRPr sz="1600" b="1">
               <a:solidFill>
                 <a:srgbClr val="000000"/>
               </a:solidFill>
@@ -8736,7 +8921,7 @@
             </a:endParaRPr>
           </a:p>
           <a:p>
-            <a:pPr indent="-330200" lvl="1" marL="914400" rtl="0" algn="l">
+            <a:pPr marL="914400" lvl="1" indent="-330200" algn="l" rtl="0">
               <a:lnSpc>
                 <a:spcPct val="150000"/>
               </a:lnSpc>
@@ -8776,7 +8961,7 @@
             </a:endParaRPr>
           </a:p>
           <a:p>
-            <a:pPr indent="-330200" lvl="0" marL="457200" rtl="0" algn="l">
+            <a:pPr marL="457200" lvl="0" indent="-330200" algn="l" rtl="0">
               <a:lnSpc>
                 <a:spcPct val="150000"/>
               </a:lnSpc>
@@ -8794,7 +8979,7 @@
               <a:buChar char="●"/>
             </a:pPr>
             <a:r>
-              <a:rPr b="1" lang="en" sz="1600">
+              <a:rPr lang="en" sz="1600" b="1">
                 <a:solidFill>
                   <a:srgbClr val="000000"/>
                 </a:solidFill>
@@ -8805,7 +8990,7 @@
               </a:rPr>
               <a:t>Z-Axis</a:t>
             </a:r>
-            <a:endParaRPr b="1" sz="1600">
+            <a:endParaRPr sz="1600" b="1">
               <a:solidFill>
                 <a:srgbClr val="000000"/>
               </a:solidFill>
@@ -8816,7 +9001,7 @@
             </a:endParaRPr>
           </a:p>
           <a:p>
-            <a:pPr indent="-330200" lvl="1" marL="914400" rtl="0" algn="l">
+            <a:pPr marL="914400" lvl="1" indent="-330200" algn="l" rtl="0">
               <a:lnSpc>
                 <a:spcPct val="150000"/>
               </a:lnSpc>
@@ -8866,11 +9051,11 @@
 </file>
 
 <file path=ppt/slides/slide7.xml><?xml version="1.0" encoding="utf-8"?>
-<p:sld xmlns:a="http://schemas.openxmlformats.org/drawingml/2006/main" xmlns:r="http://schemas.openxmlformats.org/officeDocument/2006/relationships" xmlns:mc="http://schemas.openxmlformats.org/markup-compatibility/2006" xmlns:mv="urn:schemas-microsoft-com:mac:vml" xmlns:p="http://schemas.openxmlformats.org/presentationml/2006/main" xmlns:c="http://schemas.openxmlformats.org/drawingml/2006/chart" xmlns:dgm="http://schemas.openxmlformats.org/drawingml/2006/diagram" xmlns:o="urn:schemas-microsoft-com:office:office" xmlns:v="urn:schemas-microsoft-com:vml" xmlns:pvml="urn:schemas-microsoft-com:office:powerpoint" xmlns:com="http://schemas.openxmlformats.org/drawingml/2006/compatibility" xmlns:p14="http://schemas.microsoft.com/office/powerpoint/2010/main" xmlns:p15="http://schemas.microsoft.com/office/powerpoint/2012/main">
+<p:sld xmlns:a="http://schemas.openxmlformats.org/drawingml/2006/main" xmlns:r="http://schemas.openxmlformats.org/officeDocument/2006/relationships" xmlns:p="http://schemas.openxmlformats.org/presentationml/2006/main">
   <p:cSld>
     <p:spTree>
       <p:nvGrpSpPr>
-        <p:cNvPr id="109" name="Shape 109"/>
+        <p:cNvPr id="1" name="Shape 109"/>
         <p:cNvGrpSpPr/>
         <p:nvPr/>
       </p:nvGrpSpPr>
@@ -8885,9 +9070,11 @@
       <p:sp>
         <p:nvSpPr>
           <p:cNvPr id="110" name="Google Shape;110;p19"/>
-          <p:cNvSpPr txBox="1"/>
+          <p:cNvSpPr txBox="1">
+            <a:spLocks noGrp="1"/>
+          </p:cNvSpPr>
           <p:nvPr>
-            <p:ph idx="4294967295" type="title"/>
+            <p:ph type="title" idx="4294967295"/>
           </p:nvPr>
         </p:nvSpPr>
         <p:spPr>
@@ -8900,12 +9087,12 @@
           </a:prstGeom>
         </p:spPr>
         <p:txBody>
-          <a:bodyPr anchorCtr="0" anchor="t" bIns="91425" lIns="91425" spcFirstLastPara="1" rIns="91425" wrap="square" tIns="91425">
+          <a:bodyPr spcFirstLastPara="1" wrap="square" lIns="91425" tIns="91425" rIns="91425" bIns="91425" anchor="t" anchorCtr="0">
             <a:noAutofit/>
           </a:bodyPr>
           <a:lstStyle/>
           <a:p>
-            <a:pPr indent="0" lvl="0" marL="0" rtl="0" algn="l">
+            <a:pPr marL="0" lvl="0" indent="0" algn="l" rtl="0">
               <a:spcBef>
                 <a:spcPts val="0"/>
               </a:spcBef>
@@ -8945,30 +9132,30 @@
           </a:xfrm>
           <a:prstGeom prst="upArrow">
             <a:avLst>
-              <a:gd fmla="val 50000" name="adj1"/>
-              <a:gd fmla="val 50000" name="adj2"/>
+              <a:gd name="adj1" fmla="val 50000"/>
+              <a:gd name="adj2" fmla="val 50000"/>
             </a:avLst>
           </a:prstGeom>
           <a:solidFill>
             <a:srgbClr val="FF9900"/>
           </a:solidFill>
-          <a:ln cap="flat" cmpd="sng" w="9525">
+          <a:ln w="9525" cap="flat" cmpd="sng">
             <a:solidFill>
               <a:schemeClr val="dk2"/>
             </a:solidFill>
             <a:prstDash val="solid"/>
             <a:round/>
-            <a:headEnd len="sm" w="sm" type="none"/>
-            <a:tailEnd len="sm" w="sm" type="none"/>
+            <a:headEnd type="none" w="sm" len="sm"/>
+            <a:tailEnd type="none" w="sm" len="sm"/>
           </a:ln>
         </p:spPr>
         <p:txBody>
-          <a:bodyPr anchorCtr="0" anchor="ctr" bIns="91425" lIns="91425" spcFirstLastPara="1" rIns="91425" wrap="square" tIns="91425">
+          <a:bodyPr spcFirstLastPara="1" wrap="square" lIns="91425" tIns="91425" rIns="91425" bIns="91425" anchor="ctr" anchorCtr="0">
             <a:noAutofit/>
           </a:bodyPr>
           <a:lstStyle/>
           <a:p>
-            <a:pPr indent="0" lvl="0" marL="0" rtl="0" algn="l">
+            <a:pPr marL="0" lvl="0" indent="0" algn="l" rtl="0">
               <a:spcBef>
                 <a:spcPts val="0"/>
               </a:spcBef>
@@ -8977,9 +9164,6 @@
               </a:spcAft>
               <a:buNone/>
             </a:pPr>
-            <a:r>
-              <a:t/>
-            </a:r>
             <a:endParaRPr/>
           </a:p>
         </p:txBody>
@@ -8993,11 +9177,11 @@
 </file>
 
 <file path=ppt/slides/slide8.xml><?xml version="1.0" encoding="utf-8"?>
-<p:sld xmlns:a="http://schemas.openxmlformats.org/drawingml/2006/main" xmlns:r="http://schemas.openxmlformats.org/officeDocument/2006/relationships" xmlns:mc="http://schemas.openxmlformats.org/markup-compatibility/2006" xmlns:mv="urn:schemas-microsoft-com:mac:vml" xmlns:p="http://schemas.openxmlformats.org/presentationml/2006/main" xmlns:c="http://schemas.openxmlformats.org/drawingml/2006/chart" xmlns:dgm="http://schemas.openxmlformats.org/drawingml/2006/diagram" xmlns:o="urn:schemas-microsoft-com:office:office" xmlns:v="urn:schemas-microsoft-com:vml" xmlns:pvml="urn:schemas-microsoft-com:office:powerpoint" xmlns:com="http://schemas.openxmlformats.org/drawingml/2006/compatibility" xmlns:p14="http://schemas.microsoft.com/office/powerpoint/2010/main" xmlns:p15="http://schemas.microsoft.com/office/powerpoint/2012/main">
+<p:sld xmlns:a="http://schemas.openxmlformats.org/drawingml/2006/main" xmlns:r="http://schemas.openxmlformats.org/officeDocument/2006/relationships" xmlns:p="http://schemas.openxmlformats.org/presentationml/2006/main">
   <p:cSld>
     <p:spTree>
       <p:nvGrpSpPr>
-        <p:cNvPr id="115" name="Shape 115"/>
+        <p:cNvPr id="1" name="Shape 115"/>
         <p:cNvGrpSpPr/>
         <p:nvPr/>
       </p:nvGrpSpPr>
@@ -9012,7 +9196,9 @@
       <p:sp>
         <p:nvSpPr>
           <p:cNvPr id="116" name="Google Shape;116;p20"/>
-          <p:cNvSpPr txBox="1"/>
+          <p:cNvSpPr txBox="1">
+            <a:spLocks noGrp="1"/>
+          </p:cNvSpPr>
           <p:nvPr>
             <p:ph type="title"/>
           </p:nvPr>
@@ -9027,12 +9213,12 @@
           </a:prstGeom>
         </p:spPr>
         <p:txBody>
-          <a:bodyPr anchorCtr="0" anchor="ctr" bIns="91425" lIns="91425" spcFirstLastPara="1" rIns="91425" wrap="square" tIns="91425">
+          <a:bodyPr spcFirstLastPara="1" wrap="square" lIns="91425" tIns="91425" rIns="91425" bIns="91425" anchor="ctr" anchorCtr="0">
             <a:noAutofit/>
           </a:bodyPr>
           <a:lstStyle/>
           <a:p>
-            <a:pPr indent="0" lvl="0" marL="0" rtl="0" algn="ctr">
+            <a:pPr marL="0" lvl="0" indent="0" algn="ctr" rtl="0">
               <a:spcBef>
                 <a:spcPts val="0"/>
               </a:spcBef>
@@ -9068,7 +9254,9 @@
       <p:sp>
         <p:nvSpPr>
           <p:cNvPr id="117" name="Google Shape;117;p20"/>
-          <p:cNvSpPr txBox="1"/>
+          <p:cNvSpPr txBox="1">
+            <a:spLocks noGrp="1"/>
+          </p:cNvSpPr>
           <p:nvPr>
             <p:ph type="title"/>
           </p:nvPr>
@@ -9083,12 +9271,12 @@
           </a:prstGeom>
         </p:spPr>
         <p:txBody>
-          <a:bodyPr anchorCtr="0" anchor="t" bIns="91425" lIns="91425" spcFirstLastPara="1" rIns="91425" wrap="square" tIns="91425">
+          <a:bodyPr spcFirstLastPara="1" wrap="square" lIns="91425" tIns="91425" rIns="91425" bIns="91425" anchor="t" anchorCtr="0">
             <a:noAutofit/>
           </a:bodyPr>
           <a:lstStyle/>
           <a:p>
-            <a:pPr indent="-317500" lvl="0" marL="457200" rtl="0" algn="l">
+            <a:pPr marL="457200" lvl="0" indent="-317500" algn="l" rtl="0">
               <a:lnSpc>
                 <a:spcPct val="200000"/>
               </a:lnSpc>
@@ -9128,7 +9316,7 @@
             </a:endParaRPr>
           </a:p>
           <a:p>
-            <a:pPr indent="-317500" lvl="0" marL="457200" rtl="0" algn="l">
+            <a:pPr marL="457200" lvl="0" indent="-317500" algn="l" rtl="0">
               <a:lnSpc>
                 <a:spcPct val="200000"/>
               </a:lnSpc>
@@ -9168,7 +9356,7 @@
             </a:endParaRPr>
           </a:p>
           <a:p>
-            <a:pPr indent="-317500" lvl="0" marL="457200" rtl="0" algn="l">
+            <a:pPr marL="457200" lvl="0" indent="-317500" algn="l" rtl="0">
               <a:lnSpc>
                 <a:spcPct val="200000"/>
               </a:lnSpc>
@@ -9208,7 +9396,7 @@
             </a:endParaRPr>
           </a:p>
           <a:p>
-            <a:pPr indent="-317500" lvl="0" marL="457200" rtl="0" algn="l">
+            <a:pPr marL="457200" lvl="0" indent="-317500" algn="l" rtl="0">
               <a:lnSpc>
                 <a:spcPct val="200000"/>
               </a:lnSpc>
@@ -9235,19 +9423,7 @@
                 <a:cs typeface="Merriweather"/>
                 <a:sym typeface="Merriweather"/>
               </a:rPr>
-              <a:t>Mongo Db </a:t>
-            </a:r>
-            <a:r>
-              <a:rPr lang="en" sz="1400">
-                <a:solidFill>
-                  <a:srgbClr val="000000"/>
-                </a:solidFill>
-                <a:latin typeface="Merriweather"/>
-                <a:ea typeface="Merriweather"/>
-                <a:cs typeface="Merriweather"/>
-                <a:sym typeface="Merriweather"/>
-              </a:rPr>
-              <a:t>sharding</a:t>
+              <a:t>Mongo Db sharding</a:t>
             </a:r>
             <a:endParaRPr sz="1400">
               <a:solidFill>
@@ -9260,7 +9436,7 @@
             </a:endParaRPr>
           </a:p>
           <a:p>
-            <a:pPr indent="-317500" lvl="0" marL="457200" rtl="0" algn="l">
+            <a:pPr marL="457200" lvl="0" indent="-317500" algn="l" rtl="0">
               <a:lnSpc>
                 <a:spcPct val="200000"/>
               </a:lnSpc>
@@ -9300,7 +9476,7 @@
             </a:endParaRPr>
           </a:p>
           <a:p>
-            <a:pPr indent="0" lvl="0" marL="457200" rtl="0" algn="l">
+            <a:pPr marL="457200" lvl="0" indent="0" algn="l" rtl="0">
               <a:lnSpc>
                 <a:spcPct val="200000"/>
               </a:lnSpc>
@@ -9312,9 +9488,6 @@
               </a:spcAft>
               <a:buNone/>
             </a:pPr>
-            <a:r>
-              <a:t/>
-            </a:r>
             <a:endParaRPr sz="1800">
               <a:solidFill>
                 <a:srgbClr val="000000"/>
@@ -9336,11 +9509,11 @@
 </file>
 
 <file path=ppt/slides/slide9.xml><?xml version="1.0" encoding="utf-8"?>
-<p:sld xmlns:a="http://schemas.openxmlformats.org/drawingml/2006/main" xmlns:r="http://schemas.openxmlformats.org/officeDocument/2006/relationships" xmlns:mc="http://schemas.openxmlformats.org/markup-compatibility/2006" xmlns:mv="urn:schemas-microsoft-com:mac:vml" xmlns:p="http://schemas.openxmlformats.org/presentationml/2006/main" xmlns:c="http://schemas.openxmlformats.org/drawingml/2006/chart" xmlns:dgm="http://schemas.openxmlformats.org/drawingml/2006/diagram" xmlns:o="urn:schemas-microsoft-com:office:office" xmlns:v="urn:schemas-microsoft-com:vml" xmlns:pvml="urn:schemas-microsoft-com:office:powerpoint" xmlns:com="http://schemas.openxmlformats.org/drawingml/2006/compatibility" xmlns:p14="http://schemas.microsoft.com/office/powerpoint/2010/main" xmlns:p15="http://schemas.microsoft.com/office/powerpoint/2012/main">
+<p:sld xmlns:a="http://schemas.openxmlformats.org/drawingml/2006/main" xmlns:r="http://schemas.openxmlformats.org/officeDocument/2006/relationships" xmlns:p="http://schemas.openxmlformats.org/presentationml/2006/main">
   <p:cSld>
     <p:spTree>
       <p:nvGrpSpPr>
-        <p:cNvPr id="121" name="Shape 121"/>
+        <p:cNvPr id="1" name="Shape 121"/>
         <p:cNvGrpSpPr/>
         <p:nvPr/>
       </p:nvGrpSpPr>
@@ -9355,7 +9528,9 @@
       <p:sp>
         <p:nvSpPr>
           <p:cNvPr id="122" name="Google Shape;122;p21"/>
-          <p:cNvSpPr txBox="1"/>
+          <p:cNvSpPr txBox="1">
+            <a:spLocks noGrp="1"/>
+          </p:cNvSpPr>
           <p:nvPr>
             <p:ph type="title"/>
           </p:nvPr>
@@ -9370,12 +9545,12 @@
           </a:prstGeom>
         </p:spPr>
         <p:txBody>
-          <a:bodyPr anchorCtr="0" anchor="ctr" bIns="91425" lIns="91425" spcFirstLastPara="1" rIns="91425" wrap="square" tIns="91425">
+          <a:bodyPr spcFirstLastPara="1" wrap="square" lIns="91425" tIns="91425" rIns="91425" bIns="91425" anchor="ctr" anchorCtr="0">
             <a:noAutofit/>
           </a:bodyPr>
           <a:lstStyle/>
           <a:p>
-            <a:pPr indent="0" lvl="0" marL="0" rtl="0" algn="l">
+            <a:pPr marL="0" lvl="0" indent="0" algn="l" rtl="0">
               <a:spcBef>
                 <a:spcPts val="0"/>
               </a:spcBef>
@@ -9409,7 +9584,7 @@
               <a:t> </a:t>
             </a:r>
             <a:r>
-              <a:rPr b="1" lang="en" sz="4800">
+              <a:rPr lang="en" sz="4800" b="1">
                 <a:solidFill>
                   <a:srgbClr val="FF9900"/>
                 </a:solidFill>
@@ -9447,7 +9622,9 @@
       <p:sp>
         <p:nvSpPr>
           <p:cNvPr id="123" name="Google Shape;123;p21"/>
-          <p:cNvSpPr txBox="1"/>
+          <p:cNvSpPr txBox="1">
+            <a:spLocks noGrp="1"/>
+          </p:cNvSpPr>
           <p:nvPr>
             <p:ph type="title"/>
           </p:nvPr>
@@ -9462,12 +9639,12 @@
           </a:prstGeom>
         </p:spPr>
         <p:txBody>
-          <a:bodyPr anchorCtr="0" anchor="ctr" bIns="91425" lIns="91425" spcFirstLastPara="1" rIns="91425" wrap="square" tIns="91425">
+          <a:bodyPr spcFirstLastPara="1" wrap="square" lIns="91425" tIns="91425" rIns="91425" bIns="91425" anchor="ctr" anchorCtr="0">
             <a:noAutofit/>
           </a:bodyPr>
           <a:lstStyle/>
           <a:p>
-            <a:pPr indent="0" lvl="0" marL="0" rtl="0" algn="l">
+            <a:pPr marL="0" lvl="0" indent="0" algn="l" rtl="0">
               <a:spcBef>
                 <a:spcPts val="0"/>
               </a:spcBef>
@@ -9509,7 +9686,7 @@
 </file>
 
 <file path=ppt/theme/theme1.xml><?xml version="1.0" encoding="utf-8"?>
-<a:theme xmlns:a="http://schemas.openxmlformats.org/drawingml/2006/main" xmlns:r="http://schemas.openxmlformats.org/officeDocument/2006/relationships" name="Simple Light">
+<a:theme xmlns:a="http://schemas.openxmlformats.org/drawingml/2006/main" name="Simple Light">
   <a:themeElements>
     <a:clrScheme name="Simple Light">
       <a:dk1>
@@ -9784,11 +9961,13 @@
       </a:bgFillStyleLst>
     </a:fmtScheme>
   </a:themeElements>
+  <a:objectDefaults/>
+  <a:extraClrSchemeLst/>
 </a:theme>
 </file>
 
 <file path=ppt/theme/theme2.xml><?xml version="1.0" encoding="utf-8"?>
-<a:theme xmlns:a="http://schemas.openxmlformats.org/drawingml/2006/main" xmlns:r="http://schemas.openxmlformats.org/officeDocument/2006/relationships">
+<a:theme xmlns:a="http://schemas.openxmlformats.org/drawingml/2006/main">
   <a:themeElements>
     <a:clrScheme name="Default">
       <a:dk1>
@@ -10063,5 +10242,7 @@
       </a:bgFillStyleLst>
     </a:fmtScheme>
   </a:themeElements>
+  <a:objectDefaults/>
+  <a:extraClrSchemeLst/>
 </a:theme>
 </file>